--- a/docs/presentation.pptx
+++ b/docs/presentation.pptx
@@ -274,7 +274,7 @@
           <a:p>
             <a:fld id="{05359567-96E5-485A-B872-33DFBCF803CD}" type="datetimeFigureOut">
               <a:rPr lang="ru-RU" smtClean="0"/>
-              <a:t>06.06.2023</a:t>
+              <a:t>09.06.2023</a:t>
             </a:fld>
             <a:endParaRPr lang="ru-RU"/>
           </a:p>
@@ -472,7 +472,7 @@
           <a:p>
             <a:fld id="{05359567-96E5-485A-B872-33DFBCF803CD}" type="datetimeFigureOut">
               <a:rPr lang="ru-RU" smtClean="0"/>
-              <a:t>06.06.2023</a:t>
+              <a:t>09.06.2023</a:t>
             </a:fld>
             <a:endParaRPr lang="ru-RU"/>
           </a:p>
@@ -680,7 +680,7 @@
           <a:p>
             <a:fld id="{05359567-96E5-485A-B872-33DFBCF803CD}" type="datetimeFigureOut">
               <a:rPr lang="ru-RU" smtClean="0"/>
-              <a:t>06.06.2023</a:t>
+              <a:t>09.06.2023</a:t>
             </a:fld>
             <a:endParaRPr lang="ru-RU"/>
           </a:p>
@@ -878,7 +878,7 @@
           <a:p>
             <a:fld id="{05359567-96E5-485A-B872-33DFBCF803CD}" type="datetimeFigureOut">
               <a:rPr lang="ru-RU" smtClean="0"/>
-              <a:t>06.06.2023</a:t>
+              <a:t>09.06.2023</a:t>
             </a:fld>
             <a:endParaRPr lang="ru-RU"/>
           </a:p>
@@ -1153,7 +1153,7 @@
           <a:p>
             <a:fld id="{05359567-96E5-485A-B872-33DFBCF803CD}" type="datetimeFigureOut">
               <a:rPr lang="ru-RU" smtClean="0"/>
-              <a:t>06.06.2023</a:t>
+              <a:t>09.06.2023</a:t>
             </a:fld>
             <a:endParaRPr lang="ru-RU"/>
           </a:p>
@@ -1418,7 +1418,7 @@
           <a:p>
             <a:fld id="{05359567-96E5-485A-B872-33DFBCF803CD}" type="datetimeFigureOut">
               <a:rPr lang="ru-RU" smtClean="0"/>
-              <a:t>06.06.2023</a:t>
+              <a:t>09.06.2023</a:t>
             </a:fld>
             <a:endParaRPr lang="ru-RU"/>
           </a:p>
@@ -1830,7 +1830,7 @@
           <a:p>
             <a:fld id="{05359567-96E5-485A-B872-33DFBCF803CD}" type="datetimeFigureOut">
               <a:rPr lang="ru-RU" smtClean="0"/>
-              <a:t>06.06.2023</a:t>
+              <a:t>09.06.2023</a:t>
             </a:fld>
             <a:endParaRPr lang="ru-RU"/>
           </a:p>
@@ -1971,7 +1971,7 @@
           <a:p>
             <a:fld id="{05359567-96E5-485A-B872-33DFBCF803CD}" type="datetimeFigureOut">
               <a:rPr lang="ru-RU" smtClean="0"/>
-              <a:t>06.06.2023</a:t>
+              <a:t>09.06.2023</a:t>
             </a:fld>
             <a:endParaRPr lang="ru-RU"/>
           </a:p>
@@ -2084,7 +2084,7 @@
           <a:p>
             <a:fld id="{05359567-96E5-485A-B872-33DFBCF803CD}" type="datetimeFigureOut">
               <a:rPr lang="ru-RU" smtClean="0"/>
-              <a:t>06.06.2023</a:t>
+              <a:t>09.06.2023</a:t>
             </a:fld>
             <a:endParaRPr lang="ru-RU"/>
           </a:p>
@@ -2395,7 +2395,7 @@
           <a:p>
             <a:fld id="{05359567-96E5-485A-B872-33DFBCF803CD}" type="datetimeFigureOut">
               <a:rPr lang="ru-RU" smtClean="0"/>
-              <a:t>06.06.2023</a:t>
+              <a:t>09.06.2023</a:t>
             </a:fld>
             <a:endParaRPr lang="ru-RU"/>
           </a:p>
@@ -2683,7 +2683,7 @@
           <a:p>
             <a:fld id="{05359567-96E5-485A-B872-33DFBCF803CD}" type="datetimeFigureOut">
               <a:rPr lang="ru-RU" smtClean="0"/>
-              <a:t>06.06.2023</a:t>
+              <a:t>09.06.2023</a:t>
             </a:fld>
             <a:endParaRPr lang="ru-RU"/>
           </a:p>
@@ -2924,7 +2924,7 @@
           <a:p>
             <a:fld id="{05359567-96E5-485A-B872-33DFBCF803CD}" type="datetimeFigureOut">
               <a:rPr lang="ru-RU" smtClean="0"/>
-              <a:t>06.06.2023</a:t>
+              <a:t>09.06.2023</a:t>
             </a:fld>
             <a:endParaRPr lang="ru-RU"/>
           </a:p>
@@ -3397,7 +3397,7 @@
         </p:nvSpPr>
         <p:spPr>
           <a:xfrm>
-            <a:off x="1523999" y="4995505"/>
+            <a:off x="1524000" y="4795480"/>
             <a:ext cx="9144000" cy="1655762"/>
           </a:xfrm>
         </p:spPr>
@@ -3522,6 +3522,45 @@
               <a:cs typeface="Calibri"/>
               <a:sym typeface="Calibri"/>
             </a:endParaRPr>
+          </a:p>
+        </p:txBody>
+      </p:sp>
+      <p:sp>
+        <p:nvSpPr>
+          <p:cNvPr id="5" name="TextBox 4">
+            <a:extLst>
+              <a:ext uri="{FF2B5EF4-FFF2-40B4-BE49-F238E27FC236}">
+                <a16:creationId xmlns:a16="http://schemas.microsoft.com/office/drawing/2014/main" id="{B6034A99-FBE7-659F-9766-95E4FFFF5631}"/>
+              </a:ext>
+            </a:extLst>
+          </p:cNvPr>
+          <p:cNvSpPr txBox="1"/>
+          <p:nvPr/>
+        </p:nvSpPr>
+        <p:spPr>
+          <a:xfrm>
+            <a:off x="4424361" y="6251157"/>
+            <a:ext cx="3343275" cy="400110"/>
+          </a:xfrm>
+          <a:prstGeom prst="rect">
+            <a:avLst/>
+          </a:prstGeom>
+          <a:noFill/>
+        </p:spPr>
+        <p:txBody>
+          <a:bodyPr wrap="square" rtlCol="0">
+            <a:spAutoFit/>
+          </a:bodyPr>
+          <a:lstStyle/>
+          <a:p>
+            <a:pPr algn="ctr"/>
+            <a:r>
+              <a:rPr lang="ru-RU" sz="2000" dirty="0">
+                <a:latin typeface="Times New Roman" panose="02020603050405020304" pitchFamily="18" charset="0"/>
+                <a:cs typeface="Times New Roman" panose="02020603050405020304" pitchFamily="18" charset="0"/>
+              </a:rPr>
+              <a:t>Москва, 2023 г.</a:t>
+            </a:r>
           </a:p>
         </p:txBody>
       </p:sp>
@@ -3942,61 +3981,25 @@
           <a:chExt cx="0" cy="0"/>
         </a:xfrm>
       </p:grpSpPr>
-      <p:pic>
-        <p:nvPicPr>
-          <p:cNvPr id="9" name="Рисунок 8">
-            <a:extLst>
-              <a:ext uri="{FF2B5EF4-FFF2-40B4-BE49-F238E27FC236}">
-                <a16:creationId xmlns:a16="http://schemas.microsoft.com/office/drawing/2014/main" id="{D55A8F29-1C3F-B1FF-654A-164A01434258}"/>
-              </a:ext>
-            </a:extLst>
-          </p:cNvPr>
-          <p:cNvPicPr>
-            <a:picLocks noChangeAspect="1"/>
-          </p:cNvPicPr>
-          <p:nvPr/>
-        </p:nvPicPr>
-        <p:blipFill>
-          <a:blip r:embed="rId2">
-            <a:extLst>
-              <a:ext uri="{28A0092B-C50C-407E-A947-70E740481C1C}">
-                <a14:useLocalDpi xmlns:a14="http://schemas.microsoft.com/office/drawing/2010/main" val="0"/>
-              </a:ext>
-            </a:extLst>
-          </a:blip>
-          <a:stretch>
-            <a:fillRect/>
-          </a:stretch>
-        </p:blipFill>
+      <p:sp>
+        <p:nvSpPr>
+          <p:cNvPr id="2" name="Заголовок 1">
+            <a:extLst>
+              <a:ext uri="{FF2B5EF4-FFF2-40B4-BE49-F238E27FC236}">
+                <a16:creationId xmlns:a16="http://schemas.microsoft.com/office/drawing/2014/main" id="{CF5FD8D3-B2FE-15B1-0C7E-2E1C09A778CB}"/>
+              </a:ext>
+            </a:extLst>
+          </p:cNvPr>
+          <p:cNvSpPr>
+            <a:spLocks noGrp="1"/>
+          </p:cNvSpPr>
+          <p:nvPr>
+            <p:ph type="title"/>
+          </p:nvPr>
+        </p:nvSpPr>
         <p:spPr>
           <a:xfrm>
-            <a:off x="6096000" y="1482725"/>
-            <a:ext cx="5852172" cy="4389129"/>
-          </a:xfrm>
-          <a:prstGeom prst="rect">
-            <a:avLst/>
-          </a:prstGeom>
-        </p:spPr>
-      </p:pic>
-      <p:sp>
-        <p:nvSpPr>
-          <p:cNvPr id="2" name="Заголовок 1">
-            <a:extLst>
-              <a:ext uri="{FF2B5EF4-FFF2-40B4-BE49-F238E27FC236}">
-                <a16:creationId xmlns:a16="http://schemas.microsoft.com/office/drawing/2014/main" id="{CF5FD8D3-B2FE-15B1-0C7E-2E1C09A778CB}"/>
-              </a:ext>
-            </a:extLst>
-          </p:cNvPr>
-          <p:cNvSpPr>
-            <a:spLocks noGrp="1"/>
-          </p:cNvSpPr>
-          <p:nvPr>
-            <p:ph type="title"/>
-          </p:nvPr>
-        </p:nvSpPr>
-        <p:spPr>
-          <a:xfrm>
-            <a:off x="838200" y="376237"/>
+            <a:off x="838200" y="233362"/>
             <a:ext cx="10515600" cy="1009651"/>
           </a:xfrm>
         </p:spPr>
@@ -4011,296 +4014,6 @@
               </a:rPr>
               <a:t>Сравнение результатов работы с аналогом</a:t>
             </a:r>
-          </a:p>
-        </p:txBody>
-      </p:sp>
-      <p:graphicFrame>
-        <p:nvGraphicFramePr>
-          <p:cNvPr id="7" name="Таблица 7">
-            <a:extLst>
-              <a:ext uri="{FF2B5EF4-FFF2-40B4-BE49-F238E27FC236}">
-                <a16:creationId xmlns:a16="http://schemas.microsoft.com/office/drawing/2014/main" id="{0A1CF7C0-5500-C76F-DA68-7F4E48503539}"/>
-              </a:ext>
-            </a:extLst>
-          </p:cNvPr>
-          <p:cNvGraphicFramePr>
-            <a:graphicFrameLocks noGrp="1"/>
-          </p:cNvGraphicFramePr>
-          <p:nvPr>
-            <p:ph idx="1"/>
-            <p:extLst>
-              <p:ext uri="{D42A27DB-BD31-4B8C-83A1-F6EECF244321}">
-                <p14:modId xmlns:p14="http://schemas.microsoft.com/office/powerpoint/2010/main" val="3266120525"/>
-              </p:ext>
-            </p:extLst>
-          </p:nvPr>
-        </p:nvGraphicFramePr>
-        <p:xfrm>
-          <a:off x="838200" y="2006600"/>
-          <a:ext cx="5000625" cy="1920240"/>
-        </p:xfrm>
-        <a:graphic>
-          <a:graphicData uri="http://schemas.openxmlformats.org/drawingml/2006/table">
-            <a:tbl>
-              <a:tblPr firstRow="1" bandRow="1">
-                <a:tableStyleId>{8799B23B-EC83-4686-B30A-512413B5E67A}</a:tableStyleId>
-              </a:tblPr>
-              <a:tblGrid>
-                <a:gridCol w="1666875">
-                  <a:extLst>
-                    <a:ext uri="{9D8B030D-6E8A-4147-A177-3AD203B41FA5}">
-                      <a16:colId xmlns:a16="http://schemas.microsoft.com/office/drawing/2014/main" val="660375231"/>
-                    </a:ext>
-                  </a:extLst>
-                </a:gridCol>
-                <a:gridCol w="1666875">
-                  <a:extLst>
-                    <a:ext uri="{9D8B030D-6E8A-4147-A177-3AD203B41FA5}">
-                      <a16:colId xmlns:a16="http://schemas.microsoft.com/office/drawing/2014/main" val="329356951"/>
-                    </a:ext>
-                  </a:extLst>
-                </a:gridCol>
-                <a:gridCol w="1666875">
-                  <a:extLst>
-                    <a:ext uri="{9D8B030D-6E8A-4147-A177-3AD203B41FA5}">
-                      <a16:colId xmlns:a16="http://schemas.microsoft.com/office/drawing/2014/main" val="1091476700"/>
-                    </a:ext>
-                  </a:extLst>
-                </a:gridCol>
-              </a:tblGrid>
-              <a:tr h="370840">
-                <a:tc>
-                  <a:txBody>
-                    <a:bodyPr/>
-                    <a:lstStyle/>
-                    <a:p>
-                      <a:endParaRPr lang="ru-RU">
-                        <a:latin typeface="Times New Roman" panose="02020603050405020304" pitchFamily="18" charset="0"/>
-                        <a:cs typeface="Times New Roman" panose="02020603050405020304" pitchFamily="18" charset="0"/>
-                      </a:endParaRPr>
-                    </a:p>
-                  </a:txBody>
-                  <a:tcPr/>
-                </a:tc>
-                <a:tc>
-                  <a:txBody>
-                    <a:bodyPr/>
-                    <a:lstStyle/>
-                    <a:p>
-                      <a:r>
-                        <a:rPr lang="ru-RU" dirty="0">
-                          <a:latin typeface="Times New Roman" panose="02020603050405020304" pitchFamily="18" charset="0"/>
-                          <a:cs typeface="Times New Roman" panose="02020603050405020304" pitchFamily="18" charset="0"/>
-                        </a:rPr>
-                        <a:t>Ошибка метода (%)</a:t>
-                      </a:r>
-                    </a:p>
-                  </a:txBody>
-                  <a:tcPr/>
-                </a:tc>
-                <a:tc>
-                  <a:txBody>
-                    <a:bodyPr/>
-                    <a:lstStyle/>
-                    <a:p>
-                      <a:r>
-                        <a:rPr lang="ru-RU" dirty="0">
-                          <a:latin typeface="Times New Roman" panose="02020603050405020304" pitchFamily="18" charset="0"/>
-                          <a:cs typeface="Times New Roman" panose="02020603050405020304" pitchFamily="18" charset="0"/>
-                        </a:rPr>
-                        <a:t>Ошибка аналога* (%)</a:t>
-                      </a:r>
-                    </a:p>
-                  </a:txBody>
-                  <a:tcPr/>
-                </a:tc>
-                <a:extLst>
-                  <a:ext uri="{0D108BD9-81ED-4DB2-BD59-A6C34878D82A}">
-                    <a16:rowId xmlns:a16="http://schemas.microsoft.com/office/drawing/2014/main" val="686846414"/>
-                  </a:ext>
-                </a:extLst>
-              </a:tr>
-              <a:tr h="370840">
-                <a:tc>
-                  <a:txBody>
-                    <a:bodyPr/>
-                    <a:lstStyle/>
-                    <a:p>
-                      <a:r>
-                        <a:rPr lang="ru-RU" dirty="0">
-                          <a:latin typeface="Times New Roman" panose="02020603050405020304" pitchFamily="18" charset="0"/>
-                          <a:cs typeface="Times New Roman" panose="02020603050405020304" pitchFamily="18" charset="0"/>
-                        </a:rPr>
-                        <a:t>Постоянный темп</a:t>
-                      </a:r>
-                    </a:p>
-                  </a:txBody>
-                  <a:tcPr/>
-                </a:tc>
-                <a:tc>
-                  <a:txBody>
-                    <a:bodyPr/>
-                    <a:lstStyle/>
-                    <a:p>
-                      <a:r>
-                        <a:rPr lang="ru-RU" dirty="0">
-                          <a:latin typeface="Times New Roman" panose="02020603050405020304" pitchFamily="18" charset="0"/>
-                          <a:cs typeface="Times New Roman" panose="02020603050405020304" pitchFamily="18" charset="0"/>
-                        </a:rPr>
-                        <a:t>7</a:t>
-                      </a:r>
-                    </a:p>
-                  </a:txBody>
-                  <a:tcPr/>
-                </a:tc>
-                <a:tc>
-                  <a:txBody>
-                    <a:bodyPr/>
-                    <a:lstStyle/>
-                    <a:p>
-                      <a:r>
-                        <a:rPr lang="ru-RU" dirty="0">
-                          <a:latin typeface="Times New Roman" panose="02020603050405020304" pitchFamily="18" charset="0"/>
-                          <a:cs typeface="Times New Roman" panose="02020603050405020304" pitchFamily="18" charset="0"/>
-                        </a:rPr>
-                        <a:t>1</a:t>
-                      </a:r>
-                    </a:p>
-                  </a:txBody>
-                  <a:tcPr/>
-                </a:tc>
-                <a:extLst>
-                  <a:ext uri="{0D108BD9-81ED-4DB2-BD59-A6C34878D82A}">
-                    <a16:rowId xmlns:a16="http://schemas.microsoft.com/office/drawing/2014/main" val="2529341622"/>
-                  </a:ext>
-                </a:extLst>
-              </a:tr>
-              <a:tr h="370840">
-                <a:tc>
-                  <a:txBody>
-                    <a:bodyPr/>
-                    <a:lstStyle/>
-                    <a:p>
-                      <a:r>
-                        <a:rPr lang="ru-RU" dirty="0">
-                          <a:latin typeface="Times New Roman" panose="02020603050405020304" pitchFamily="18" charset="0"/>
-                          <a:cs typeface="Times New Roman" panose="02020603050405020304" pitchFamily="18" charset="0"/>
-                        </a:rPr>
-                        <a:t>Переменный темп</a:t>
-                      </a:r>
-                    </a:p>
-                  </a:txBody>
-                  <a:tcPr/>
-                </a:tc>
-                <a:tc>
-                  <a:txBody>
-                    <a:bodyPr/>
-                    <a:lstStyle/>
-                    <a:p>
-                      <a:r>
-                        <a:rPr lang="ru-RU" dirty="0">
-                          <a:latin typeface="Times New Roman" panose="02020603050405020304" pitchFamily="18" charset="0"/>
-                          <a:cs typeface="Times New Roman" panose="02020603050405020304" pitchFamily="18" charset="0"/>
-                        </a:rPr>
-                        <a:t>7</a:t>
-                      </a:r>
-                    </a:p>
-                  </a:txBody>
-                  <a:tcPr/>
-                </a:tc>
-                <a:tc>
-                  <a:txBody>
-                    <a:bodyPr/>
-                    <a:lstStyle/>
-                    <a:p>
-                      <a:r>
-                        <a:rPr lang="ru-RU" dirty="0">
-                          <a:latin typeface="Times New Roman" panose="02020603050405020304" pitchFamily="18" charset="0"/>
-                          <a:cs typeface="Times New Roman" panose="02020603050405020304" pitchFamily="18" charset="0"/>
-                        </a:rPr>
-                        <a:t>22</a:t>
-                      </a:r>
-                    </a:p>
-                  </a:txBody>
-                  <a:tcPr/>
-                </a:tc>
-                <a:extLst>
-                  <a:ext uri="{0D108BD9-81ED-4DB2-BD59-A6C34878D82A}">
-                    <a16:rowId xmlns:a16="http://schemas.microsoft.com/office/drawing/2014/main" val="176334647"/>
-                  </a:ext>
-                </a:extLst>
-              </a:tr>
-            </a:tbl>
-          </a:graphicData>
-        </a:graphic>
-      </p:graphicFrame>
-      <p:sp>
-        <p:nvSpPr>
-          <p:cNvPr id="10" name="TextBox 9">
-            <a:extLst>
-              <a:ext uri="{FF2B5EF4-FFF2-40B4-BE49-F238E27FC236}">
-                <a16:creationId xmlns:a16="http://schemas.microsoft.com/office/drawing/2014/main" id="{862FA05B-C043-EF0F-AF6A-E2887C1BDED0}"/>
-              </a:ext>
-            </a:extLst>
-          </p:cNvPr>
-          <p:cNvSpPr txBox="1"/>
-          <p:nvPr/>
-        </p:nvSpPr>
-        <p:spPr>
-          <a:xfrm>
-            <a:off x="838200" y="4172258"/>
-            <a:ext cx="5257800" cy="375294"/>
-          </a:xfrm>
-          <a:prstGeom prst="rect">
-            <a:avLst/>
-          </a:prstGeom>
-          <a:noFill/>
-        </p:spPr>
-        <p:txBody>
-          <a:bodyPr wrap="square" rtlCol="0">
-            <a:spAutoFit/>
-          </a:bodyPr>
-          <a:lstStyle/>
-          <a:p>
-            <a:r>
-              <a:rPr lang="ru-RU" i="1" dirty="0">
-                <a:latin typeface="Times New Roman" panose="02020603050405020304" pitchFamily="18" charset="0"/>
-                <a:cs typeface="Times New Roman" panose="02020603050405020304" pitchFamily="18" charset="0"/>
-              </a:rPr>
-              <a:t>*Метод </a:t>
-            </a:r>
-            <a:r>
-              <a:rPr lang="en-US" i="1" dirty="0" err="1">
-                <a:latin typeface="Times New Roman" panose="02020603050405020304" pitchFamily="18" charset="0"/>
-                <a:cs typeface="Times New Roman" panose="02020603050405020304" pitchFamily="18" charset="0"/>
-              </a:rPr>
-              <a:t>beat_track</a:t>
-            </a:r>
-            <a:r>
-              <a:rPr lang="en-US" i="1" dirty="0">
-                <a:latin typeface="Times New Roman" panose="02020603050405020304" pitchFamily="18" charset="0"/>
-                <a:cs typeface="Times New Roman" panose="02020603050405020304" pitchFamily="18" charset="0"/>
-              </a:rPr>
-              <a:t>() </a:t>
-            </a:r>
-            <a:r>
-              <a:rPr lang="ru-RU" i="1" dirty="0">
-                <a:latin typeface="Times New Roman" panose="02020603050405020304" pitchFamily="18" charset="0"/>
-                <a:cs typeface="Times New Roman" panose="02020603050405020304" pitchFamily="18" charset="0"/>
-              </a:rPr>
-              <a:t>из библиотеки </a:t>
-            </a:r>
-            <a:r>
-              <a:rPr lang="en-US" i="1" dirty="0" err="1">
-                <a:latin typeface="Times New Roman" panose="02020603050405020304" pitchFamily="18" charset="0"/>
-                <a:cs typeface="Times New Roman" panose="02020603050405020304" pitchFamily="18" charset="0"/>
-              </a:rPr>
-              <a:t>librosa</a:t>
-            </a:r>
-            <a:endParaRPr lang="ru-RU" i="1" dirty="0">
-              <a:latin typeface="Times New Roman" panose="02020603050405020304" pitchFamily="18" charset="0"/>
-              <a:cs typeface="Times New Roman" panose="02020603050405020304" pitchFamily="18" charset="0"/>
-            </a:endParaRPr>
           </a:p>
         </p:txBody>
       </p:sp>
@@ -4365,6 +4078,154 @@
               <a:latin typeface="Times New Roman" panose="02020603050405020304" pitchFamily="18" charset="0"/>
               <a:cs typeface="Times New Roman" panose="02020603050405020304" pitchFamily="18" charset="0"/>
             </a:endParaRPr>
+          </a:p>
+        </p:txBody>
+      </p:sp>
+      <p:pic>
+        <p:nvPicPr>
+          <p:cNvPr id="8" name="Рисунок 7">
+            <a:extLst>
+              <a:ext uri="{FF2B5EF4-FFF2-40B4-BE49-F238E27FC236}">
+                <a16:creationId xmlns:a16="http://schemas.microsoft.com/office/drawing/2014/main" id="{A57B7A4A-8F0A-CF92-2407-7308ED2A3E46}"/>
+              </a:ext>
+            </a:extLst>
+          </p:cNvPr>
+          <p:cNvPicPr>
+            <a:picLocks noChangeAspect="1"/>
+          </p:cNvPicPr>
+          <p:nvPr/>
+        </p:nvPicPr>
+        <p:blipFill>
+          <a:blip r:embed="rId2">
+            <a:extLst>
+              <a:ext uri="{28A0092B-C50C-407E-A947-70E740481C1C}">
+                <a14:useLocalDpi xmlns:a14="http://schemas.microsoft.com/office/drawing/2010/main" val="0"/>
+              </a:ext>
+            </a:extLst>
+          </a:blip>
+          <a:stretch>
+            <a:fillRect/>
+          </a:stretch>
+        </p:blipFill>
+        <p:spPr>
+          <a:xfrm>
+            <a:off x="411456" y="1787833"/>
+            <a:ext cx="5852172" cy="4389129"/>
+          </a:xfrm>
+          <a:prstGeom prst="rect">
+            <a:avLst/>
+          </a:prstGeom>
+        </p:spPr>
+      </p:pic>
+      <p:pic>
+        <p:nvPicPr>
+          <p:cNvPr id="12" name="Рисунок 11">
+            <a:extLst>
+              <a:ext uri="{FF2B5EF4-FFF2-40B4-BE49-F238E27FC236}">
+                <a16:creationId xmlns:a16="http://schemas.microsoft.com/office/drawing/2014/main" id="{07779AF2-2A9A-9C0B-33AE-9E7AC3B000F6}"/>
+              </a:ext>
+            </a:extLst>
+          </p:cNvPr>
+          <p:cNvPicPr>
+            <a:picLocks noChangeAspect="1"/>
+          </p:cNvPicPr>
+          <p:nvPr/>
+        </p:nvPicPr>
+        <p:blipFill>
+          <a:blip r:embed="rId3">
+            <a:extLst>
+              <a:ext uri="{28A0092B-C50C-407E-A947-70E740481C1C}">
+                <a14:useLocalDpi xmlns:a14="http://schemas.microsoft.com/office/drawing/2010/main" val="0"/>
+              </a:ext>
+            </a:extLst>
+          </a:blip>
+          <a:stretch>
+            <a:fillRect/>
+          </a:stretch>
+        </p:blipFill>
+        <p:spPr>
+          <a:xfrm>
+            <a:off x="6096000" y="1787833"/>
+            <a:ext cx="5852172" cy="4389129"/>
+          </a:xfrm>
+          <a:prstGeom prst="rect">
+            <a:avLst/>
+          </a:prstGeom>
+        </p:spPr>
+      </p:pic>
+      <p:sp>
+        <p:nvSpPr>
+          <p:cNvPr id="13" name="TextBox 12">
+            <a:extLst>
+              <a:ext uri="{FF2B5EF4-FFF2-40B4-BE49-F238E27FC236}">
+                <a16:creationId xmlns:a16="http://schemas.microsoft.com/office/drawing/2014/main" id="{E25751FD-7915-348F-5C63-1B994FAA9346}"/>
+              </a:ext>
+            </a:extLst>
+          </p:cNvPr>
+          <p:cNvSpPr txBox="1"/>
+          <p:nvPr/>
+        </p:nvSpPr>
+        <p:spPr>
+          <a:xfrm>
+            <a:off x="908667" y="1385888"/>
+            <a:ext cx="4857749" cy="830997"/>
+          </a:xfrm>
+          <a:prstGeom prst="rect">
+            <a:avLst/>
+          </a:prstGeom>
+          <a:noFill/>
+        </p:spPr>
+        <p:txBody>
+          <a:bodyPr wrap="square" rtlCol="0">
+            <a:spAutoFit/>
+          </a:bodyPr>
+          <a:lstStyle/>
+          <a:p>
+            <a:r>
+              <a:rPr lang="ru-RU" sz="2400" dirty="0">
+                <a:latin typeface="Times New Roman" panose="02020603050405020304" pitchFamily="18" charset="0"/>
+                <a:cs typeface="Times New Roman" panose="02020603050405020304" pitchFamily="18" charset="0"/>
+              </a:rPr>
+              <a:t>Точность определения переменного темпа (%):</a:t>
+            </a:r>
+          </a:p>
+        </p:txBody>
+      </p:sp>
+      <p:sp>
+        <p:nvSpPr>
+          <p:cNvPr id="14" name="TextBox 13">
+            <a:extLst>
+              <a:ext uri="{FF2B5EF4-FFF2-40B4-BE49-F238E27FC236}">
+                <a16:creationId xmlns:a16="http://schemas.microsoft.com/office/drawing/2014/main" id="{09BD7D3A-24CA-3978-E443-21FFF7DE6F12}"/>
+              </a:ext>
+            </a:extLst>
+          </p:cNvPr>
+          <p:cNvSpPr txBox="1"/>
+          <p:nvPr/>
+        </p:nvSpPr>
+        <p:spPr>
+          <a:xfrm>
+            <a:off x="6593211" y="1385888"/>
+            <a:ext cx="4857749" cy="830997"/>
+          </a:xfrm>
+          <a:prstGeom prst="rect">
+            <a:avLst/>
+          </a:prstGeom>
+          <a:noFill/>
+        </p:spPr>
+        <p:txBody>
+          <a:bodyPr wrap="square" rtlCol="0">
+            <a:spAutoFit/>
+          </a:bodyPr>
+          <a:lstStyle/>
+          <a:p>
+            <a:r>
+              <a:rPr lang="ru-RU" sz="2400" dirty="0">
+                <a:latin typeface="Times New Roman" panose="02020603050405020304" pitchFamily="18" charset="0"/>
+                <a:cs typeface="Times New Roman" panose="02020603050405020304" pitchFamily="18" charset="0"/>
+              </a:rPr>
+              <a:t>Точность определения постоянного темпа (%):</a:t>
+            </a:r>
           </a:p>
         </p:txBody>
       </p:sp>
@@ -7590,45 +7451,11 @@
                 <a:latin typeface="Times New Roman" panose="02020603050405020304" pitchFamily="18" charset="0"/>
                 <a:cs typeface="Times New Roman" panose="02020603050405020304" pitchFamily="18" charset="0"/>
               </a:rPr>
-              <a:t>Алгоритм оценки переменного темпа</a:t>
-            </a:r>
-          </a:p>
-        </p:txBody>
-      </p:sp>
-      <p:pic>
-        <p:nvPicPr>
-          <p:cNvPr id="5" name="Объект 4">
-            <a:extLst>
-              <a:ext uri="{FF2B5EF4-FFF2-40B4-BE49-F238E27FC236}">
-                <a16:creationId xmlns:a16="http://schemas.microsoft.com/office/drawing/2014/main" id="{3CB8777D-5278-8A8D-6E51-2F68010F05A8}"/>
-              </a:ext>
-            </a:extLst>
-          </p:cNvPr>
-          <p:cNvPicPr>
-            <a:picLocks noGrp="1" noChangeAspect="1"/>
-          </p:cNvPicPr>
-          <p:nvPr>
-            <p:ph idx="1"/>
-          </p:nvPr>
-        </p:nvPicPr>
-        <p:blipFill rotWithShape="1">
-          <a:blip r:embed="rId2">
-            <a:extLst>
-              <a:ext uri="{28A0092B-C50C-407E-A947-70E740481C1C}">
-                <a14:useLocalDpi xmlns:a14="http://schemas.microsoft.com/office/drawing/2010/main" val="0"/>
-              </a:ext>
-            </a:extLst>
-          </a:blip>
-          <a:srcRect l="585" t="14082" r="468" b="10179"/>
-          <a:stretch/>
-        </p:blipFill>
-        <p:spPr>
-          <a:xfrm>
-            <a:off x="838200" y="1547813"/>
-            <a:ext cx="8349755" cy="4252912"/>
-          </a:xfrm>
-        </p:spPr>
-      </p:pic>
+              <a:t>Определение переменного темпа</a:t>
+            </a:r>
+          </a:p>
+        </p:txBody>
+      </p:sp>
       <p:sp>
         <p:nvSpPr>
           <p:cNvPr id="3" name="Google Shape;97;p15">
@@ -7693,6 +7520,40 @@
           </a:p>
         </p:txBody>
       </p:sp>
+      <p:pic>
+        <p:nvPicPr>
+          <p:cNvPr id="8" name="Объект 7">
+            <a:extLst>
+              <a:ext uri="{FF2B5EF4-FFF2-40B4-BE49-F238E27FC236}">
+                <a16:creationId xmlns:a16="http://schemas.microsoft.com/office/drawing/2014/main" id="{9D67330F-65CC-6F09-0754-0E9C66CED62D}"/>
+              </a:ext>
+            </a:extLst>
+          </p:cNvPr>
+          <p:cNvPicPr>
+            <a:picLocks noGrp="1" noChangeAspect="1"/>
+          </p:cNvPicPr>
+          <p:nvPr>
+            <p:ph idx="1"/>
+          </p:nvPr>
+        </p:nvPicPr>
+        <p:blipFill rotWithShape="1">
+          <a:blip r:embed="rId2">
+            <a:extLst>
+              <a:ext uri="{28A0092B-C50C-407E-A947-70E740481C1C}">
+                <a14:useLocalDpi xmlns:a14="http://schemas.microsoft.com/office/drawing/2010/main" val="0"/>
+              </a:ext>
+            </a:extLst>
+          </a:blip>
+          <a:srcRect l="436" t="14975" r="516" b="9067"/>
+          <a:stretch/>
+        </p:blipFill>
+        <p:spPr>
+          <a:xfrm>
+            <a:off x="838199" y="1428749"/>
+            <a:ext cx="8562976" cy="4369638"/>
+          </a:xfrm>
+        </p:spPr>
+      </p:pic>
     </p:spTree>
     <p:extLst>
       <p:ext uri="{BB962C8B-B14F-4D97-AF65-F5344CB8AC3E}">
@@ -7759,8 +7620,8 @@
           </a:p>
         </p:txBody>
       </p:sp>
-      <mc:AlternateContent xmlns:mc="http://schemas.openxmlformats.org/markup-compatibility/2006" xmlns:a14="http://schemas.microsoft.com/office/drawing/2010/main">
-        <mc:Choice Requires="a14">
+      <mc:AlternateContent xmlns:mc="http://schemas.openxmlformats.org/markup-compatibility/2006">
+        <mc:Choice xmlns:a14="http://schemas.microsoft.com/office/drawing/2010/main" Requires="a14">
           <p:sp>
             <p:nvSpPr>
               <p:cNvPr id="3" name="Объект 2">
@@ -7870,7 +7731,7 @@
                     <a:latin typeface="Times New Roman" panose="02020603050405020304" pitchFamily="18" charset="0"/>
                     <a:cs typeface="Times New Roman" panose="02020603050405020304" pitchFamily="18" charset="0"/>
                   </a:rPr>
-                  <a:t>                           (2)</a:t>
+                  <a:t>                       (2)</a:t>
                 </a:r>
                 <a:endParaRPr lang="en-US" sz="2400" dirty="0">
                   <a:latin typeface="Times New Roman" panose="02020603050405020304" pitchFamily="18" charset="0"/>
@@ -7968,7 +7829,7 @@
             </p:txBody>
           </p:sp>
         </mc:Choice>
-        <mc:Fallback xmlns="">
+        <mc:Fallback>
           <p:sp>
             <p:nvSpPr>
               <p:cNvPr id="3" name="Объект 2">
@@ -7993,7 +7854,7 @@
               <a:blipFill>
                 <a:blip r:embed="rId2"/>
                 <a:stretch>
-                  <a:fillRect l="-2041" t="-1832"/>
+                  <a:fillRect l="-2041" t="-1832" r="-1148"/>
                 </a:stretch>
               </a:blipFill>
             </p:spPr>
@@ -8012,42 +7873,6 @@
           </p:sp>
         </mc:Fallback>
       </mc:AlternateContent>
-      <p:pic>
-        <p:nvPicPr>
-          <p:cNvPr id="7" name="Рисунок 6">
-            <a:extLst>
-              <a:ext uri="{FF2B5EF4-FFF2-40B4-BE49-F238E27FC236}">
-                <a16:creationId xmlns:a16="http://schemas.microsoft.com/office/drawing/2014/main" id="{DCAE623C-F751-D9C6-89E6-401131A4F4D3}"/>
-              </a:ext>
-            </a:extLst>
-          </p:cNvPr>
-          <p:cNvPicPr>
-            <a:picLocks noChangeAspect="1"/>
-          </p:cNvPicPr>
-          <p:nvPr/>
-        </p:nvPicPr>
-        <p:blipFill>
-          <a:blip r:embed="rId3">
-            <a:extLst>
-              <a:ext uri="{28A0092B-C50C-407E-A947-70E740481C1C}">
-                <a14:useLocalDpi xmlns:a14="http://schemas.microsoft.com/office/drawing/2010/main" val="0"/>
-              </a:ext>
-            </a:extLst>
-          </a:blip>
-          <a:stretch>
-            <a:fillRect/>
-          </a:stretch>
-        </p:blipFill>
-        <p:spPr>
-          <a:xfrm>
-            <a:off x="838200" y="1857375"/>
-            <a:ext cx="5976997" cy="4306269"/>
-          </a:xfrm>
-          <a:prstGeom prst="rect">
-            <a:avLst/>
-          </a:prstGeom>
-        </p:spPr>
-      </p:pic>
       <p:sp>
         <p:nvSpPr>
           <p:cNvPr id="4" name="Google Shape;97;p15">
@@ -8112,6 +7937,42 @@
           </a:p>
         </p:txBody>
       </p:sp>
+      <p:pic>
+        <p:nvPicPr>
+          <p:cNvPr id="6" name="Рисунок 5">
+            <a:extLst>
+              <a:ext uri="{FF2B5EF4-FFF2-40B4-BE49-F238E27FC236}">
+                <a16:creationId xmlns:a16="http://schemas.microsoft.com/office/drawing/2014/main" id="{E2C6A8F0-D5C1-EED5-D892-214D320F9774}"/>
+              </a:ext>
+            </a:extLst>
+          </p:cNvPr>
+          <p:cNvPicPr>
+            <a:picLocks noChangeAspect="1"/>
+          </p:cNvPicPr>
+          <p:nvPr/>
+        </p:nvPicPr>
+        <p:blipFill>
+          <a:blip r:embed="rId3">
+            <a:extLst>
+              <a:ext uri="{28A0092B-C50C-407E-A947-70E740481C1C}">
+                <a14:useLocalDpi xmlns:a14="http://schemas.microsoft.com/office/drawing/2010/main" val="0"/>
+              </a:ext>
+            </a:extLst>
+          </a:blip>
+          <a:stretch>
+            <a:fillRect/>
+          </a:stretch>
+        </p:blipFill>
+        <p:spPr>
+          <a:xfrm>
+            <a:off x="838200" y="1857375"/>
+            <a:ext cx="6106288" cy="4319588"/>
+          </a:xfrm>
+          <a:prstGeom prst="rect">
+            <a:avLst/>
+          </a:prstGeom>
+        </p:spPr>
+      </p:pic>
     </p:spTree>
     <p:extLst>
       <p:ext uri="{BB962C8B-B14F-4D97-AF65-F5344CB8AC3E}">
@@ -8173,7 +8034,7 @@
                 <a:latin typeface="Times New Roman" panose="02020603050405020304" pitchFamily="18" charset="0"/>
                 <a:cs typeface="Times New Roman" panose="02020603050405020304" pitchFamily="18" charset="0"/>
               </a:rPr>
-              <a:t>Алгоритм оценки переменного ритма</a:t>
+              <a:t>Определение переменного ритма</a:t>
             </a:r>
           </a:p>
         </p:txBody>

--- a/docs/presentation.pptx
+++ b/docs/presentation.pptx
@@ -7,20 +7,22 @@
   <p:sldIdLst>
     <p:sldId id="256" r:id="rId2"/>
     <p:sldId id="257" r:id="rId3"/>
-    <p:sldId id="258" r:id="rId4"/>
-    <p:sldId id="259" r:id="rId5"/>
-    <p:sldId id="260" r:id="rId6"/>
-    <p:sldId id="261" r:id="rId7"/>
-    <p:sldId id="262" r:id="rId8"/>
-    <p:sldId id="267" r:id="rId9"/>
-    <p:sldId id="264" r:id="rId10"/>
-    <p:sldId id="263" r:id="rId11"/>
-    <p:sldId id="265" r:id="rId12"/>
-    <p:sldId id="266" r:id="rId13"/>
-    <p:sldId id="268" r:id="rId14"/>
-    <p:sldId id="269" r:id="rId15"/>
-    <p:sldId id="270" r:id="rId16"/>
-    <p:sldId id="271" r:id="rId17"/>
+    <p:sldId id="272" r:id="rId4"/>
+    <p:sldId id="258" r:id="rId5"/>
+    <p:sldId id="259" r:id="rId6"/>
+    <p:sldId id="260" r:id="rId7"/>
+    <p:sldId id="273" r:id="rId8"/>
+    <p:sldId id="261" r:id="rId9"/>
+    <p:sldId id="262" r:id="rId10"/>
+    <p:sldId id="267" r:id="rId11"/>
+    <p:sldId id="264" r:id="rId12"/>
+    <p:sldId id="263" r:id="rId13"/>
+    <p:sldId id="265" r:id="rId14"/>
+    <p:sldId id="268" r:id="rId15"/>
+    <p:sldId id="269" r:id="rId16"/>
+    <p:sldId id="266" r:id="rId17"/>
+    <p:sldId id="270" r:id="rId18"/>
+    <p:sldId id="271" r:id="rId19"/>
   </p:sldIdLst>
   <p:sldSz cx="12192000" cy="6858000"/>
   <p:notesSz cx="6858000" cy="9144000"/>
@@ -274,7 +276,7 @@
           <a:p>
             <a:fld id="{05359567-96E5-485A-B872-33DFBCF803CD}" type="datetimeFigureOut">
               <a:rPr lang="ru-RU" smtClean="0"/>
-              <a:t>09.06.2023</a:t>
+              <a:t>12.06.2023</a:t>
             </a:fld>
             <a:endParaRPr lang="ru-RU"/>
           </a:p>
@@ -472,7 +474,7 @@
           <a:p>
             <a:fld id="{05359567-96E5-485A-B872-33DFBCF803CD}" type="datetimeFigureOut">
               <a:rPr lang="ru-RU" smtClean="0"/>
-              <a:t>09.06.2023</a:t>
+              <a:t>12.06.2023</a:t>
             </a:fld>
             <a:endParaRPr lang="ru-RU"/>
           </a:p>
@@ -680,7 +682,7 @@
           <a:p>
             <a:fld id="{05359567-96E5-485A-B872-33DFBCF803CD}" type="datetimeFigureOut">
               <a:rPr lang="ru-RU" smtClean="0"/>
-              <a:t>09.06.2023</a:t>
+              <a:t>12.06.2023</a:t>
             </a:fld>
             <a:endParaRPr lang="ru-RU"/>
           </a:p>
@@ -878,7 +880,7 @@
           <a:p>
             <a:fld id="{05359567-96E5-485A-B872-33DFBCF803CD}" type="datetimeFigureOut">
               <a:rPr lang="ru-RU" smtClean="0"/>
-              <a:t>09.06.2023</a:t>
+              <a:t>12.06.2023</a:t>
             </a:fld>
             <a:endParaRPr lang="ru-RU"/>
           </a:p>
@@ -1153,7 +1155,7 @@
           <a:p>
             <a:fld id="{05359567-96E5-485A-B872-33DFBCF803CD}" type="datetimeFigureOut">
               <a:rPr lang="ru-RU" smtClean="0"/>
-              <a:t>09.06.2023</a:t>
+              <a:t>12.06.2023</a:t>
             </a:fld>
             <a:endParaRPr lang="ru-RU"/>
           </a:p>
@@ -1418,7 +1420,7 @@
           <a:p>
             <a:fld id="{05359567-96E5-485A-B872-33DFBCF803CD}" type="datetimeFigureOut">
               <a:rPr lang="ru-RU" smtClean="0"/>
-              <a:t>09.06.2023</a:t>
+              <a:t>12.06.2023</a:t>
             </a:fld>
             <a:endParaRPr lang="ru-RU"/>
           </a:p>
@@ -1830,7 +1832,7 @@
           <a:p>
             <a:fld id="{05359567-96E5-485A-B872-33DFBCF803CD}" type="datetimeFigureOut">
               <a:rPr lang="ru-RU" smtClean="0"/>
-              <a:t>09.06.2023</a:t>
+              <a:t>12.06.2023</a:t>
             </a:fld>
             <a:endParaRPr lang="ru-RU"/>
           </a:p>
@@ -1971,7 +1973,7 @@
           <a:p>
             <a:fld id="{05359567-96E5-485A-B872-33DFBCF803CD}" type="datetimeFigureOut">
               <a:rPr lang="ru-RU" smtClean="0"/>
-              <a:t>09.06.2023</a:t>
+              <a:t>12.06.2023</a:t>
             </a:fld>
             <a:endParaRPr lang="ru-RU"/>
           </a:p>
@@ -2084,7 +2086,7 @@
           <a:p>
             <a:fld id="{05359567-96E5-485A-B872-33DFBCF803CD}" type="datetimeFigureOut">
               <a:rPr lang="ru-RU" smtClean="0"/>
-              <a:t>09.06.2023</a:t>
+              <a:t>12.06.2023</a:t>
             </a:fld>
             <a:endParaRPr lang="ru-RU"/>
           </a:p>
@@ -2395,7 +2397,7 @@
           <a:p>
             <a:fld id="{05359567-96E5-485A-B872-33DFBCF803CD}" type="datetimeFigureOut">
               <a:rPr lang="ru-RU" smtClean="0"/>
-              <a:t>09.06.2023</a:t>
+              <a:t>12.06.2023</a:t>
             </a:fld>
             <a:endParaRPr lang="ru-RU"/>
           </a:p>
@@ -2683,7 +2685,7 @@
           <a:p>
             <a:fld id="{05359567-96E5-485A-B872-33DFBCF803CD}" type="datetimeFigureOut">
               <a:rPr lang="ru-RU" smtClean="0"/>
-              <a:t>09.06.2023</a:t>
+              <a:t>12.06.2023</a:t>
             </a:fld>
             <a:endParaRPr lang="ru-RU"/>
           </a:p>
@@ -2924,7 +2926,7 @@
           <a:p>
             <a:fld id="{05359567-96E5-485A-B872-33DFBCF803CD}" type="datetimeFigureOut">
               <a:rPr lang="ru-RU" smtClean="0"/>
-              <a:t>09.06.2023</a:t>
+              <a:t>12.06.2023</a:t>
             </a:fld>
             <a:endParaRPr lang="ru-RU"/>
           </a:p>
@@ -3359,8 +3361,8 @@
         </p:nvSpPr>
         <p:spPr>
           <a:xfrm>
-            <a:off x="1524000" y="1331913"/>
-            <a:ext cx="9144000" cy="3135312"/>
+            <a:off x="539196" y="1290340"/>
+            <a:ext cx="11113604" cy="3135312"/>
           </a:xfrm>
         </p:spPr>
         <p:txBody>
@@ -3373,7 +3375,19 @@
               <a:rPr lang="ru-RU" sz="4400" b="0" i="0" u="none" strike="noStrike" baseline="0" dirty="0">
                 <a:latin typeface="TimesNewRomanPSMT"/>
               </a:rPr>
-              <a:t>Метод автоматического определения ритмического рисунка и темпа цифровой музыкальной записи на основе байесовского иерархического моделирования</a:t>
+              <a:t>Метод автоматического определения</a:t>
+            </a:r>
+            <a:r>
+              <a:rPr lang="en-US" sz="4400" b="0" i="0" u="none" strike="noStrike" baseline="0" dirty="0">
+                <a:latin typeface="TimesNewRomanPSMT"/>
+              </a:rPr>
+              <a:t> </a:t>
+            </a:r>
+            <a:r>
+              <a:rPr lang="ru-RU" sz="4400" b="0" i="0" u="none" strike="noStrike" baseline="0" dirty="0">
+                <a:latin typeface="TimesNewRomanPSMT"/>
+              </a:rPr>
+              <a:t>переменного ритмического рисунка и переменного темпа цифровой музыкальной записи на основе байесовского иерархического моделирования</a:t>
             </a:r>
             <a:endParaRPr lang="ru-RU" sz="4400" dirty="0"/>
           </a:p>
@@ -3599,7 +3613,7 @@
           <p:cNvPr id="2" name="Заголовок 1">
             <a:extLst>
               <a:ext uri="{FF2B5EF4-FFF2-40B4-BE49-F238E27FC236}">
-                <a16:creationId xmlns:a16="http://schemas.microsoft.com/office/drawing/2014/main" id="{8300D114-1192-FB57-D225-F28449A5EE41}"/>
+                <a16:creationId xmlns:a16="http://schemas.microsoft.com/office/drawing/2014/main" id="{0B35A163-A719-3F98-32F2-5AB2F8500D3B}"/>
               </a:ext>
             </a:extLst>
           </p:cNvPr>
@@ -3612,8 +3626,8 @@
         </p:nvSpPr>
         <p:spPr>
           <a:xfrm>
-            <a:off x="838200" y="176212"/>
-            <a:ext cx="10515600" cy="1009651"/>
+            <a:off x="838200" y="193675"/>
+            <a:ext cx="10515600" cy="1325563"/>
           </a:xfrm>
         </p:spPr>
         <p:txBody>
@@ -3625,52 +3639,274 @@
                 <a:latin typeface="Times New Roman" panose="02020603050405020304" pitchFamily="18" charset="0"/>
                 <a:cs typeface="Times New Roman" panose="02020603050405020304" pitchFamily="18" charset="0"/>
               </a:rPr>
-              <a:t>Определение границ размера</a:t>
-            </a:r>
-          </a:p>
-        </p:txBody>
-      </p:sp>
-      <p:pic>
-        <p:nvPicPr>
-          <p:cNvPr id="7" name="Рисунок 6">
-            <a:extLst>
-              <a:ext uri="{FF2B5EF4-FFF2-40B4-BE49-F238E27FC236}">
-                <a16:creationId xmlns:a16="http://schemas.microsoft.com/office/drawing/2014/main" id="{97E587EC-349C-2832-4914-89F75CA6DC02}"/>
-              </a:ext>
-            </a:extLst>
-          </p:cNvPr>
-          <p:cNvPicPr>
-            <a:picLocks noChangeAspect="1"/>
-          </p:cNvPicPr>
-          <p:nvPr/>
-        </p:nvPicPr>
-        <p:blipFill rotWithShape="1">
-          <a:blip r:embed="rId2">
-            <a:extLst>
-              <a:ext uri="{28A0092B-C50C-407E-A947-70E740481C1C}">
-                <a14:useLocalDpi xmlns:a14="http://schemas.microsoft.com/office/drawing/2010/main" val="0"/>
-              </a:ext>
-            </a:extLst>
-          </a:blip>
-          <a:srcRect l="249" t="18641" r="261" b="15145"/>
-          <a:stretch/>
-        </p:blipFill>
-        <p:spPr>
-          <a:xfrm>
-            <a:off x="838200" y="1686332"/>
-            <a:ext cx="9258299" cy="4100105"/>
-          </a:xfrm>
-          <a:prstGeom prst="rect">
-            <a:avLst/>
-          </a:prstGeom>
-        </p:spPr>
-      </p:pic>
-      <p:sp>
-        <p:nvSpPr>
-          <p:cNvPr id="3" name="Google Shape;97;p15">
-            <a:extLst>
-              <a:ext uri="{FF2B5EF4-FFF2-40B4-BE49-F238E27FC236}">
-                <a16:creationId xmlns:a16="http://schemas.microsoft.com/office/drawing/2014/main" id="{4023BDB1-F39A-9809-10E6-BD2794F06B34}"/>
+              <a:t>Применение результатов моделирования к аудио фрагменту</a:t>
+            </a:r>
+          </a:p>
+        </p:txBody>
+      </p:sp>
+      <mc:AlternateContent xmlns:mc="http://schemas.openxmlformats.org/markup-compatibility/2006" xmlns:a14="http://schemas.microsoft.com/office/drawing/2010/main">
+        <mc:Choice Requires="a14">
+          <p:sp>
+            <p:nvSpPr>
+              <p:cNvPr id="3" name="Объект 2">
+                <a:extLst>
+                  <a:ext uri="{FF2B5EF4-FFF2-40B4-BE49-F238E27FC236}">
+                    <a16:creationId xmlns:a16="http://schemas.microsoft.com/office/drawing/2014/main" id="{1B6FA12C-BEB6-476B-C390-A2963C9ED6E9}"/>
+                  </a:ext>
+                </a:extLst>
+              </p:cNvPr>
+              <p:cNvSpPr>
+                <a:spLocks noGrp="1"/>
+              </p:cNvSpPr>
+              <p:nvPr>
+                <p:ph idx="1"/>
+              </p:nvPr>
+            </p:nvSpPr>
+            <p:spPr>
+              <a:xfrm>
+                <a:off x="7148899" y="1857375"/>
+                <a:ext cx="4781550" cy="4657240"/>
+              </a:xfrm>
+            </p:spPr>
+            <p:txBody>
+              <a:bodyPr>
+                <a:normAutofit/>
+              </a:bodyPr>
+              <a:lstStyle/>
+              <a:p>
+                <a:pPr marL="0" indent="0">
+                  <a:buNone/>
+                </a:pPr>
+                <a:r>
+                  <a:rPr lang="ru-RU" sz="2400" dirty="0">
+                    <a:latin typeface="Times New Roman" panose="02020603050405020304" pitchFamily="18" charset="0"/>
+                    <a:cs typeface="Times New Roman" panose="02020603050405020304" pitchFamily="18" charset="0"/>
+                  </a:rPr>
+                  <a:t>Корректировка</a:t>
+                </a:r>
+                <a:r>
+                  <a:rPr lang="en-US" sz="2400" dirty="0">
+                    <a:latin typeface="Times New Roman" panose="02020603050405020304" pitchFamily="18" charset="0"/>
+                    <a:cs typeface="Times New Roman" panose="02020603050405020304" pitchFamily="18" charset="0"/>
+                  </a:rPr>
+                  <a:t> </a:t>
+                </a:r>
+                <a:r>
+                  <a:rPr lang="ru-RU" sz="2400" dirty="0">
+                    <a:latin typeface="Times New Roman" panose="02020603050405020304" pitchFamily="18" charset="0"/>
+                    <a:cs typeface="Times New Roman" panose="02020603050405020304" pitchFamily="18" charset="0"/>
+                  </a:rPr>
+                  <a:t>наиболее вероятного темпа коэффициентом жанра:</a:t>
+                </a:r>
+              </a:p>
+              <a:p>
+                <a:pPr marL="0" indent="0">
+                  <a:buNone/>
+                </a:pPr>
+                <a14:m>
+                  <m:oMath xmlns:m="http://schemas.openxmlformats.org/officeDocument/2006/math">
+                    <m:r>
+                      <a:rPr lang="en-US" sz="2400" b="0" i="1" smtClean="0">
+                        <a:latin typeface="Cambria Math" panose="02040503050406030204" pitchFamily="18" charset="0"/>
+                        <a:cs typeface="Times New Roman" panose="02020603050405020304" pitchFamily="18" charset="0"/>
+                      </a:rPr>
+                      <m:t>𝑡</m:t>
+                    </m:r>
+                    <m:r>
+                      <a:rPr lang="en-US" sz="2400" b="0" i="1" smtClean="0">
+                        <a:latin typeface="Cambria Math" panose="02040503050406030204" pitchFamily="18" charset="0"/>
+                        <a:cs typeface="Times New Roman" panose="02020603050405020304" pitchFamily="18" charset="0"/>
+                      </a:rPr>
+                      <m:t>=</m:t>
+                    </m:r>
+                    <m:r>
+                      <a:rPr lang="en-US" sz="2400" b="0" i="1" smtClean="0">
+                        <a:latin typeface="Cambria Math" panose="02040503050406030204" pitchFamily="18" charset="0"/>
+                        <a:cs typeface="Times New Roman" panose="02020603050405020304" pitchFamily="18" charset="0"/>
+                      </a:rPr>
+                      <m:t>𝑡𝑒𝑚𝑝𝑜</m:t>
+                    </m:r>
+                    <m:r>
+                      <a:rPr lang="en-US" sz="2400" b="0" i="1" smtClean="0">
+                        <a:latin typeface="Cambria Math" panose="02040503050406030204" pitchFamily="18" charset="0"/>
+                        <a:cs typeface="Times New Roman" panose="02020603050405020304" pitchFamily="18" charset="0"/>
+                      </a:rPr>
+                      <m:t>+</m:t>
+                    </m:r>
+                    <m:r>
+                      <a:rPr lang="en-US" sz="2400" b="0" i="1" smtClean="0">
+                        <a:latin typeface="Cambria Math" panose="02040503050406030204" pitchFamily="18" charset="0"/>
+                        <a:cs typeface="Times New Roman" panose="02020603050405020304" pitchFamily="18" charset="0"/>
+                      </a:rPr>
+                      <m:t>𝑐</m:t>
+                    </m:r>
+                    <m:r>
+                      <a:rPr lang="en-US" sz="2400" b="0" i="1" smtClean="0">
+                        <a:latin typeface="Cambria Math" panose="02040503050406030204" pitchFamily="18" charset="0"/>
+                        <a:ea typeface="Cambria Math" panose="02040503050406030204" pitchFamily="18" charset="0"/>
+                        <a:cs typeface="Times New Roman" panose="02020603050405020304" pitchFamily="18" charset="0"/>
+                      </a:rPr>
+                      <m:t>∙</m:t>
+                    </m:r>
+                    <m:r>
+                      <a:rPr lang="en-US" sz="2400" b="0" i="1" smtClean="0">
+                        <a:latin typeface="Cambria Math" panose="02040503050406030204" pitchFamily="18" charset="0"/>
+                        <a:ea typeface="Cambria Math" panose="02040503050406030204" pitchFamily="18" charset="0"/>
+                        <a:cs typeface="Times New Roman" panose="02020603050405020304" pitchFamily="18" charset="0"/>
+                      </a:rPr>
+                      <m:t>𝜎</m:t>
+                    </m:r>
+                  </m:oMath>
+                </a14:m>
+                <a:r>
+                  <a:rPr lang="en-US" sz="2400" dirty="0">
+                    <a:latin typeface="Times New Roman" panose="02020603050405020304" pitchFamily="18" charset="0"/>
+                    <a:cs typeface="Times New Roman" panose="02020603050405020304" pitchFamily="18" charset="0"/>
+                  </a:rPr>
+                  <a:t>,</a:t>
+                </a:r>
+              </a:p>
+              <a:p>
+                <a:pPr marL="0" indent="0">
+                  <a:buNone/>
+                </a:pPr>
+                <a:r>
+                  <a:rPr lang="en-US" sz="2400" dirty="0">
+                    <a:latin typeface="Times New Roman" panose="02020603050405020304" pitchFamily="18" charset="0"/>
+                    <a:cs typeface="Times New Roman" panose="02020603050405020304" pitchFamily="18" charset="0"/>
+                  </a:rPr>
+                  <a:t>t – </a:t>
+                </a:r>
+                <a:r>
+                  <a:rPr lang="ru-RU" sz="2400" dirty="0">
+                    <a:latin typeface="Times New Roman" panose="02020603050405020304" pitchFamily="18" charset="0"/>
+                    <a:cs typeface="Times New Roman" panose="02020603050405020304" pitchFamily="18" charset="0"/>
+                  </a:rPr>
+                  <a:t>итоговый темп, </a:t>
+                </a:r>
+              </a:p>
+              <a:p>
+                <a:pPr marL="0" indent="0">
+                  <a:buNone/>
+                </a:pPr>
+                <a:r>
+                  <a:rPr lang="en-US" sz="2400" dirty="0">
+                    <a:latin typeface="Times New Roman" panose="02020603050405020304" pitchFamily="18" charset="0"/>
+                    <a:cs typeface="Times New Roman" panose="02020603050405020304" pitchFamily="18" charset="0"/>
+                  </a:rPr>
+                  <a:t>tempo – </a:t>
+                </a:r>
+                <a:r>
+                  <a:rPr lang="ru-RU" sz="2400" dirty="0">
+                    <a:latin typeface="Times New Roman" panose="02020603050405020304" pitchFamily="18" charset="0"/>
+                    <a:cs typeface="Times New Roman" panose="02020603050405020304" pitchFamily="18" charset="0"/>
+                  </a:rPr>
+                  <a:t>темп, найденный применением результатов моделирования к фрагменту,</a:t>
+                </a:r>
+              </a:p>
+              <a:p>
+                <a:pPr marL="0" indent="0">
+                  <a:buNone/>
+                </a:pPr>
+                <a:r>
+                  <a:rPr lang="ru-RU" sz="2400" dirty="0">
+                    <a:latin typeface="Times New Roman" panose="02020603050405020304" pitchFamily="18" charset="0"/>
+                    <a:cs typeface="Times New Roman" panose="02020603050405020304" pitchFamily="18" charset="0"/>
+                  </a:rPr>
+                  <a:t>с</a:t>
+                </a:r>
+                <a:r>
+                  <a:rPr lang="en-US" sz="2400" dirty="0">
+                    <a:latin typeface="Times New Roman" panose="02020603050405020304" pitchFamily="18" charset="0"/>
+                    <a:cs typeface="Times New Roman" panose="02020603050405020304" pitchFamily="18" charset="0"/>
+                  </a:rPr>
+                  <a:t> – </a:t>
+                </a:r>
+                <a:r>
+                  <a:rPr lang="ru-RU" sz="2400" dirty="0">
+                    <a:latin typeface="Times New Roman" panose="02020603050405020304" pitchFamily="18" charset="0"/>
+                    <a:cs typeface="Times New Roman" panose="02020603050405020304" pitchFamily="18" charset="0"/>
+                  </a:rPr>
+                  <a:t>коэффициент жанра,</a:t>
+                </a:r>
+              </a:p>
+              <a:p>
+                <a:pPr marL="0" indent="0">
+                  <a:buNone/>
+                </a:pPr>
+                <a14:m>
+                  <m:oMath xmlns:m="http://schemas.openxmlformats.org/officeDocument/2006/math">
+                    <m:r>
+                      <a:rPr lang="en-US" sz="2400" b="0" i="1" smtClean="0">
+                        <a:latin typeface="Cambria Math" panose="02040503050406030204" pitchFamily="18" charset="0"/>
+                        <a:ea typeface="Cambria Math" panose="02040503050406030204" pitchFamily="18" charset="0"/>
+                        <a:cs typeface="Times New Roman" panose="02020603050405020304" pitchFamily="18" charset="0"/>
+                      </a:rPr>
+                      <m:t>𝜎</m:t>
+                    </m:r>
+                  </m:oMath>
+                </a14:m>
+                <a:r>
+                  <a:rPr lang="ru-RU" sz="2400" dirty="0">
+                    <a:latin typeface="Times New Roman" panose="02020603050405020304" pitchFamily="18" charset="0"/>
+                    <a:cs typeface="Times New Roman" panose="02020603050405020304" pitchFamily="18" charset="0"/>
+                  </a:rPr>
+                  <a:t> – дисперсия априорного распределения темпа.</a:t>
+                </a:r>
+              </a:p>
+            </p:txBody>
+          </p:sp>
+        </mc:Choice>
+        <mc:Fallback xmlns="">
+          <p:sp>
+            <p:nvSpPr>
+              <p:cNvPr id="3" name="Объект 2">
+                <a:extLst>
+                  <a:ext uri="{FF2B5EF4-FFF2-40B4-BE49-F238E27FC236}">
+                    <a16:creationId xmlns:a16="http://schemas.microsoft.com/office/drawing/2014/main" id="{1B6FA12C-BEB6-476B-C390-A2963C9ED6E9}"/>
+                  </a:ext>
+                </a:extLst>
+              </p:cNvPr>
+              <p:cNvSpPr>
+                <a:spLocks noGrp="1" noRot="1" noChangeAspect="1" noMove="1" noResize="1" noEditPoints="1" noAdjustHandles="1" noChangeArrowheads="1" noChangeShapeType="1" noTextEdit="1"/>
+              </p:cNvSpPr>
+              <p:nvPr>
+                <p:ph idx="1"/>
+              </p:nvPr>
+            </p:nvSpPr>
+            <p:spPr>
+              <a:xfrm>
+                <a:off x="7148899" y="1857375"/>
+                <a:ext cx="4781550" cy="4657240"/>
+              </a:xfrm>
+              <a:blipFill>
+                <a:blip r:embed="rId2"/>
+                <a:stretch>
+                  <a:fillRect l="-2041" t="-1832"/>
+                </a:stretch>
+              </a:blipFill>
+            </p:spPr>
+            <p:txBody>
+              <a:bodyPr/>
+              <a:lstStyle/>
+              <a:p>
+                <a:r>
+                  <a:rPr lang="ru-RU">
+                    <a:noFill/>
+                  </a:rPr>
+                  <a:t> </a:t>
+                </a:r>
+              </a:p>
+            </p:txBody>
+          </p:sp>
+        </mc:Fallback>
+      </mc:AlternateContent>
+      <p:sp>
+        <p:nvSpPr>
+          <p:cNvPr id="4" name="Google Shape;97;p15">
+            <a:extLst>
+              <a:ext uri="{FF2B5EF4-FFF2-40B4-BE49-F238E27FC236}">
+                <a16:creationId xmlns:a16="http://schemas.microsoft.com/office/drawing/2014/main" id="{A3A861BE-0196-7B06-0FD7-0E086F5345A8}"/>
               </a:ext>
             </a:extLst>
           </p:cNvPr>
@@ -3729,10 +3965,46 @@
           </a:p>
         </p:txBody>
       </p:sp>
+      <p:pic>
+        <p:nvPicPr>
+          <p:cNvPr id="7" name="Рисунок 6">
+            <a:extLst>
+              <a:ext uri="{FF2B5EF4-FFF2-40B4-BE49-F238E27FC236}">
+                <a16:creationId xmlns:a16="http://schemas.microsoft.com/office/drawing/2014/main" id="{951A1C91-F6C5-E2E9-7CC7-42D20EED6DF7}"/>
+              </a:ext>
+            </a:extLst>
+          </p:cNvPr>
+          <p:cNvPicPr>
+            <a:picLocks noChangeAspect="1"/>
+          </p:cNvPicPr>
+          <p:nvPr/>
+        </p:nvPicPr>
+        <p:blipFill>
+          <a:blip r:embed="rId3">
+            <a:extLst>
+              <a:ext uri="{28A0092B-C50C-407E-A947-70E740481C1C}">
+                <a14:useLocalDpi xmlns:a14="http://schemas.microsoft.com/office/drawing/2010/main" val="0"/>
+              </a:ext>
+            </a:extLst>
+          </a:blip>
+          <a:stretch>
+            <a:fillRect/>
+          </a:stretch>
+        </p:blipFill>
+        <p:spPr>
+          <a:xfrm>
+            <a:off x="662666" y="1857375"/>
+            <a:ext cx="6290584" cy="4617613"/>
+          </a:xfrm>
+          <a:prstGeom prst="rect">
+            <a:avLst/>
+          </a:prstGeom>
+        </p:spPr>
+      </p:pic>
     </p:spTree>
     <p:extLst>
       <p:ext uri="{BB962C8B-B14F-4D97-AF65-F5344CB8AC3E}">
-        <p14:creationId xmlns:p14="http://schemas.microsoft.com/office/powerpoint/2010/main" val="3519065961"/>
+        <p14:creationId xmlns:p14="http://schemas.microsoft.com/office/powerpoint/2010/main" val="640101116"/>
       </p:ext>
     </p:extLst>
   </p:cSld>
@@ -3764,7 +4036,7 @@
           <p:cNvPr id="2" name="Заголовок 1">
             <a:extLst>
               <a:ext uri="{FF2B5EF4-FFF2-40B4-BE49-F238E27FC236}">
-                <a16:creationId xmlns:a16="http://schemas.microsoft.com/office/drawing/2014/main" id="{DC7C6814-90BC-199C-E4F4-34903A4A1716}"/>
+                <a16:creationId xmlns:a16="http://schemas.microsoft.com/office/drawing/2014/main" id="{42B34D09-880B-51AE-B0B0-42511C789BA8}"/>
               </a:ext>
             </a:extLst>
           </p:cNvPr>
@@ -3777,7 +4049,7 @@
         </p:nvSpPr>
         <p:spPr>
           <a:xfrm>
-            <a:off x="838200" y="309562"/>
+            <a:off x="838200" y="252412"/>
             <a:ext cx="10515600" cy="1009651"/>
           </a:xfrm>
         </p:spPr>
@@ -3790,109 +4062,17 @@
                 <a:latin typeface="Times New Roman" panose="02020603050405020304" pitchFamily="18" charset="0"/>
                 <a:cs typeface="Times New Roman" panose="02020603050405020304" pitchFamily="18" charset="0"/>
               </a:rPr>
-              <a:t>Структура программы</a:t>
-            </a:r>
-          </a:p>
-        </p:txBody>
-      </p:sp>
-      <p:pic>
-        <p:nvPicPr>
-          <p:cNvPr id="5" name="Рисунок 4">
-            <a:extLst>
-              <a:ext uri="{FF2B5EF4-FFF2-40B4-BE49-F238E27FC236}">
-                <a16:creationId xmlns:a16="http://schemas.microsoft.com/office/drawing/2014/main" id="{3035B6AD-C9BC-FEE3-8BA1-94AEB38EFB93}"/>
-              </a:ext>
-            </a:extLst>
-          </p:cNvPr>
-          <p:cNvPicPr>
-            <a:picLocks noChangeAspect="1"/>
-          </p:cNvPicPr>
-          <p:nvPr/>
-        </p:nvPicPr>
-        <p:blipFill>
-          <a:blip r:embed="rId2">
-            <a:extLst>
-              <a:ext uri="{28A0092B-C50C-407E-A947-70E740481C1C}">
-                <a14:useLocalDpi xmlns:a14="http://schemas.microsoft.com/office/drawing/2010/main" val="0"/>
-              </a:ext>
-            </a:extLst>
-          </a:blip>
-          <a:stretch>
-            <a:fillRect/>
-          </a:stretch>
-        </p:blipFill>
-        <p:spPr>
-          <a:xfrm>
-            <a:off x="609600" y="1596821"/>
-            <a:ext cx="8043862" cy="4302531"/>
-          </a:xfrm>
-          <a:prstGeom prst="rect">
-            <a:avLst/>
-          </a:prstGeom>
-        </p:spPr>
-      </p:pic>
-      <p:sp>
-        <p:nvSpPr>
-          <p:cNvPr id="3" name="Объект 2">
-            <a:extLst>
-              <a:ext uri="{FF2B5EF4-FFF2-40B4-BE49-F238E27FC236}">
-                <a16:creationId xmlns:a16="http://schemas.microsoft.com/office/drawing/2014/main" id="{3DE56834-7D4F-7534-5A37-4D1D07205B63}"/>
-              </a:ext>
-            </a:extLst>
-          </p:cNvPr>
-          <p:cNvSpPr>
-            <a:spLocks noGrp="1"/>
-          </p:cNvSpPr>
-          <p:nvPr>
-            <p:ph idx="1"/>
-          </p:nvPr>
-        </p:nvSpPr>
-        <p:spPr>
-          <a:xfrm>
-            <a:off x="7238999" y="1596821"/>
-            <a:ext cx="4114799" cy="4580141"/>
-          </a:xfrm>
-        </p:spPr>
-        <p:txBody>
-          <a:bodyPr>
-            <a:normAutofit/>
-          </a:bodyPr>
-          <a:lstStyle/>
-          <a:p>
-            <a:r>
-              <a:rPr lang="ru-RU" sz="2400" dirty="0">
-                <a:latin typeface="Times New Roman" panose="02020603050405020304" pitchFamily="18" charset="0"/>
-                <a:cs typeface="Times New Roman" panose="02020603050405020304" pitchFamily="18" charset="0"/>
-              </a:rPr>
-              <a:t>структурный подход;</a:t>
-            </a:r>
-          </a:p>
-          <a:p>
-            <a:pPr marL="0" indent="0">
-              <a:buNone/>
-            </a:pPr>
-            <a:endParaRPr lang="ru-RU" sz="2400" dirty="0">
-              <a:latin typeface="Times New Roman" panose="02020603050405020304" pitchFamily="18" charset="0"/>
-              <a:cs typeface="Times New Roman" panose="02020603050405020304" pitchFamily="18" charset="0"/>
-            </a:endParaRPr>
-          </a:p>
-          <a:p>
-            <a:r>
-              <a:rPr lang="ru-RU" sz="2400" dirty="0">
-                <a:latin typeface="Times New Roman" panose="02020603050405020304" pitchFamily="18" charset="0"/>
-                <a:cs typeface="Times New Roman" panose="02020603050405020304" pitchFamily="18" charset="0"/>
-              </a:rPr>
-              <a:t>модуль оценки темпа и ритма применяет результаты байесовского моделирования к аудио фрагментам.</a:t>
-            </a:r>
-          </a:p>
-        </p:txBody>
-      </p:sp>
-      <p:sp>
-        <p:nvSpPr>
-          <p:cNvPr id="4" name="Google Shape;97;p15">
-            <a:extLst>
-              <a:ext uri="{FF2B5EF4-FFF2-40B4-BE49-F238E27FC236}">
-                <a16:creationId xmlns:a16="http://schemas.microsoft.com/office/drawing/2014/main" id="{43B865C0-E10D-677F-24AA-F4D1CF029A67}"/>
+              <a:t>Определение переменного ритма</a:t>
+            </a:r>
+          </a:p>
+        </p:txBody>
+      </p:sp>
+      <p:sp>
+        <p:nvSpPr>
+          <p:cNvPr id="3" name="Google Shape;97;p15">
+            <a:extLst>
+              <a:ext uri="{FF2B5EF4-FFF2-40B4-BE49-F238E27FC236}">
+                <a16:creationId xmlns:a16="http://schemas.microsoft.com/office/drawing/2014/main" id="{3A09EAD4-D5D8-C994-0CB0-797BB4485D4F}"/>
               </a:ext>
             </a:extLst>
           </p:cNvPr>
@@ -3951,10 +4131,44 @@
           </a:p>
         </p:txBody>
       </p:sp>
+      <p:pic>
+        <p:nvPicPr>
+          <p:cNvPr id="8" name="Объект 7">
+            <a:extLst>
+              <a:ext uri="{FF2B5EF4-FFF2-40B4-BE49-F238E27FC236}">
+                <a16:creationId xmlns:a16="http://schemas.microsoft.com/office/drawing/2014/main" id="{B0E5D45A-EAF5-8EBA-311F-A9D5E08594A7}"/>
+              </a:ext>
+            </a:extLst>
+          </p:cNvPr>
+          <p:cNvPicPr>
+            <a:picLocks noGrp="1" noChangeAspect="1"/>
+          </p:cNvPicPr>
+          <p:nvPr>
+            <p:ph idx="1"/>
+          </p:nvPr>
+        </p:nvPicPr>
+        <p:blipFill rotWithShape="1">
+          <a:blip r:embed="rId2">
+            <a:extLst>
+              <a:ext uri="{28A0092B-C50C-407E-A947-70E740481C1C}">
+                <a14:useLocalDpi xmlns:a14="http://schemas.microsoft.com/office/drawing/2010/main" val="0"/>
+              </a:ext>
+            </a:extLst>
+          </a:blip>
+          <a:srcRect b="8036"/>
+          <a:stretch/>
+        </p:blipFill>
+        <p:spPr>
+          <a:xfrm>
+            <a:off x="838199" y="1425575"/>
+            <a:ext cx="8778573" cy="4841875"/>
+          </a:xfrm>
+        </p:spPr>
+      </p:pic>
     </p:spTree>
     <p:extLst>
       <p:ext uri="{BB962C8B-B14F-4D97-AF65-F5344CB8AC3E}">
-        <p14:creationId xmlns:p14="http://schemas.microsoft.com/office/powerpoint/2010/main" val="1978236468"/>
+        <p14:creationId xmlns:p14="http://schemas.microsoft.com/office/powerpoint/2010/main" val="1007309730"/>
       </p:ext>
     </p:extLst>
   </p:cSld>
@@ -3986,7 +4200,7 @@
           <p:cNvPr id="2" name="Заголовок 1">
             <a:extLst>
               <a:ext uri="{FF2B5EF4-FFF2-40B4-BE49-F238E27FC236}">
-                <a16:creationId xmlns:a16="http://schemas.microsoft.com/office/drawing/2014/main" id="{CF5FD8D3-B2FE-15B1-0C7E-2E1C09A778CB}"/>
+                <a16:creationId xmlns:a16="http://schemas.microsoft.com/office/drawing/2014/main" id="{8300D114-1192-FB57-D225-F28449A5EE41}"/>
               </a:ext>
             </a:extLst>
           </p:cNvPr>
@@ -3999,7 +4213,7 @@
         </p:nvSpPr>
         <p:spPr>
           <a:xfrm>
-            <a:off x="838200" y="233362"/>
+            <a:off x="838200" y="176212"/>
             <a:ext cx="10515600" cy="1009651"/>
           </a:xfrm>
         </p:spPr>
@@ -4012,7 +4226,7 @@
                 <a:latin typeface="Times New Roman" panose="02020603050405020304" pitchFamily="18" charset="0"/>
                 <a:cs typeface="Times New Roman" panose="02020603050405020304" pitchFamily="18" charset="0"/>
               </a:rPr>
-              <a:t>Сравнение результатов работы с аналогом</a:t>
+              <a:t>Определение границ ритма</a:t>
             </a:r>
           </a:p>
         </p:txBody>
@@ -4022,7 +4236,7 @@
           <p:cNvPr id="3" name="Google Shape;97;p15">
             <a:extLst>
               <a:ext uri="{FF2B5EF4-FFF2-40B4-BE49-F238E27FC236}">
-                <a16:creationId xmlns:a16="http://schemas.microsoft.com/office/drawing/2014/main" id="{925B1FEA-24C6-61A1-5C7D-C8FBE77FC80E}"/>
+                <a16:creationId xmlns:a16="http://schemas.microsoft.com/office/drawing/2014/main" id="{4023BDB1-F39A-9809-10E6-BD2794F06B34}"/>
               </a:ext>
             </a:extLst>
           </p:cNvPr>
@@ -4083,10 +4297,10 @@
       </p:sp>
       <p:pic>
         <p:nvPicPr>
-          <p:cNvPr id="8" name="Рисунок 7">
-            <a:extLst>
-              <a:ext uri="{FF2B5EF4-FFF2-40B4-BE49-F238E27FC236}">
-                <a16:creationId xmlns:a16="http://schemas.microsoft.com/office/drawing/2014/main" id="{A57B7A4A-8F0A-CF92-2407-7308ED2A3E46}"/>
+          <p:cNvPr id="5" name="Рисунок 4">
+            <a:extLst>
+              <a:ext uri="{FF2B5EF4-FFF2-40B4-BE49-F238E27FC236}">
+                <a16:creationId xmlns:a16="http://schemas.microsoft.com/office/drawing/2014/main" id="{05BF6FEC-8786-843A-4906-59E1FA92AA7C}"/>
               </a:ext>
             </a:extLst>
           </p:cNvPr>
@@ -4095,7 +4309,7 @@
           </p:cNvPicPr>
           <p:nvPr/>
         </p:nvPicPr>
-        <p:blipFill>
+        <p:blipFill rotWithShape="1">
           <a:blip r:embed="rId2">
             <a:extLst>
               <a:ext uri="{28A0092B-C50C-407E-A947-70E740481C1C}">
@@ -4103,136 +4317,23 @@
               </a:ext>
             </a:extLst>
           </a:blip>
-          <a:stretch>
-            <a:fillRect/>
-          </a:stretch>
+          <a:srcRect b="7245"/>
+          <a:stretch/>
         </p:blipFill>
         <p:spPr>
           <a:xfrm>
-            <a:off x="411456" y="1787833"/>
-            <a:ext cx="5852172" cy="4389129"/>
+            <a:off x="838200" y="1347787"/>
+            <a:ext cx="9020175" cy="5017955"/>
           </a:xfrm>
           <a:prstGeom prst="rect">
             <a:avLst/>
           </a:prstGeom>
         </p:spPr>
       </p:pic>
-      <p:pic>
-        <p:nvPicPr>
-          <p:cNvPr id="12" name="Рисунок 11">
-            <a:extLst>
-              <a:ext uri="{FF2B5EF4-FFF2-40B4-BE49-F238E27FC236}">
-                <a16:creationId xmlns:a16="http://schemas.microsoft.com/office/drawing/2014/main" id="{07779AF2-2A9A-9C0B-33AE-9E7AC3B000F6}"/>
-              </a:ext>
-            </a:extLst>
-          </p:cNvPr>
-          <p:cNvPicPr>
-            <a:picLocks noChangeAspect="1"/>
-          </p:cNvPicPr>
-          <p:nvPr/>
-        </p:nvPicPr>
-        <p:blipFill>
-          <a:blip r:embed="rId3">
-            <a:extLst>
-              <a:ext uri="{28A0092B-C50C-407E-A947-70E740481C1C}">
-                <a14:useLocalDpi xmlns:a14="http://schemas.microsoft.com/office/drawing/2010/main" val="0"/>
-              </a:ext>
-            </a:extLst>
-          </a:blip>
-          <a:stretch>
-            <a:fillRect/>
-          </a:stretch>
-        </p:blipFill>
-        <p:spPr>
-          <a:xfrm>
-            <a:off x="6096000" y="1787833"/>
-            <a:ext cx="5852172" cy="4389129"/>
-          </a:xfrm>
-          <a:prstGeom prst="rect">
-            <a:avLst/>
-          </a:prstGeom>
-        </p:spPr>
-      </p:pic>
-      <p:sp>
-        <p:nvSpPr>
-          <p:cNvPr id="13" name="TextBox 12">
-            <a:extLst>
-              <a:ext uri="{FF2B5EF4-FFF2-40B4-BE49-F238E27FC236}">
-                <a16:creationId xmlns:a16="http://schemas.microsoft.com/office/drawing/2014/main" id="{E25751FD-7915-348F-5C63-1B994FAA9346}"/>
-              </a:ext>
-            </a:extLst>
-          </p:cNvPr>
-          <p:cNvSpPr txBox="1"/>
-          <p:nvPr/>
-        </p:nvSpPr>
-        <p:spPr>
-          <a:xfrm>
-            <a:off x="908667" y="1385888"/>
-            <a:ext cx="4857749" cy="830997"/>
-          </a:xfrm>
-          <a:prstGeom prst="rect">
-            <a:avLst/>
-          </a:prstGeom>
-          <a:noFill/>
-        </p:spPr>
-        <p:txBody>
-          <a:bodyPr wrap="square" rtlCol="0">
-            <a:spAutoFit/>
-          </a:bodyPr>
-          <a:lstStyle/>
-          <a:p>
-            <a:r>
-              <a:rPr lang="ru-RU" sz="2400" dirty="0">
-                <a:latin typeface="Times New Roman" panose="02020603050405020304" pitchFamily="18" charset="0"/>
-                <a:cs typeface="Times New Roman" panose="02020603050405020304" pitchFamily="18" charset="0"/>
-              </a:rPr>
-              <a:t>Точность определения переменного темпа (%):</a:t>
-            </a:r>
-          </a:p>
-        </p:txBody>
-      </p:sp>
-      <p:sp>
-        <p:nvSpPr>
-          <p:cNvPr id="14" name="TextBox 13">
-            <a:extLst>
-              <a:ext uri="{FF2B5EF4-FFF2-40B4-BE49-F238E27FC236}">
-                <a16:creationId xmlns:a16="http://schemas.microsoft.com/office/drawing/2014/main" id="{09BD7D3A-24CA-3978-E443-21FFF7DE6F12}"/>
-              </a:ext>
-            </a:extLst>
-          </p:cNvPr>
-          <p:cNvSpPr txBox="1"/>
-          <p:nvPr/>
-        </p:nvSpPr>
-        <p:spPr>
-          <a:xfrm>
-            <a:off x="6593211" y="1385888"/>
-            <a:ext cx="4857749" cy="830997"/>
-          </a:xfrm>
-          <a:prstGeom prst="rect">
-            <a:avLst/>
-          </a:prstGeom>
-          <a:noFill/>
-        </p:spPr>
-        <p:txBody>
-          <a:bodyPr wrap="square" rtlCol="0">
-            <a:spAutoFit/>
-          </a:bodyPr>
-          <a:lstStyle/>
-          <a:p>
-            <a:r>
-              <a:rPr lang="ru-RU" sz="2400" dirty="0">
-                <a:latin typeface="Times New Roman" panose="02020603050405020304" pitchFamily="18" charset="0"/>
-                <a:cs typeface="Times New Roman" panose="02020603050405020304" pitchFamily="18" charset="0"/>
-              </a:rPr>
-              <a:t>Точность определения постоянного темпа (%):</a:t>
-            </a:r>
-          </a:p>
-        </p:txBody>
-      </p:sp>
     </p:spTree>
     <p:extLst>
       <p:ext uri="{BB962C8B-B14F-4D97-AF65-F5344CB8AC3E}">
-        <p14:creationId xmlns:p14="http://schemas.microsoft.com/office/powerpoint/2010/main" val="2010487062"/>
+        <p14:creationId xmlns:p14="http://schemas.microsoft.com/office/powerpoint/2010/main" val="3519065961"/>
       </p:ext>
     </p:extLst>
   </p:cSld>
@@ -4264,7 +4365,7 @@
           <p:cNvPr id="2" name="Заголовок 1">
             <a:extLst>
               <a:ext uri="{FF2B5EF4-FFF2-40B4-BE49-F238E27FC236}">
-                <a16:creationId xmlns:a16="http://schemas.microsoft.com/office/drawing/2014/main" id="{A7E4BC7D-A2E6-2346-B5DD-602BEDD1BF7A}"/>
+                <a16:creationId xmlns:a16="http://schemas.microsoft.com/office/drawing/2014/main" id="{DC7C6814-90BC-199C-E4F4-34903A4A1716}"/>
               </a:ext>
             </a:extLst>
           </p:cNvPr>
@@ -4277,8 +4378,8 @@
         </p:nvSpPr>
         <p:spPr>
           <a:xfrm>
-            <a:off x="838200" y="279400"/>
-            <a:ext cx="10515600" cy="1325563"/>
+            <a:off x="838200" y="309562"/>
+            <a:ext cx="10515600" cy="1009651"/>
           </a:xfrm>
         </p:spPr>
         <p:txBody>
@@ -4290,26 +4391,24 @@
                 <a:latin typeface="Times New Roman" panose="02020603050405020304" pitchFamily="18" charset="0"/>
                 <a:cs typeface="Times New Roman" panose="02020603050405020304" pitchFamily="18" charset="0"/>
               </a:rPr>
-              <a:t>Применимость метода для разных наборов инструментов</a:t>
+              <a:t>Структура программного обеспечения</a:t>
             </a:r>
           </a:p>
         </p:txBody>
       </p:sp>
       <p:pic>
         <p:nvPicPr>
-          <p:cNvPr id="5" name="Объект 4">
-            <a:extLst>
-              <a:ext uri="{FF2B5EF4-FFF2-40B4-BE49-F238E27FC236}">
-                <a16:creationId xmlns:a16="http://schemas.microsoft.com/office/drawing/2014/main" id="{9E05C68B-8F74-E846-3944-C4A0CD8EDBA6}"/>
+          <p:cNvPr id="5" name="Рисунок 4">
+            <a:extLst>
+              <a:ext uri="{FF2B5EF4-FFF2-40B4-BE49-F238E27FC236}">
+                <a16:creationId xmlns:a16="http://schemas.microsoft.com/office/drawing/2014/main" id="{3035B6AD-C9BC-FEE3-8BA1-94AEB38EFB93}"/>
               </a:ext>
             </a:extLst>
           </p:cNvPr>
           <p:cNvPicPr>
-            <a:picLocks noGrp="1" noChangeAspect="1"/>
+            <a:picLocks noChangeAspect="1"/>
           </p:cNvPicPr>
-          <p:nvPr>
-            <p:ph idx="1"/>
-          </p:nvPr>
+          <p:nvPr/>
         </p:nvPicPr>
         <p:blipFill>
           <a:blip r:embed="rId2">
@@ -4325,41 +4424,8 @@
         </p:blipFill>
         <p:spPr>
           <a:xfrm>
-            <a:off x="676275" y="1958975"/>
-            <a:ext cx="5516033" cy="4137025"/>
-          </a:xfrm>
-        </p:spPr>
-      </p:pic>
-      <p:pic>
-        <p:nvPicPr>
-          <p:cNvPr id="7" name="Рисунок 6">
-            <a:extLst>
-              <a:ext uri="{FF2B5EF4-FFF2-40B4-BE49-F238E27FC236}">
-                <a16:creationId xmlns:a16="http://schemas.microsoft.com/office/drawing/2014/main" id="{47289202-E6ED-3418-A93A-2F0AFEB65532}"/>
-              </a:ext>
-            </a:extLst>
-          </p:cNvPr>
-          <p:cNvPicPr>
-            <a:picLocks noChangeAspect="1"/>
-          </p:cNvPicPr>
-          <p:nvPr/>
-        </p:nvPicPr>
-        <p:blipFill>
-          <a:blip r:embed="rId3">
-            <a:extLst>
-              <a:ext uri="{28A0092B-C50C-407E-A947-70E740481C1C}">
-                <a14:useLocalDpi xmlns:a14="http://schemas.microsoft.com/office/drawing/2010/main" val="0"/>
-              </a:ext>
-            </a:extLst>
-          </a:blip>
-          <a:stretch>
-            <a:fillRect/>
-          </a:stretch>
-        </p:blipFill>
-        <p:spPr>
-          <a:xfrm>
-            <a:off x="6192308" y="1958975"/>
-            <a:ext cx="5516034" cy="4137026"/>
+            <a:off x="609600" y="1596821"/>
+            <a:ext cx="8043862" cy="4302531"/>
           </a:xfrm>
           <a:prstGeom prst="rect">
             <a:avLst/>
@@ -4368,86 +4434,10 @@
       </p:pic>
       <p:sp>
         <p:nvSpPr>
-          <p:cNvPr id="8" name="TextBox 7">
-            <a:extLst>
-              <a:ext uri="{FF2B5EF4-FFF2-40B4-BE49-F238E27FC236}">
-                <a16:creationId xmlns:a16="http://schemas.microsoft.com/office/drawing/2014/main" id="{06F31EB5-B492-034D-2DD3-748444D98081}"/>
-              </a:ext>
-            </a:extLst>
-          </p:cNvPr>
-          <p:cNvSpPr txBox="1"/>
-          <p:nvPr/>
-        </p:nvSpPr>
-        <p:spPr>
-          <a:xfrm>
-            <a:off x="6673320" y="1728142"/>
-            <a:ext cx="4581525" cy="461665"/>
-          </a:xfrm>
-          <a:prstGeom prst="rect">
-            <a:avLst/>
-          </a:prstGeom>
-          <a:noFill/>
-        </p:spPr>
-        <p:txBody>
-          <a:bodyPr wrap="square" rtlCol="0">
-            <a:spAutoFit/>
-          </a:bodyPr>
-          <a:lstStyle/>
-          <a:p>
-            <a:r>
-              <a:rPr lang="ru-RU" sz="2400" dirty="0">
-                <a:latin typeface="Times New Roman" panose="02020603050405020304" pitchFamily="18" charset="0"/>
-                <a:cs typeface="Times New Roman" panose="02020603050405020304" pitchFamily="18" charset="0"/>
-              </a:rPr>
-              <a:t>Точность определения ритма (%):</a:t>
-            </a:r>
-          </a:p>
-        </p:txBody>
-      </p:sp>
-      <p:sp>
-        <p:nvSpPr>
-          <p:cNvPr id="9" name="TextBox 8">
-            <a:extLst>
-              <a:ext uri="{FF2B5EF4-FFF2-40B4-BE49-F238E27FC236}">
-                <a16:creationId xmlns:a16="http://schemas.microsoft.com/office/drawing/2014/main" id="{716B8EED-1E04-FD7A-ABF1-3F0EF473D7C9}"/>
-              </a:ext>
-            </a:extLst>
-          </p:cNvPr>
-          <p:cNvSpPr txBox="1"/>
-          <p:nvPr/>
-        </p:nvSpPr>
-        <p:spPr>
-          <a:xfrm>
-            <a:off x="1157287" y="1728142"/>
-            <a:ext cx="4554009" cy="461665"/>
-          </a:xfrm>
-          <a:prstGeom prst="rect">
-            <a:avLst/>
-          </a:prstGeom>
-          <a:noFill/>
-        </p:spPr>
-        <p:txBody>
-          <a:bodyPr wrap="square" rtlCol="0">
-            <a:spAutoFit/>
-          </a:bodyPr>
-          <a:lstStyle/>
-          <a:p>
-            <a:r>
-              <a:rPr lang="ru-RU" sz="2400" dirty="0">
-                <a:latin typeface="Times New Roman" panose="02020603050405020304" pitchFamily="18" charset="0"/>
-                <a:cs typeface="Times New Roman" panose="02020603050405020304" pitchFamily="18" charset="0"/>
-              </a:rPr>
-              <a:t>Точность определения темпа (%):</a:t>
-            </a:r>
-          </a:p>
-        </p:txBody>
-      </p:sp>
-      <p:sp>
-        <p:nvSpPr>
-          <p:cNvPr id="3" name="Google Shape;97;p15">
-            <a:extLst>
-              <a:ext uri="{FF2B5EF4-FFF2-40B4-BE49-F238E27FC236}">
-                <a16:creationId xmlns:a16="http://schemas.microsoft.com/office/drawing/2014/main" id="{C7EFEE75-27E4-A2B2-F47D-5622B8BA6CC2}"/>
+          <p:cNvPr id="4" name="Google Shape;97;p15">
+            <a:extLst>
+              <a:ext uri="{FF2B5EF4-FFF2-40B4-BE49-F238E27FC236}">
+                <a16:creationId xmlns:a16="http://schemas.microsoft.com/office/drawing/2014/main" id="{43B865C0-E10D-677F-24AA-F4D1CF029A67}"/>
               </a:ext>
             </a:extLst>
           </p:cNvPr>
@@ -4509,7 +4499,7 @@
     </p:spTree>
     <p:extLst>
       <p:ext uri="{BB962C8B-B14F-4D97-AF65-F5344CB8AC3E}">
-        <p14:creationId xmlns:p14="http://schemas.microsoft.com/office/powerpoint/2010/main" val="3493508139"/>
+        <p14:creationId xmlns:p14="http://schemas.microsoft.com/office/powerpoint/2010/main" val="1978236468"/>
       </p:ext>
     </p:extLst>
   </p:cSld>
@@ -4536,58 +4526,19 @@
           <a:chExt cx="0" cy="0"/>
         </a:xfrm>
       </p:grpSpPr>
-      <p:sp>
-        <p:nvSpPr>
-          <p:cNvPr id="2" name="Заголовок 1">
-            <a:extLst>
-              <a:ext uri="{FF2B5EF4-FFF2-40B4-BE49-F238E27FC236}">
-                <a16:creationId xmlns:a16="http://schemas.microsoft.com/office/drawing/2014/main" id="{C8767315-E5E8-37F7-C15B-B8BDC5863D96}"/>
-              </a:ext>
-            </a:extLst>
-          </p:cNvPr>
-          <p:cNvSpPr>
-            <a:spLocks noGrp="1"/>
-          </p:cNvSpPr>
-          <p:nvPr>
-            <p:ph type="title"/>
-          </p:nvPr>
-        </p:nvSpPr>
-        <p:spPr>
-          <a:xfrm>
-            <a:off x="838200" y="350838"/>
-            <a:ext cx="10515600" cy="987425"/>
-          </a:xfrm>
-        </p:spPr>
-        <p:txBody>
-          <a:bodyPr/>
-          <a:lstStyle/>
-          <a:p>
-            <a:r>
-              <a:rPr lang="ru-RU" dirty="0">
-                <a:latin typeface="Times New Roman" panose="02020603050405020304" pitchFamily="18" charset="0"/>
-                <a:cs typeface="Times New Roman" panose="02020603050405020304" pitchFamily="18" charset="0"/>
-              </a:rPr>
-              <a:t>Применимость метода для разных жанров</a:t>
-            </a:r>
-            <a:endParaRPr lang="ru-RU" dirty="0"/>
-          </a:p>
-        </p:txBody>
-      </p:sp>
       <p:pic>
         <p:nvPicPr>
-          <p:cNvPr id="5" name="Объект 4">
-            <a:extLst>
-              <a:ext uri="{FF2B5EF4-FFF2-40B4-BE49-F238E27FC236}">
-                <a16:creationId xmlns:a16="http://schemas.microsoft.com/office/drawing/2014/main" id="{37087A92-562F-B31A-69CA-F002A20FB353}"/>
+          <p:cNvPr id="10" name="Рисунок 9">
+            <a:extLst>
+              <a:ext uri="{FF2B5EF4-FFF2-40B4-BE49-F238E27FC236}">
+                <a16:creationId xmlns:a16="http://schemas.microsoft.com/office/drawing/2014/main" id="{06681743-E61E-BD32-F6D2-FF818CCE5517}"/>
               </a:ext>
             </a:extLst>
           </p:cNvPr>
           <p:cNvPicPr>
-            <a:picLocks noGrp="1" noChangeAspect="1"/>
+            <a:picLocks noChangeAspect="1"/>
           </p:cNvPicPr>
-          <p:nvPr>
-            <p:ph idx="1"/>
-          </p:nvPr>
+          <p:nvPr/>
         </p:nvPicPr>
         <p:blipFill>
           <a:blip r:embed="rId2">
@@ -4603,17 +4554,20 @@
         </p:blipFill>
         <p:spPr>
           <a:xfrm>
-            <a:off x="638175" y="1939924"/>
-            <a:ext cx="5619750" cy="4214813"/>
+            <a:off x="7134226" y="3370137"/>
+            <a:ext cx="4477808" cy="3358356"/>
           </a:xfrm>
+          <a:prstGeom prst="rect">
+            <a:avLst/>
+          </a:prstGeom>
         </p:spPr>
       </p:pic>
       <p:pic>
         <p:nvPicPr>
-          <p:cNvPr id="7" name="Рисунок 6">
-            <a:extLst>
-              <a:ext uri="{FF2B5EF4-FFF2-40B4-BE49-F238E27FC236}">
-                <a16:creationId xmlns:a16="http://schemas.microsoft.com/office/drawing/2014/main" id="{8D30BF7D-3F6F-6B14-B31C-CDF4A028F3E0}"/>
+          <p:cNvPr id="14" name="Рисунок 13">
+            <a:extLst>
+              <a:ext uri="{FF2B5EF4-FFF2-40B4-BE49-F238E27FC236}">
+                <a16:creationId xmlns:a16="http://schemas.microsoft.com/office/drawing/2014/main" id="{CA59CB3F-2B46-3C5C-CCE3-09DA7769D844}"/>
               </a:ext>
             </a:extLst>
           </p:cNvPr>
@@ -4636,8 +4590,8 @@
         </p:blipFill>
         <p:spPr>
           <a:xfrm>
-            <a:off x="6096000" y="1939924"/>
-            <a:ext cx="5619751" cy="4214813"/>
+            <a:off x="7168623" y="351235"/>
+            <a:ext cx="4443411" cy="3332558"/>
           </a:xfrm>
           <a:prstGeom prst="rect">
             <a:avLst/>
@@ -4646,10 +4600,48 @@
       </p:pic>
       <p:sp>
         <p:nvSpPr>
+          <p:cNvPr id="2" name="Заголовок 1">
+            <a:extLst>
+              <a:ext uri="{FF2B5EF4-FFF2-40B4-BE49-F238E27FC236}">
+                <a16:creationId xmlns:a16="http://schemas.microsoft.com/office/drawing/2014/main" id="{A7E4BC7D-A2E6-2346-B5DD-602BEDD1BF7A}"/>
+              </a:ext>
+            </a:extLst>
+          </p:cNvPr>
+          <p:cNvSpPr>
+            <a:spLocks noGrp="1"/>
+          </p:cNvSpPr>
+          <p:nvPr>
+            <p:ph type="title"/>
+          </p:nvPr>
+        </p:nvSpPr>
+        <p:spPr>
+          <a:xfrm>
+            <a:off x="828675" y="120826"/>
+            <a:ext cx="7391400" cy="1621163"/>
+          </a:xfrm>
+        </p:spPr>
+        <p:txBody>
+          <a:bodyPr>
+            <a:normAutofit fontScale="90000"/>
+          </a:bodyPr>
+          <a:lstStyle/>
+          <a:p>
+            <a:r>
+              <a:rPr lang="ru-RU" sz="4000" dirty="0">
+                <a:latin typeface="Times New Roman" panose="02020603050405020304" pitchFamily="18" charset="0"/>
+                <a:cs typeface="Times New Roman" panose="02020603050405020304" pitchFamily="18" charset="0"/>
+              </a:rPr>
+              <a:t>Точность определения ритмического рисунка при разных наборах музыкальных инструментов</a:t>
+            </a:r>
+          </a:p>
+        </p:txBody>
+      </p:sp>
+      <p:sp>
+        <p:nvSpPr>
           <p:cNvPr id="8" name="TextBox 7">
             <a:extLst>
               <a:ext uri="{FF2B5EF4-FFF2-40B4-BE49-F238E27FC236}">
-                <a16:creationId xmlns:a16="http://schemas.microsoft.com/office/drawing/2014/main" id="{8BB4FD35-37ED-575D-243D-6C56DCF806F1}"/>
+                <a16:creationId xmlns:a16="http://schemas.microsoft.com/office/drawing/2014/main" id="{06F31EB5-B492-034D-2DD3-748444D98081}"/>
               </a:ext>
             </a:extLst>
           </p:cNvPr>
@@ -4658,8 +4650,8 @@
         </p:nvSpPr>
         <p:spPr>
           <a:xfrm>
-            <a:off x="6673320" y="1728142"/>
-            <a:ext cx="4581525" cy="461665"/>
+            <a:off x="5324475" y="4486304"/>
+            <a:ext cx="2254779" cy="830997"/>
           </a:xfrm>
           <a:prstGeom prst="rect">
             <a:avLst/>
@@ -4677,7 +4669,21 @@
                 <a:latin typeface="Times New Roman" panose="02020603050405020304" pitchFamily="18" charset="0"/>
                 <a:cs typeface="Times New Roman" panose="02020603050405020304" pitchFamily="18" charset="0"/>
               </a:rPr>
-              <a:t>Точность определения ритма (%):</a:t>
+              <a:t>Точность для </a:t>
+            </a:r>
+            <a:r>
+              <a:rPr lang="ru-RU" sz="2400" b="1" dirty="0">
+                <a:latin typeface="Times New Roman" panose="02020603050405020304" pitchFamily="18" charset="0"/>
+                <a:cs typeface="Times New Roman" panose="02020603050405020304" pitchFamily="18" charset="0"/>
+              </a:rPr>
+              <a:t>ритма</a:t>
+            </a:r>
+            <a:r>
+              <a:rPr lang="ru-RU" sz="2400" dirty="0">
+                <a:latin typeface="Times New Roman" panose="02020603050405020304" pitchFamily="18" charset="0"/>
+                <a:cs typeface="Times New Roman" panose="02020603050405020304" pitchFamily="18" charset="0"/>
+              </a:rPr>
+              <a:t> (%):</a:t>
             </a:r>
           </a:p>
         </p:txBody>
@@ -4687,7 +4693,7 @@
           <p:cNvPr id="9" name="TextBox 8">
             <a:extLst>
               <a:ext uri="{FF2B5EF4-FFF2-40B4-BE49-F238E27FC236}">
-                <a16:creationId xmlns:a16="http://schemas.microsoft.com/office/drawing/2014/main" id="{1EE44DAC-F4F2-83A5-2B8D-D0C6048330D9}"/>
+                <a16:creationId xmlns:a16="http://schemas.microsoft.com/office/drawing/2014/main" id="{716B8EED-1E04-FD7A-ABF1-3F0EF473D7C9}"/>
               </a:ext>
             </a:extLst>
           </p:cNvPr>
@@ -4696,8 +4702,8 @@
         </p:nvSpPr>
         <p:spPr>
           <a:xfrm>
-            <a:off x="1157287" y="1728142"/>
-            <a:ext cx="4554009" cy="461665"/>
+            <a:off x="5324475" y="1770653"/>
+            <a:ext cx="2120371" cy="830997"/>
           </a:xfrm>
           <a:prstGeom prst="rect">
             <a:avLst/>
@@ -4715,7 +4721,21 @@
                 <a:latin typeface="Times New Roman" panose="02020603050405020304" pitchFamily="18" charset="0"/>
                 <a:cs typeface="Times New Roman" panose="02020603050405020304" pitchFamily="18" charset="0"/>
               </a:rPr>
-              <a:t>Точность определения темпа (%):</a:t>
+              <a:t>Точность для </a:t>
+            </a:r>
+            <a:r>
+              <a:rPr lang="ru-RU" sz="2400" b="1" dirty="0">
+                <a:latin typeface="Times New Roman" panose="02020603050405020304" pitchFamily="18" charset="0"/>
+                <a:cs typeface="Times New Roman" panose="02020603050405020304" pitchFamily="18" charset="0"/>
+              </a:rPr>
+              <a:t>темпа</a:t>
+            </a:r>
+            <a:r>
+              <a:rPr lang="ru-RU" sz="2400" dirty="0">
+                <a:latin typeface="Times New Roman" panose="02020603050405020304" pitchFamily="18" charset="0"/>
+                <a:cs typeface="Times New Roman" panose="02020603050405020304" pitchFamily="18" charset="0"/>
+              </a:rPr>
+              <a:t> (%):</a:t>
             </a:r>
           </a:p>
         </p:txBody>
@@ -4725,7 +4745,7 @@
           <p:cNvPr id="3" name="Google Shape;97;p15">
             <a:extLst>
               <a:ext uri="{FF2B5EF4-FFF2-40B4-BE49-F238E27FC236}">
-                <a16:creationId xmlns:a16="http://schemas.microsoft.com/office/drawing/2014/main" id="{C4049BCB-03B0-CAB6-31BE-CBEC441120CB}"/>
+                <a16:creationId xmlns:a16="http://schemas.microsoft.com/office/drawing/2014/main" id="{C7EFEE75-27E4-A2B2-F47D-5622B8BA6CC2}"/>
               </a:ext>
             </a:extLst>
           </p:cNvPr>
@@ -4784,10 +4804,658 @@
           </a:p>
         </p:txBody>
       </p:sp>
+      <mc:AlternateContent xmlns:mc="http://schemas.openxmlformats.org/markup-compatibility/2006" xmlns:a14="http://schemas.microsoft.com/office/drawing/2010/main">
+        <mc:Choice Requires="a14">
+          <p:sp>
+            <p:nvSpPr>
+              <p:cNvPr id="4" name="Объект 2">
+                <a:extLst>
+                  <a:ext uri="{FF2B5EF4-FFF2-40B4-BE49-F238E27FC236}">
+                    <a16:creationId xmlns:a16="http://schemas.microsoft.com/office/drawing/2014/main" id="{C8EB2E80-F230-0069-1C23-C62BFA559B35}"/>
+                  </a:ext>
+                </a:extLst>
+              </p:cNvPr>
+              <p:cNvSpPr txBox="1">
+                <a:spLocks/>
+              </p:cNvSpPr>
+              <p:nvPr/>
+            </p:nvSpPr>
+            <p:spPr>
+              <a:xfrm>
+                <a:off x="828675" y="1838325"/>
+                <a:ext cx="4495800" cy="4703763"/>
+              </a:xfrm>
+              <a:prstGeom prst="rect">
+                <a:avLst/>
+              </a:prstGeom>
+            </p:spPr>
+            <p:txBody>
+              <a:bodyPr vert="horz" lIns="91440" tIns="45720" rIns="91440" bIns="45720" rtlCol="0">
+                <a:normAutofit lnSpcReduction="10000"/>
+              </a:bodyPr>
+              <a:lstStyle>
+                <a:lvl1pPr marL="228600" indent="-228600" algn="l" defTabSz="914400" rtl="0" eaLnBrk="1" latinLnBrk="0" hangingPunct="1">
+                  <a:lnSpc>
+                    <a:spcPct val="90000"/>
+                  </a:lnSpc>
+                  <a:spcBef>
+                    <a:spcPts val="1000"/>
+                  </a:spcBef>
+                  <a:buFont typeface="Arial" panose="020B0604020202020204" pitchFamily="34" charset="0"/>
+                  <a:buChar char="•"/>
+                  <a:defRPr sz="2800" kern="1200">
+                    <a:solidFill>
+                      <a:schemeClr val="tx1"/>
+                    </a:solidFill>
+                    <a:latin typeface="+mn-lt"/>
+                    <a:ea typeface="+mn-ea"/>
+                    <a:cs typeface="+mn-cs"/>
+                  </a:defRPr>
+                </a:lvl1pPr>
+                <a:lvl2pPr marL="685800" indent="-228600" algn="l" defTabSz="914400" rtl="0" eaLnBrk="1" latinLnBrk="0" hangingPunct="1">
+                  <a:lnSpc>
+                    <a:spcPct val="90000"/>
+                  </a:lnSpc>
+                  <a:spcBef>
+                    <a:spcPts val="500"/>
+                  </a:spcBef>
+                  <a:buFont typeface="Arial" panose="020B0604020202020204" pitchFamily="34" charset="0"/>
+                  <a:buChar char="•"/>
+                  <a:defRPr sz="2400" kern="1200">
+                    <a:solidFill>
+                      <a:schemeClr val="tx1"/>
+                    </a:solidFill>
+                    <a:latin typeface="+mn-lt"/>
+                    <a:ea typeface="+mn-ea"/>
+                    <a:cs typeface="+mn-cs"/>
+                  </a:defRPr>
+                </a:lvl2pPr>
+                <a:lvl3pPr marL="1143000" indent="-228600" algn="l" defTabSz="914400" rtl="0" eaLnBrk="1" latinLnBrk="0" hangingPunct="1">
+                  <a:lnSpc>
+                    <a:spcPct val="90000"/>
+                  </a:lnSpc>
+                  <a:spcBef>
+                    <a:spcPts val="500"/>
+                  </a:spcBef>
+                  <a:buFont typeface="Arial" panose="020B0604020202020204" pitchFamily="34" charset="0"/>
+                  <a:buChar char="•"/>
+                  <a:defRPr sz="2000" kern="1200">
+                    <a:solidFill>
+                      <a:schemeClr val="tx1"/>
+                    </a:solidFill>
+                    <a:latin typeface="+mn-lt"/>
+                    <a:ea typeface="+mn-ea"/>
+                    <a:cs typeface="+mn-cs"/>
+                  </a:defRPr>
+                </a:lvl3pPr>
+                <a:lvl4pPr marL="1600200" indent="-228600" algn="l" defTabSz="914400" rtl="0" eaLnBrk="1" latinLnBrk="0" hangingPunct="1">
+                  <a:lnSpc>
+                    <a:spcPct val="90000"/>
+                  </a:lnSpc>
+                  <a:spcBef>
+                    <a:spcPts val="500"/>
+                  </a:spcBef>
+                  <a:buFont typeface="Arial" panose="020B0604020202020204" pitchFamily="34" charset="0"/>
+                  <a:buChar char="•"/>
+                  <a:defRPr sz="1800" kern="1200">
+                    <a:solidFill>
+                      <a:schemeClr val="tx1"/>
+                    </a:solidFill>
+                    <a:latin typeface="+mn-lt"/>
+                    <a:ea typeface="+mn-ea"/>
+                    <a:cs typeface="+mn-cs"/>
+                  </a:defRPr>
+                </a:lvl4pPr>
+                <a:lvl5pPr marL="2057400" indent="-228600" algn="l" defTabSz="914400" rtl="0" eaLnBrk="1" latinLnBrk="0" hangingPunct="1">
+                  <a:lnSpc>
+                    <a:spcPct val="90000"/>
+                  </a:lnSpc>
+                  <a:spcBef>
+                    <a:spcPts val="500"/>
+                  </a:spcBef>
+                  <a:buFont typeface="Arial" panose="020B0604020202020204" pitchFamily="34" charset="0"/>
+                  <a:buChar char="•"/>
+                  <a:defRPr sz="1800" kern="1200">
+                    <a:solidFill>
+                      <a:schemeClr val="tx1"/>
+                    </a:solidFill>
+                    <a:latin typeface="+mn-lt"/>
+                    <a:ea typeface="+mn-ea"/>
+                    <a:cs typeface="+mn-cs"/>
+                  </a:defRPr>
+                </a:lvl5pPr>
+                <a:lvl6pPr marL="2514600" indent="-228600" algn="l" defTabSz="914400" rtl="0" eaLnBrk="1" latinLnBrk="0" hangingPunct="1">
+                  <a:lnSpc>
+                    <a:spcPct val="90000"/>
+                  </a:lnSpc>
+                  <a:spcBef>
+                    <a:spcPts val="500"/>
+                  </a:spcBef>
+                  <a:buFont typeface="Arial" panose="020B0604020202020204" pitchFamily="34" charset="0"/>
+                  <a:buChar char="•"/>
+                  <a:defRPr sz="1800" kern="1200">
+                    <a:solidFill>
+                      <a:schemeClr val="tx1"/>
+                    </a:solidFill>
+                    <a:latin typeface="+mn-lt"/>
+                    <a:ea typeface="+mn-ea"/>
+                    <a:cs typeface="+mn-cs"/>
+                  </a:defRPr>
+                </a:lvl6pPr>
+                <a:lvl7pPr marL="2971800" indent="-228600" algn="l" defTabSz="914400" rtl="0" eaLnBrk="1" latinLnBrk="0" hangingPunct="1">
+                  <a:lnSpc>
+                    <a:spcPct val="90000"/>
+                  </a:lnSpc>
+                  <a:spcBef>
+                    <a:spcPts val="500"/>
+                  </a:spcBef>
+                  <a:buFont typeface="Arial" panose="020B0604020202020204" pitchFamily="34" charset="0"/>
+                  <a:buChar char="•"/>
+                  <a:defRPr sz="1800" kern="1200">
+                    <a:solidFill>
+                      <a:schemeClr val="tx1"/>
+                    </a:solidFill>
+                    <a:latin typeface="+mn-lt"/>
+                    <a:ea typeface="+mn-ea"/>
+                    <a:cs typeface="+mn-cs"/>
+                  </a:defRPr>
+                </a:lvl7pPr>
+                <a:lvl8pPr marL="3429000" indent="-228600" algn="l" defTabSz="914400" rtl="0" eaLnBrk="1" latinLnBrk="0" hangingPunct="1">
+                  <a:lnSpc>
+                    <a:spcPct val="90000"/>
+                  </a:lnSpc>
+                  <a:spcBef>
+                    <a:spcPts val="500"/>
+                  </a:spcBef>
+                  <a:buFont typeface="Arial" panose="020B0604020202020204" pitchFamily="34" charset="0"/>
+                  <a:buChar char="•"/>
+                  <a:defRPr sz="1800" kern="1200">
+                    <a:solidFill>
+                      <a:schemeClr val="tx1"/>
+                    </a:solidFill>
+                    <a:latin typeface="+mn-lt"/>
+                    <a:ea typeface="+mn-ea"/>
+                    <a:cs typeface="+mn-cs"/>
+                  </a:defRPr>
+                </a:lvl8pPr>
+                <a:lvl9pPr marL="3886200" indent="-228600" algn="l" defTabSz="914400" rtl="0" eaLnBrk="1" latinLnBrk="0" hangingPunct="1">
+                  <a:lnSpc>
+                    <a:spcPct val="90000"/>
+                  </a:lnSpc>
+                  <a:spcBef>
+                    <a:spcPts val="500"/>
+                  </a:spcBef>
+                  <a:buFont typeface="Arial" panose="020B0604020202020204" pitchFamily="34" charset="0"/>
+                  <a:buChar char="•"/>
+                  <a:defRPr sz="1800" kern="1200">
+                    <a:solidFill>
+                      <a:schemeClr val="tx1"/>
+                    </a:solidFill>
+                    <a:latin typeface="+mn-lt"/>
+                    <a:ea typeface="+mn-ea"/>
+                    <a:cs typeface="+mn-cs"/>
+                  </a:defRPr>
+                </a:lvl9pPr>
+              </a:lstStyle>
+              <a:p>
+                <a:pPr marL="0" indent="0">
+                  <a:buFont typeface="Arial" panose="020B0604020202020204" pitchFamily="34" charset="0"/>
+                  <a:buNone/>
+                </a:pPr>
+                <a:r>
+                  <a:rPr lang="ru-RU" sz="2400" dirty="0">
+                    <a:latin typeface="Times New Roman" panose="02020603050405020304" pitchFamily="18" charset="0"/>
+                    <a:cs typeface="Times New Roman" panose="02020603050405020304" pitchFamily="18" charset="0"/>
+                  </a:rPr>
+                  <a:t>Формула определения точности</a:t>
+                </a:r>
+                <a:r>
+                  <a:rPr lang="en-US" sz="2400" dirty="0">
+                    <a:latin typeface="Times New Roman" panose="02020603050405020304" pitchFamily="18" charset="0"/>
+                    <a:cs typeface="Times New Roman" panose="02020603050405020304" pitchFamily="18" charset="0"/>
+                  </a:rPr>
+                  <a:t> </a:t>
+                </a:r>
+                <a:r>
+                  <a:rPr lang="ru-RU" sz="2400" dirty="0">
+                    <a:latin typeface="Times New Roman" panose="02020603050405020304" pitchFamily="18" charset="0"/>
+                    <a:cs typeface="Times New Roman" panose="02020603050405020304" pitchFamily="18" charset="0"/>
+                  </a:rPr>
+                  <a:t>для одного аудиофайла:</a:t>
+                </a:r>
+              </a:p>
+              <a:p>
+                <a:pPr marL="0" indent="0">
+                  <a:buNone/>
+                </a:pPr>
+                <a14:m>
+                  <m:oMath xmlns:m="http://schemas.openxmlformats.org/officeDocument/2006/math">
+                    <m:r>
+                      <a:rPr lang="en-US" sz="2400" b="0" i="1" smtClean="0">
+                        <a:latin typeface="Cambria Math" panose="02040503050406030204" pitchFamily="18" charset="0"/>
+                        <a:cs typeface="Times New Roman" panose="02020603050405020304" pitchFamily="18" charset="0"/>
+                      </a:rPr>
+                      <m:t>𝑒</m:t>
+                    </m:r>
+                    <m:r>
+                      <a:rPr lang="en-US" sz="2400" i="1" smtClean="0">
+                        <a:latin typeface="Cambria Math" panose="02040503050406030204" pitchFamily="18" charset="0"/>
+                        <a:cs typeface="Times New Roman" panose="02020603050405020304" pitchFamily="18" charset="0"/>
+                      </a:rPr>
+                      <m:t>=</m:t>
+                    </m:r>
+                    <m:r>
+                      <a:rPr lang="en-US" sz="2400" b="0" i="1" smtClean="0">
+                        <a:latin typeface="Cambria Math" panose="02040503050406030204" pitchFamily="18" charset="0"/>
+                        <a:cs typeface="Times New Roman" panose="02020603050405020304" pitchFamily="18" charset="0"/>
+                      </a:rPr>
+                      <m:t>100−</m:t>
+                    </m:r>
+                    <m:f>
+                      <m:fPr>
+                        <m:ctrlPr>
+                          <a:rPr lang="en-US" sz="2400" i="1" smtClean="0">
+                            <a:latin typeface="Cambria Math" panose="02040503050406030204" pitchFamily="18" charset="0"/>
+                            <a:cs typeface="Times New Roman" panose="02020603050405020304" pitchFamily="18" charset="0"/>
+                          </a:rPr>
+                        </m:ctrlPr>
+                      </m:fPr>
+                      <m:num>
+                        <m:nary>
+                          <m:naryPr>
+                            <m:chr m:val="∑"/>
+                            <m:supHide m:val="on"/>
+                            <m:ctrlPr>
+                              <a:rPr lang="en-US" sz="2400" i="1" smtClean="0">
+                                <a:latin typeface="Cambria Math" panose="02040503050406030204" pitchFamily="18" charset="0"/>
+                                <a:cs typeface="Times New Roman" panose="02020603050405020304" pitchFamily="18" charset="0"/>
+                              </a:rPr>
+                            </m:ctrlPr>
+                          </m:naryPr>
+                          <m:sub>
+                            <m:r>
+                              <m:rPr>
+                                <m:brk m:alnAt="7"/>
+                              </m:rPr>
+                              <a:rPr lang="en-US" sz="2400" b="0" i="1" smtClean="0">
+                                <a:latin typeface="Cambria Math" panose="02040503050406030204" pitchFamily="18" charset="0"/>
+                                <a:cs typeface="Times New Roman" panose="02020603050405020304" pitchFamily="18" charset="0"/>
+                              </a:rPr>
+                              <m:t>𝑡</m:t>
+                            </m:r>
+                          </m:sub>
+                          <m:sup/>
+                          <m:e>
+                            <m:f>
+                              <m:fPr>
+                                <m:ctrlPr>
+                                  <a:rPr lang="en-US" sz="2400" i="1" smtClean="0">
+                                    <a:latin typeface="Cambria Math" panose="02040503050406030204" pitchFamily="18" charset="0"/>
+                                    <a:cs typeface="Times New Roman" panose="02020603050405020304" pitchFamily="18" charset="0"/>
+                                  </a:rPr>
+                                </m:ctrlPr>
+                              </m:fPr>
+                              <m:num>
+                                <m:r>
+                                  <a:rPr lang="en-US" sz="2400" b="0" i="1" smtClean="0">
+                                    <a:latin typeface="Cambria Math" panose="02040503050406030204" pitchFamily="18" charset="0"/>
+                                    <a:cs typeface="Times New Roman" panose="02020603050405020304" pitchFamily="18" charset="0"/>
+                                  </a:rPr>
+                                  <m:t>|</m:t>
+                                </m:r>
+                                <m:r>
+                                  <a:rPr lang="en-US" sz="2400" i="1" smtClean="0">
+                                    <a:latin typeface="Cambria Math" panose="02040503050406030204" pitchFamily="18" charset="0"/>
+                                    <a:ea typeface="Cambria Math" panose="02040503050406030204" pitchFamily="18" charset="0"/>
+                                    <a:cs typeface="Times New Roman" panose="02020603050405020304" pitchFamily="18" charset="0"/>
+                                  </a:rPr>
+                                  <m:t>𝜃</m:t>
+                                </m:r>
+                                <m:r>
+                                  <a:rPr lang="en-US" sz="2400" b="0" i="1" smtClean="0">
+                                    <a:latin typeface="Cambria Math" panose="02040503050406030204" pitchFamily="18" charset="0"/>
+                                    <a:ea typeface="Cambria Math" panose="02040503050406030204" pitchFamily="18" charset="0"/>
+                                    <a:cs typeface="Times New Roman" panose="02020603050405020304" pitchFamily="18" charset="0"/>
+                                  </a:rPr>
+                                  <m:t>−</m:t>
+                                </m:r>
+                                <m:sSub>
+                                  <m:sSubPr>
+                                    <m:ctrlPr>
+                                      <a:rPr lang="en-US" sz="2400" b="0" i="1" smtClean="0">
+                                        <a:latin typeface="Cambria Math" panose="02040503050406030204" pitchFamily="18" charset="0"/>
+                                        <a:ea typeface="Cambria Math" panose="02040503050406030204" pitchFamily="18" charset="0"/>
+                                        <a:cs typeface="Times New Roman" panose="02020603050405020304" pitchFamily="18" charset="0"/>
+                                      </a:rPr>
+                                    </m:ctrlPr>
+                                  </m:sSubPr>
+                                  <m:e>
+                                    <m:r>
+                                      <a:rPr lang="en-US" sz="2400" b="0" i="1" smtClean="0">
+                                        <a:latin typeface="Cambria Math" panose="02040503050406030204" pitchFamily="18" charset="0"/>
+                                        <a:ea typeface="Cambria Math" panose="02040503050406030204" pitchFamily="18" charset="0"/>
+                                        <a:cs typeface="Times New Roman" panose="02020603050405020304" pitchFamily="18" charset="0"/>
+                                      </a:rPr>
+                                      <m:t>𝜃</m:t>
+                                    </m:r>
+                                  </m:e>
+                                  <m:sub>
+                                    <m:r>
+                                      <a:rPr lang="ru-RU" sz="2400" b="0" i="1" smtClean="0">
+                                        <a:latin typeface="Cambria Math" panose="02040503050406030204" pitchFamily="18" charset="0"/>
+                                        <a:ea typeface="Cambria Math" panose="02040503050406030204" pitchFamily="18" charset="0"/>
+                                        <a:cs typeface="Times New Roman" panose="02020603050405020304" pitchFamily="18" charset="0"/>
+                                      </a:rPr>
+                                      <m:t>ид</m:t>
+                                    </m:r>
+                                  </m:sub>
+                                </m:sSub>
+                                <m:r>
+                                  <a:rPr lang="en-US" sz="2400" b="0" i="1" smtClean="0">
+                                    <a:latin typeface="Cambria Math" panose="02040503050406030204" pitchFamily="18" charset="0"/>
+                                    <a:ea typeface="Cambria Math" panose="02040503050406030204" pitchFamily="18" charset="0"/>
+                                    <a:cs typeface="Times New Roman" panose="02020603050405020304" pitchFamily="18" charset="0"/>
+                                  </a:rPr>
+                                  <m:t>|</m:t>
+                                </m:r>
+                              </m:num>
+                              <m:den>
+                                <m:sSub>
+                                  <m:sSubPr>
+                                    <m:ctrlPr>
+                                      <a:rPr lang="en-US" sz="2400" i="1">
+                                        <a:latin typeface="Cambria Math" panose="02040503050406030204" pitchFamily="18" charset="0"/>
+                                        <a:ea typeface="Cambria Math" panose="02040503050406030204" pitchFamily="18" charset="0"/>
+                                        <a:cs typeface="Times New Roman" panose="02020603050405020304" pitchFamily="18" charset="0"/>
+                                      </a:rPr>
+                                    </m:ctrlPr>
+                                  </m:sSubPr>
+                                  <m:e>
+                                    <m:r>
+                                      <a:rPr lang="en-US" sz="2400" i="1">
+                                        <a:latin typeface="Cambria Math" panose="02040503050406030204" pitchFamily="18" charset="0"/>
+                                        <a:ea typeface="Cambria Math" panose="02040503050406030204" pitchFamily="18" charset="0"/>
+                                        <a:cs typeface="Times New Roman" panose="02020603050405020304" pitchFamily="18" charset="0"/>
+                                      </a:rPr>
+                                      <m:t>𝜃</m:t>
+                                    </m:r>
+                                  </m:e>
+                                  <m:sub>
+                                    <m:r>
+                                      <a:rPr lang="ru-RU" sz="2400" i="1">
+                                        <a:latin typeface="Cambria Math" panose="02040503050406030204" pitchFamily="18" charset="0"/>
+                                        <a:ea typeface="Cambria Math" panose="02040503050406030204" pitchFamily="18" charset="0"/>
+                                        <a:cs typeface="Times New Roman" panose="02020603050405020304" pitchFamily="18" charset="0"/>
+                                      </a:rPr>
+                                      <m:t>ид</m:t>
+                                    </m:r>
+                                  </m:sub>
+                                </m:sSub>
+                              </m:den>
+                            </m:f>
+                          </m:e>
+                        </m:nary>
+                      </m:num>
+                      <m:den>
+                        <m:r>
+                          <a:rPr lang="en-US" sz="2400" b="0" i="1" smtClean="0">
+                            <a:latin typeface="Cambria Math" panose="02040503050406030204" pitchFamily="18" charset="0"/>
+                            <a:cs typeface="Times New Roman" panose="02020603050405020304" pitchFamily="18" charset="0"/>
+                          </a:rPr>
+                          <m:t>𝑛</m:t>
+                        </m:r>
+                      </m:den>
+                    </m:f>
+                    <m:r>
+                      <a:rPr lang="en-US" sz="2400" i="1" smtClean="0">
+                        <a:latin typeface="Cambria Math" panose="02040503050406030204" pitchFamily="18" charset="0"/>
+                        <a:ea typeface="Cambria Math" panose="02040503050406030204" pitchFamily="18" charset="0"/>
+                        <a:cs typeface="Times New Roman" panose="02020603050405020304" pitchFamily="18" charset="0"/>
+                      </a:rPr>
+                      <m:t>∙</m:t>
+                    </m:r>
+                    <m:r>
+                      <a:rPr lang="en-US" sz="2400" b="0" i="1" smtClean="0">
+                        <a:latin typeface="Cambria Math" panose="02040503050406030204" pitchFamily="18" charset="0"/>
+                        <a:ea typeface="Cambria Math" panose="02040503050406030204" pitchFamily="18" charset="0"/>
+                        <a:cs typeface="Times New Roman" panose="02020603050405020304" pitchFamily="18" charset="0"/>
+                      </a:rPr>
+                      <m:t>100%</m:t>
+                    </m:r>
+                  </m:oMath>
+                </a14:m>
+                <a:r>
+                  <a:rPr lang="en-US" sz="2400" dirty="0">
+                    <a:latin typeface="Times New Roman" panose="02020603050405020304" pitchFamily="18" charset="0"/>
+                    <a:cs typeface="Times New Roman" panose="02020603050405020304" pitchFamily="18" charset="0"/>
+                  </a:rPr>
+                  <a:t>,</a:t>
+                </a:r>
+              </a:p>
+              <a:p>
+                <a:pPr marL="0" indent="0">
+                  <a:buFont typeface="Arial" panose="020B0604020202020204" pitchFamily="34" charset="0"/>
+                  <a:buNone/>
+                </a:pPr>
+                <a14:m>
+                  <m:oMath xmlns:m="http://schemas.openxmlformats.org/officeDocument/2006/math">
+                    <m:r>
+                      <a:rPr lang="en-US" sz="2400" i="1" smtClean="0">
+                        <a:latin typeface="Cambria Math" panose="02040503050406030204" pitchFamily="18" charset="0"/>
+                        <a:ea typeface="Cambria Math" panose="02040503050406030204" pitchFamily="18" charset="0"/>
+                        <a:cs typeface="Times New Roman" panose="02020603050405020304" pitchFamily="18" charset="0"/>
+                      </a:rPr>
+                      <m:t>𝜃</m:t>
+                    </m:r>
+                  </m:oMath>
+                </a14:m>
+                <a:r>
+                  <a:rPr lang="en-US" sz="2400" dirty="0">
+                    <a:latin typeface="Times New Roman" panose="02020603050405020304" pitchFamily="18" charset="0"/>
+                    <a:cs typeface="Times New Roman" panose="02020603050405020304" pitchFamily="18" charset="0"/>
+                  </a:rPr>
+                  <a:t> – </a:t>
+                </a:r>
+                <a:r>
+                  <a:rPr lang="ru-RU" sz="2400" dirty="0">
+                    <a:latin typeface="Times New Roman" panose="02020603050405020304" pitchFamily="18" charset="0"/>
+                    <a:cs typeface="Times New Roman" panose="02020603050405020304" pitchFamily="18" charset="0"/>
+                  </a:rPr>
+                  <a:t>темп</a:t>
+                </a:r>
+                <a:r>
+                  <a:rPr lang="en-US" sz="2400" dirty="0">
+                    <a:latin typeface="Times New Roman" panose="02020603050405020304" pitchFamily="18" charset="0"/>
+                    <a:cs typeface="Times New Roman" panose="02020603050405020304" pitchFamily="18" charset="0"/>
+                  </a:rPr>
+                  <a:t> </a:t>
+                </a:r>
+                <a:r>
+                  <a:rPr lang="ru-RU" sz="2400" dirty="0">
+                    <a:latin typeface="Times New Roman" panose="02020603050405020304" pitchFamily="18" charset="0"/>
+                    <a:cs typeface="Times New Roman" panose="02020603050405020304" pitchFamily="18" charset="0"/>
+                  </a:rPr>
+                  <a:t>(ритм) в соответствующий промежуток времени, </a:t>
+                </a:r>
+              </a:p>
+              <a:p>
+                <a:pPr marL="0" indent="0">
+                  <a:buNone/>
+                </a:pPr>
+                <a14:m>
+                  <m:oMath xmlns:m="http://schemas.openxmlformats.org/officeDocument/2006/math">
+                    <m:sSub>
+                      <m:sSubPr>
+                        <m:ctrlPr>
+                          <a:rPr lang="en-US" sz="2400" b="0" i="1" smtClean="0">
+                            <a:latin typeface="Cambria Math" panose="02040503050406030204" pitchFamily="18" charset="0"/>
+                            <a:ea typeface="Cambria Math" panose="02040503050406030204" pitchFamily="18" charset="0"/>
+                            <a:cs typeface="Times New Roman" panose="02020603050405020304" pitchFamily="18" charset="0"/>
+                          </a:rPr>
+                        </m:ctrlPr>
+                      </m:sSubPr>
+                      <m:e>
+                        <m:r>
+                          <a:rPr lang="en-US" sz="2400" b="0" i="1" smtClean="0">
+                            <a:latin typeface="Cambria Math" panose="02040503050406030204" pitchFamily="18" charset="0"/>
+                            <a:ea typeface="Cambria Math" panose="02040503050406030204" pitchFamily="18" charset="0"/>
+                            <a:cs typeface="Times New Roman" panose="02020603050405020304" pitchFamily="18" charset="0"/>
+                          </a:rPr>
+                          <m:t>𝜃</m:t>
+                        </m:r>
+                      </m:e>
+                      <m:sub>
+                        <m:r>
+                          <a:rPr lang="ru-RU" sz="2400" b="0" i="1" smtClean="0">
+                            <a:latin typeface="Cambria Math" panose="02040503050406030204" pitchFamily="18" charset="0"/>
+                            <a:ea typeface="Cambria Math" panose="02040503050406030204" pitchFamily="18" charset="0"/>
+                            <a:cs typeface="Times New Roman" panose="02020603050405020304" pitchFamily="18" charset="0"/>
+                          </a:rPr>
+                          <m:t>ид</m:t>
+                        </m:r>
+                      </m:sub>
+                    </m:sSub>
+                  </m:oMath>
+                </a14:m>
+                <a:r>
+                  <a:rPr lang="en-US" sz="2400" dirty="0">
+                    <a:latin typeface="Times New Roman" panose="02020603050405020304" pitchFamily="18" charset="0"/>
+                    <a:cs typeface="Times New Roman" panose="02020603050405020304" pitchFamily="18" charset="0"/>
+                  </a:rPr>
+                  <a:t> – </a:t>
+                </a:r>
+                <a:r>
+                  <a:rPr lang="ru-RU" sz="2400" dirty="0">
+                    <a:latin typeface="Times New Roman" panose="02020603050405020304" pitchFamily="18" charset="0"/>
+                    <a:cs typeface="Times New Roman" panose="02020603050405020304" pitchFamily="18" charset="0"/>
+                  </a:rPr>
+                  <a:t>идеальный темп</a:t>
+                </a:r>
+                <a:r>
+                  <a:rPr lang="en-US" sz="2400" dirty="0">
+                    <a:latin typeface="Times New Roman" panose="02020603050405020304" pitchFamily="18" charset="0"/>
+                    <a:cs typeface="Times New Roman" panose="02020603050405020304" pitchFamily="18" charset="0"/>
+                  </a:rPr>
+                  <a:t> </a:t>
+                </a:r>
+                <a:r>
+                  <a:rPr lang="ru-RU" sz="2400" dirty="0">
+                    <a:latin typeface="Times New Roman" panose="02020603050405020304" pitchFamily="18" charset="0"/>
+                    <a:cs typeface="Times New Roman" panose="02020603050405020304" pitchFamily="18" charset="0"/>
+                  </a:rPr>
+                  <a:t>(ритм) в соответствующий промежуток времени,</a:t>
+                </a:r>
+              </a:p>
+              <a:p>
+                <a:pPr marL="0" indent="0">
+                  <a:buFont typeface="Arial" panose="020B0604020202020204" pitchFamily="34" charset="0"/>
+                  <a:buNone/>
+                </a:pPr>
+                <a14:m>
+                  <m:oMath xmlns:m="http://schemas.openxmlformats.org/officeDocument/2006/math">
+                    <m:r>
+                      <m:rPr>
+                        <m:brk m:alnAt="7"/>
+                      </m:rPr>
+                      <a:rPr lang="en-US" sz="2400" b="0" i="1" smtClean="0">
+                        <a:latin typeface="Cambria Math" panose="02040503050406030204" pitchFamily="18" charset="0"/>
+                        <a:cs typeface="Times New Roman" panose="02020603050405020304" pitchFamily="18" charset="0"/>
+                      </a:rPr>
+                      <m:t>𝑡</m:t>
+                    </m:r>
+                  </m:oMath>
+                </a14:m>
+                <a:r>
+                  <a:rPr lang="en-US" sz="2400" dirty="0">
+                    <a:latin typeface="Times New Roman" panose="02020603050405020304" pitchFamily="18" charset="0"/>
+                    <a:cs typeface="Times New Roman" panose="02020603050405020304" pitchFamily="18" charset="0"/>
+                  </a:rPr>
+                  <a:t> – </a:t>
+                </a:r>
+                <a:r>
+                  <a:rPr lang="ru-RU" sz="2400" dirty="0">
+                    <a:latin typeface="Times New Roman" panose="02020603050405020304" pitchFamily="18" charset="0"/>
+                    <a:cs typeface="Times New Roman" panose="02020603050405020304" pitchFamily="18" charset="0"/>
+                  </a:rPr>
+                  <a:t>временной промежуток,</a:t>
+                </a:r>
+              </a:p>
+              <a:p>
+                <a:pPr marL="0" indent="0">
+                  <a:buFont typeface="Arial" panose="020B0604020202020204" pitchFamily="34" charset="0"/>
+                  <a:buNone/>
+                </a:pPr>
+                <a14:m>
+                  <m:oMath xmlns:m="http://schemas.openxmlformats.org/officeDocument/2006/math">
+                    <m:r>
+                      <a:rPr lang="en-US" sz="2400" b="0" i="1" smtClean="0">
+                        <a:latin typeface="Cambria Math" panose="02040503050406030204" pitchFamily="18" charset="0"/>
+                        <a:cs typeface="Times New Roman" panose="02020603050405020304" pitchFamily="18" charset="0"/>
+                      </a:rPr>
+                      <m:t>𝑛</m:t>
+                    </m:r>
+                  </m:oMath>
+                </a14:m>
+                <a:r>
+                  <a:rPr lang="ru-RU" sz="2400" dirty="0">
+                    <a:latin typeface="Times New Roman" panose="02020603050405020304" pitchFamily="18" charset="0"/>
+                    <a:cs typeface="Times New Roman" panose="02020603050405020304" pitchFamily="18" charset="0"/>
+                  </a:rPr>
+                  <a:t> – количество временных промежутков.</a:t>
+                </a:r>
+              </a:p>
+            </p:txBody>
+          </p:sp>
+        </mc:Choice>
+        <mc:Fallback xmlns="">
+          <p:sp>
+            <p:nvSpPr>
+              <p:cNvPr id="4" name="Объект 2">
+                <a:extLst>
+                  <a:ext uri="{FF2B5EF4-FFF2-40B4-BE49-F238E27FC236}">
+                    <a16:creationId xmlns:a16="http://schemas.microsoft.com/office/drawing/2014/main" id="{C8EB2E80-F230-0069-1C23-C62BFA559B35}"/>
+                  </a:ext>
+                </a:extLst>
+              </p:cNvPr>
+              <p:cNvSpPr txBox="1">
+                <a:spLocks noRot="1" noChangeAspect="1" noMove="1" noResize="1" noEditPoints="1" noAdjustHandles="1" noChangeArrowheads="1" noChangeShapeType="1" noTextEdit="1"/>
+              </p:cNvSpPr>
+              <p:nvPr/>
+            </p:nvSpPr>
+            <p:spPr>
+              <a:xfrm>
+                <a:off x="828675" y="1838325"/>
+                <a:ext cx="4495800" cy="4703763"/>
+              </a:xfrm>
+              <a:prstGeom prst="rect">
+                <a:avLst/>
+              </a:prstGeom>
+              <a:blipFill>
+                <a:blip r:embed="rId4"/>
+                <a:stretch>
+                  <a:fillRect l="-2171" t="-2594" b="-519"/>
+                </a:stretch>
+              </a:blipFill>
+            </p:spPr>
+            <p:txBody>
+              <a:bodyPr/>
+              <a:lstStyle/>
+              <a:p>
+                <a:r>
+                  <a:rPr lang="ru-RU">
+                    <a:noFill/>
+                  </a:rPr>
+                  <a:t> </a:t>
+                </a:r>
+              </a:p>
+            </p:txBody>
+          </p:sp>
+        </mc:Fallback>
+      </mc:AlternateContent>
     </p:spTree>
     <p:extLst>
       <p:ext uri="{BB962C8B-B14F-4D97-AF65-F5344CB8AC3E}">
-        <p14:creationId xmlns:p14="http://schemas.microsoft.com/office/powerpoint/2010/main" val="1332859654"/>
+        <p14:creationId xmlns:p14="http://schemas.microsoft.com/office/powerpoint/2010/main" val="3493508139"/>
       </p:ext>
     </p:extLst>
   </p:cSld>
@@ -4814,155 +5482,234 @@
           <a:chExt cx="0" cy="0"/>
         </a:xfrm>
       </p:grpSpPr>
-      <p:sp>
-        <p:nvSpPr>
-          <p:cNvPr id="2" name="Заголовок 1">
-            <a:extLst>
-              <a:ext uri="{FF2B5EF4-FFF2-40B4-BE49-F238E27FC236}">
-                <a16:creationId xmlns:a16="http://schemas.microsoft.com/office/drawing/2014/main" id="{ABE8C65B-5977-4977-A6AA-FC0009743344}"/>
-              </a:ext>
-            </a:extLst>
-          </p:cNvPr>
-          <p:cNvSpPr>
-            <a:spLocks noGrp="1"/>
-          </p:cNvSpPr>
-          <p:nvPr>
-            <p:ph type="title"/>
-          </p:nvPr>
-        </p:nvSpPr>
+      <p:pic>
+        <p:nvPicPr>
+          <p:cNvPr id="15" name="Рисунок 14">
+            <a:extLst>
+              <a:ext uri="{FF2B5EF4-FFF2-40B4-BE49-F238E27FC236}">
+                <a16:creationId xmlns:a16="http://schemas.microsoft.com/office/drawing/2014/main" id="{CC66EED4-D7A5-E57F-9C32-72381692C09B}"/>
+              </a:ext>
+            </a:extLst>
+          </p:cNvPr>
+          <p:cNvPicPr>
+            <a:picLocks noChangeAspect="1"/>
+          </p:cNvPicPr>
+          <p:nvPr/>
+        </p:nvPicPr>
+        <p:blipFill>
+          <a:blip r:embed="rId2">
+            <a:extLst>
+              <a:ext uri="{28A0092B-C50C-407E-A947-70E740481C1C}">
+                <a14:useLocalDpi xmlns:a14="http://schemas.microsoft.com/office/drawing/2010/main" val="0"/>
+              </a:ext>
+            </a:extLst>
+          </a:blip>
+          <a:stretch>
+            <a:fillRect/>
+          </a:stretch>
+        </p:blipFill>
         <p:spPr>
           <a:xfrm>
-            <a:off x="838200" y="314325"/>
-            <a:ext cx="10515600" cy="957263"/>
+            <a:off x="6067425" y="1958974"/>
+            <a:ext cx="5619751" cy="4214813"/>
+          </a:xfrm>
+          <a:prstGeom prst="rect">
+            <a:avLst/>
+          </a:prstGeom>
+        </p:spPr>
+      </p:pic>
+      <p:pic>
+        <p:nvPicPr>
+          <p:cNvPr id="11" name="Рисунок 10">
+            <a:extLst>
+              <a:ext uri="{FF2B5EF4-FFF2-40B4-BE49-F238E27FC236}">
+                <a16:creationId xmlns:a16="http://schemas.microsoft.com/office/drawing/2014/main" id="{B7A97116-B2ED-45E5-FA63-91A87B7B7602}"/>
+              </a:ext>
+            </a:extLst>
+          </p:cNvPr>
+          <p:cNvPicPr>
+            <a:picLocks noChangeAspect="1"/>
+          </p:cNvPicPr>
+          <p:nvPr/>
+        </p:nvPicPr>
+        <p:blipFill>
+          <a:blip r:embed="rId3">
+            <a:extLst>
+              <a:ext uri="{28A0092B-C50C-407E-A947-70E740481C1C}">
+                <a14:useLocalDpi xmlns:a14="http://schemas.microsoft.com/office/drawing/2010/main" val="0"/>
+              </a:ext>
+            </a:extLst>
+          </a:blip>
+          <a:stretch>
+            <a:fillRect/>
+          </a:stretch>
+        </p:blipFill>
+        <p:spPr>
+          <a:xfrm>
+            <a:off x="588698" y="1939924"/>
+            <a:ext cx="5619750" cy="4214813"/>
+          </a:xfrm>
+          <a:prstGeom prst="rect">
+            <a:avLst/>
+          </a:prstGeom>
+        </p:spPr>
+      </p:pic>
+      <p:sp>
+        <p:nvSpPr>
+          <p:cNvPr id="2" name="Заголовок 1">
+            <a:extLst>
+              <a:ext uri="{FF2B5EF4-FFF2-40B4-BE49-F238E27FC236}">
+                <a16:creationId xmlns:a16="http://schemas.microsoft.com/office/drawing/2014/main" id="{C8767315-E5E8-37F7-C15B-B8BDC5863D96}"/>
+              </a:ext>
+            </a:extLst>
+          </p:cNvPr>
+          <p:cNvSpPr>
+            <a:spLocks noGrp="1"/>
+          </p:cNvSpPr>
+          <p:nvPr>
+            <p:ph type="title"/>
+          </p:nvPr>
+        </p:nvSpPr>
+        <p:spPr>
+          <a:xfrm>
+            <a:off x="838200" y="350838"/>
+            <a:ext cx="10515600" cy="987425"/>
           </a:xfrm>
         </p:spPr>
         <p:txBody>
-          <a:bodyPr/>
-          <a:lstStyle/>
-          <a:p>
+          <a:bodyPr>
+            <a:normAutofit fontScale="90000"/>
+          </a:bodyPr>
+          <a:lstStyle/>
+          <a:p>
+            <a:r>
+              <a:rPr lang="ru-RU" sz="4400" dirty="0">
+                <a:latin typeface="Times New Roman" panose="02020603050405020304" pitchFamily="18" charset="0"/>
+                <a:cs typeface="Times New Roman" panose="02020603050405020304" pitchFamily="18" charset="0"/>
+              </a:rPr>
+              <a:t>Точность определения ритмического рисунка при</a:t>
+            </a:r>
             <a:r>
               <a:rPr lang="ru-RU" dirty="0">
                 <a:latin typeface="Times New Roman" panose="02020603050405020304" pitchFamily="18" charset="0"/>
                 <a:cs typeface="Times New Roman" panose="02020603050405020304" pitchFamily="18" charset="0"/>
               </a:rPr>
-              <a:t>Заключение</a:t>
-            </a:r>
-          </a:p>
-        </p:txBody>
-      </p:sp>
-      <p:sp>
-        <p:nvSpPr>
-          <p:cNvPr id="3" name="Объект 2">
-            <a:extLst>
-              <a:ext uri="{FF2B5EF4-FFF2-40B4-BE49-F238E27FC236}">
-                <a16:creationId xmlns:a16="http://schemas.microsoft.com/office/drawing/2014/main" id="{46752D17-4773-5B51-AFD3-A71B074BBDD8}"/>
-              </a:ext>
-            </a:extLst>
-          </p:cNvPr>
-          <p:cNvSpPr>
-            <a:spLocks noGrp="1"/>
-          </p:cNvSpPr>
-          <p:nvPr>
-            <p:ph idx="1"/>
-          </p:nvPr>
+              <a:t> разных жанрах</a:t>
+            </a:r>
+            <a:endParaRPr lang="ru-RU" dirty="0"/>
+          </a:p>
+        </p:txBody>
+      </p:sp>
+      <p:sp>
+        <p:nvSpPr>
+          <p:cNvPr id="8" name="TextBox 7">
+            <a:extLst>
+              <a:ext uri="{FF2B5EF4-FFF2-40B4-BE49-F238E27FC236}">
+                <a16:creationId xmlns:a16="http://schemas.microsoft.com/office/drawing/2014/main" id="{8BB4FD35-37ED-575D-243D-6C56DCF806F1}"/>
+              </a:ext>
+            </a:extLst>
+          </p:cNvPr>
+          <p:cNvSpPr txBox="1"/>
+          <p:nvPr/>
         </p:nvSpPr>
         <p:spPr>
           <a:xfrm>
-            <a:off x="838200" y="1504950"/>
-            <a:ext cx="10515600" cy="4838700"/>
+            <a:off x="6635220" y="1728142"/>
+            <a:ext cx="4680480" cy="461665"/>
           </a:xfrm>
+          <a:prstGeom prst="rect">
+            <a:avLst/>
+          </a:prstGeom>
+          <a:noFill/>
         </p:spPr>
         <p:txBody>
-          <a:bodyPr>
-            <a:normAutofit/>
+          <a:bodyPr wrap="square" rtlCol="0">
+            <a:spAutoFit/>
           </a:bodyPr>
           <a:lstStyle/>
           <a:p>
-            <a:pPr marL="0" indent="0">
-              <a:buNone/>
-            </a:pPr>
             <a:r>
               <a:rPr lang="ru-RU" sz="2400" dirty="0">
                 <a:latin typeface="Times New Roman" panose="02020603050405020304" pitchFamily="18" charset="0"/>
                 <a:cs typeface="Times New Roman" panose="02020603050405020304" pitchFamily="18" charset="0"/>
               </a:rPr>
-              <a:t>Был разработан метод автоматического определения переменных темпа и ритма музыки на основе байесовского иерархического моделирования.</a:t>
-            </a:r>
-          </a:p>
-          <a:p>
-            <a:pPr marL="0" indent="0">
-              <a:buNone/>
-            </a:pPr>
+              <a:t>Точность определения </a:t>
+            </a:r>
+            <a:r>
+              <a:rPr lang="ru-RU" sz="2400" b="1" dirty="0">
+                <a:latin typeface="Times New Roman" panose="02020603050405020304" pitchFamily="18" charset="0"/>
+                <a:cs typeface="Times New Roman" panose="02020603050405020304" pitchFamily="18" charset="0"/>
+              </a:rPr>
+              <a:t>ритма</a:t>
+            </a:r>
             <a:r>
               <a:rPr lang="ru-RU" sz="2400" dirty="0">
                 <a:latin typeface="Times New Roman" panose="02020603050405020304" pitchFamily="18" charset="0"/>
                 <a:cs typeface="Times New Roman" panose="02020603050405020304" pitchFamily="18" charset="0"/>
               </a:rPr>
-              <a:t>Были решены следующие задачи:</a:t>
-            </a:r>
-          </a:p>
+              <a:t> (%):</a:t>
+            </a:r>
+          </a:p>
+        </p:txBody>
+      </p:sp>
+      <p:sp>
+        <p:nvSpPr>
+          <p:cNvPr id="9" name="TextBox 8">
+            <a:extLst>
+              <a:ext uri="{FF2B5EF4-FFF2-40B4-BE49-F238E27FC236}">
+                <a16:creationId xmlns:a16="http://schemas.microsoft.com/office/drawing/2014/main" id="{1EE44DAC-F4F2-83A5-2B8D-D0C6048330D9}"/>
+              </a:ext>
+            </a:extLst>
+          </p:cNvPr>
+          <p:cNvSpPr txBox="1"/>
+          <p:nvPr/>
+        </p:nvSpPr>
+        <p:spPr>
+          <a:xfrm>
+            <a:off x="1157287" y="1728142"/>
+            <a:ext cx="4662488" cy="461665"/>
+          </a:xfrm>
+          <a:prstGeom prst="rect">
+            <a:avLst/>
+          </a:prstGeom>
+          <a:noFill/>
+        </p:spPr>
+        <p:txBody>
+          <a:bodyPr wrap="square" rtlCol="0">
+            <a:spAutoFit/>
+          </a:bodyPr>
+          <a:lstStyle/>
           <a:p>
             <a:r>
               <a:rPr lang="ru-RU" sz="2400" dirty="0">
                 <a:latin typeface="Times New Roman" panose="02020603050405020304" pitchFamily="18" charset="0"/>
                 <a:cs typeface="Times New Roman" panose="02020603050405020304" pitchFamily="18" charset="0"/>
               </a:rPr>
-              <a:t>проведен анализ предметной области и сформулирована проблема;</a:t>
-            </a:r>
-          </a:p>
-          <a:p>
+              <a:t>Точность определения </a:t>
+            </a:r>
+            <a:r>
+              <a:rPr lang="ru-RU" sz="2400" b="1" dirty="0">
+                <a:latin typeface="Times New Roman" panose="02020603050405020304" pitchFamily="18" charset="0"/>
+                <a:cs typeface="Times New Roman" panose="02020603050405020304" pitchFamily="18" charset="0"/>
+              </a:rPr>
+              <a:t>темпа</a:t>
+            </a:r>
             <a:r>
               <a:rPr lang="ru-RU" sz="2400" dirty="0">
                 <a:latin typeface="Times New Roman" panose="02020603050405020304" pitchFamily="18" charset="0"/>
                 <a:cs typeface="Times New Roman" panose="02020603050405020304" pitchFamily="18" charset="0"/>
               </a:rPr>
-              <a:t>проанализированы основные методы определения темпа и ритма и проведено их сравнение;</a:t>
-            </a:r>
-          </a:p>
-          <a:p>
-            <a:r>
-              <a:rPr lang="ru-RU" sz="2400" dirty="0">
-                <a:latin typeface="Times New Roman" panose="02020603050405020304" pitchFamily="18" charset="0"/>
-                <a:cs typeface="Times New Roman" panose="02020603050405020304" pitchFamily="18" charset="0"/>
-              </a:rPr>
-              <a:t>разработан метод решения поставленной задачи;</a:t>
-            </a:r>
-          </a:p>
-          <a:p>
-            <a:r>
-              <a:rPr lang="ru-RU" sz="2400" dirty="0">
-                <a:latin typeface="Times New Roman" panose="02020603050405020304" pitchFamily="18" charset="0"/>
-                <a:cs typeface="Times New Roman" panose="02020603050405020304" pitchFamily="18" charset="0"/>
-              </a:rPr>
-              <a:t>спроектирована архитектура разрабатываемого программного обеспечения;</a:t>
-            </a:r>
-          </a:p>
-          <a:p>
-            <a:r>
-              <a:rPr lang="ru-RU" sz="2400" dirty="0">
-                <a:latin typeface="Times New Roman" panose="02020603050405020304" pitchFamily="18" charset="0"/>
-                <a:cs typeface="Times New Roman" panose="02020603050405020304" pitchFamily="18" charset="0"/>
-              </a:rPr>
-              <a:t>реализован разработанный метод;</a:t>
-            </a:r>
-          </a:p>
-          <a:p>
-            <a:r>
-              <a:rPr lang="ru-RU" sz="2400" dirty="0">
-                <a:latin typeface="Times New Roman" panose="02020603050405020304" pitchFamily="18" charset="0"/>
-                <a:cs typeface="Times New Roman" panose="02020603050405020304" pitchFamily="18" charset="0"/>
-              </a:rPr>
-              <a:t>проведено сравнение результатов работы реализованного метода с результатами, полученными с помощью аналога.</a:t>
-            </a:r>
-          </a:p>
-        </p:txBody>
-      </p:sp>
-      <p:sp>
-        <p:nvSpPr>
-          <p:cNvPr id="4" name="Google Shape;97;p15">
-            <a:extLst>
-              <a:ext uri="{FF2B5EF4-FFF2-40B4-BE49-F238E27FC236}">
-                <a16:creationId xmlns:a16="http://schemas.microsoft.com/office/drawing/2014/main" id="{ACEF15C7-3EC7-AB02-59A1-43033FBBB243}"/>
+              <a:t> (%):</a:t>
+            </a:r>
+          </a:p>
+        </p:txBody>
+      </p:sp>
+      <p:sp>
+        <p:nvSpPr>
+          <p:cNvPr id="3" name="Google Shape;97;p15">
+            <a:extLst>
+              <a:ext uri="{FF2B5EF4-FFF2-40B4-BE49-F238E27FC236}">
+                <a16:creationId xmlns:a16="http://schemas.microsoft.com/office/drawing/2014/main" id="{C4049BCB-03B0-CAB6-31BE-CBEC441120CB}"/>
               </a:ext>
             </a:extLst>
           </p:cNvPr>
@@ -5024,7 +5771,7 @@
     </p:spTree>
     <p:extLst>
       <p:ext uri="{BB962C8B-B14F-4D97-AF65-F5344CB8AC3E}">
-        <p14:creationId xmlns:p14="http://schemas.microsoft.com/office/powerpoint/2010/main" val="1907708384"/>
+        <p14:creationId xmlns:p14="http://schemas.microsoft.com/office/powerpoint/2010/main" val="1332859654"/>
       </p:ext>
     </p:extLst>
   </p:cSld>
@@ -5051,25 +5798,97 @@
           <a:chExt cx="0" cy="0"/>
         </a:xfrm>
       </p:grpSpPr>
-      <p:sp>
-        <p:nvSpPr>
-          <p:cNvPr id="2" name="Заголовок 1">
-            <a:extLst>
-              <a:ext uri="{FF2B5EF4-FFF2-40B4-BE49-F238E27FC236}">
-                <a16:creationId xmlns:a16="http://schemas.microsoft.com/office/drawing/2014/main" id="{841CDB4A-7D62-7F99-BEC0-634320561A7F}"/>
-              </a:ext>
-            </a:extLst>
-          </p:cNvPr>
-          <p:cNvSpPr>
-            <a:spLocks noGrp="1"/>
-          </p:cNvSpPr>
-          <p:nvPr>
-            <p:ph type="title"/>
-          </p:nvPr>
-        </p:nvSpPr>
+      <p:pic>
+        <p:nvPicPr>
+          <p:cNvPr id="9" name="Рисунок 8">
+            <a:extLst>
+              <a:ext uri="{FF2B5EF4-FFF2-40B4-BE49-F238E27FC236}">
+                <a16:creationId xmlns:a16="http://schemas.microsoft.com/office/drawing/2014/main" id="{E2C25564-7425-C56E-C53B-45D81C9DF576}"/>
+              </a:ext>
+            </a:extLst>
+          </p:cNvPr>
+          <p:cNvPicPr>
+            <a:picLocks noChangeAspect="1"/>
+          </p:cNvPicPr>
+          <p:nvPr/>
+        </p:nvPicPr>
+        <p:blipFill>
+          <a:blip r:embed="rId2">
+            <a:extLst>
+              <a:ext uri="{28A0092B-C50C-407E-A947-70E740481C1C}">
+                <a14:useLocalDpi xmlns:a14="http://schemas.microsoft.com/office/drawing/2010/main" val="0"/>
+              </a:ext>
+            </a:extLst>
+          </a:blip>
+          <a:stretch>
+            <a:fillRect/>
+          </a:stretch>
+        </p:blipFill>
         <p:spPr>
           <a:xfrm>
-            <a:off x="838200" y="309562"/>
+            <a:off x="6023592" y="1511607"/>
+            <a:ext cx="5852172" cy="4389129"/>
+          </a:xfrm>
+          <a:prstGeom prst="rect">
+            <a:avLst/>
+          </a:prstGeom>
+        </p:spPr>
+      </p:pic>
+      <p:pic>
+        <p:nvPicPr>
+          <p:cNvPr id="6" name="Рисунок 5">
+            <a:extLst>
+              <a:ext uri="{FF2B5EF4-FFF2-40B4-BE49-F238E27FC236}">
+                <a16:creationId xmlns:a16="http://schemas.microsoft.com/office/drawing/2014/main" id="{55A98850-C170-C8B8-7830-F3867C6A9E3D}"/>
+              </a:ext>
+            </a:extLst>
+          </p:cNvPr>
+          <p:cNvPicPr>
+            <a:picLocks noChangeAspect="1"/>
+          </p:cNvPicPr>
+          <p:nvPr/>
+        </p:nvPicPr>
+        <p:blipFill>
+          <a:blip r:embed="rId3">
+            <a:extLst>
+              <a:ext uri="{28A0092B-C50C-407E-A947-70E740481C1C}">
+                <a14:useLocalDpi xmlns:a14="http://schemas.microsoft.com/office/drawing/2010/main" val="0"/>
+              </a:ext>
+            </a:extLst>
+          </a:blip>
+          <a:stretch>
+            <a:fillRect/>
+          </a:stretch>
+        </p:blipFill>
+        <p:spPr>
+          <a:xfrm>
+            <a:off x="310503" y="1511608"/>
+            <a:ext cx="5852172" cy="4389129"/>
+          </a:xfrm>
+          <a:prstGeom prst="rect">
+            <a:avLst/>
+          </a:prstGeom>
+        </p:spPr>
+      </p:pic>
+      <p:sp>
+        <p:nvSpPr>
+          <p:cNvPr id="2" name="Заголовок 1">
+            <a:extLst>
+              <a:ext uri="{FF2B5EF4-FFF2-40B4-BE49-F238E27FC236}">
+                <a16:creationId xmlns:a16="http://schemas.microsoft.com/office/drawing/2014/main" id="{CF5FD8D3-B2FE-15B1-0C7E-2E1C09A778CB}"/>
+              </a:ext>
+            </a:extLst>
+          </p:cNvPr>
+          <p:cNvSpPr>
+            <a:spLocks noGrp="1"/>
+          </p:cNvSpPr>
+          <p:nvPr>
+            <p:ph type="title"/>
+          </p:nvPr>
+        </p:nvSpPr>
+        <p:spPr>
+          <a:xfrm>
+            <a:off x="838200" y="119062"/>
             <a:ext cx="10515600" cy="1009651"/>
           </a:xfrm>
         </p:spPr>
@@ -5082,91 +5901,17 @@
                 <a:latin typeface="Times New Roman" panose="02020603050405020304" pitchFamily="18" charset="0"/>
                 <a:cs typeface="Times New Roman" panose="02020603050405020304" pitchFamily="18" charset="0"/>
               </a:rPr>
-              <a:t>Дальнейшее развитие</a:t>
-            </a:r>
-          </a:p>
-        </p:txBody>
-      </p:sp>
-      <p:sp>
-        <p:nvSpPr>
-          <p:cNvPr id="3" name="Объект 2">
-            <a:extLst>
-              <a:ext uri="{FF2B5EF4-FFF2-40B4-BE49-F238E27FC236}">
-                <a16:creationId xmlns:a16="http://schemas.microsoft.com/office/drawing/2014/main" id="{39E4CC1C-530D-1B60-3B2B-62C7E4433F17}"/>
-              </a:ext>
-            </a:extLst>
-          </p:cNvPr>
-          <p:cNvSpPr>
-            <a:spLocks noGrp="1"/>
-          </p:cNvSpPr>
-          <p:nvPr>
-            <p:ph idx="1"/>
-          </p:nvPr>
-        </p:nvSpPr>
-        <p:spPr>
-          <a:xfrm>
-            <a:off x="838200" y="1619250"/>
-            <a:ext cx="10515600" cy="4752975"/>
-          </a:xfrm>
-        </p:spPr>
-        <p:txBody>
-          <a:bodyPr>
-            <a:normAutofit/>
-          </a:bodyPr>
-          <a:lstStyle/>
-          <a:p>
-            <a:r>
-              <a:rPr lang="ru-RU" dirty="0">
-                <a:latin typeface="Times New Roman" panose="02020603050405020304" pitchFamily="18" charset="0"/>
-                <a:cs typeface="Times New Roman" panose="02020603050405020304" pitchFamily="18" charset="0"/>
-              </a:rPr>
-              <a:t>Улучшение оценки постоянного темпа</a:t>
-            </a:r>
-          </a:p>
-          <a:p>
-            <a:r>
-              <a:rPr lang="ru-RU" dirty="0">
-                <a:latin typeface="Times New Roman" panose="02020603050405020304" pitchFamily="18" charset="0"/>
-                <a:cs typeface="Times New Roman" panose="02020603050405020304" pitchFamily="18" charset="0"/>
-              </a:rPr>
-              <a:t>Увеличение точности определения темпа и ритма при работе с гитарной музыкой</a:t>
-            </a:r>
-          </a:p>
-          <a:p>
-            <a:r>
-              <a:rPr lang="ru-RU" dirty="0">
-                <a:latin typeface="Times New Roman" panose="02020603050405020304" pitchFamily="18" charset="0"/>
-                <a:cs typeface="Times New Roman" panose="02020603050405020304" pitchFamily="18" charset="0"/>
-              </a:rPr>
-              <a:t>Повышение точности результатов при работе с более сложными и нестандартными жанрами (фанк, джаз, классика)</a:t>
-            </a:r>
-          </a:p>
-          <a:p>
-            <a:r>
-              <a:rPr lang="ru-RU" dirty="0">
-                <a:latin typeface="Times New Roman" panose="02020603050405020304" pitchFamily="18" charset="0"/>
-                <a:cs typeface="Times New Roman" panose="02020603050405020304" pitchFamily="18" charset="0"/>
-              </a:rPr>
-              <a:t>Определение размеров с другими знаменателями</a:t>
-            </a:r>
-          </a:p>
-          <a:p>
-            <a:r>
-              <a:rPr lang="ru-RU" dirty="0">
-                <a:latin typeface="Times New Roman" panose="02020603050405020304" pitchFamily="18" charset="0"/>
-                <a:cs typeface="Times New Roman" panose="02020603050405020304" pitchFamily="18" charset="0"/>
-              </a:rPr>
-              <a:t>Добавление работы с иными форматами аудиофайлов</a:t>
-            </a:r>
-          </a:p>
-        </p:txBody>
-      </p:sp>
-      <p:sp>
-        <p:nvSpPr>
-          <p:cNvPr id="4" name="Google Shape;97;p15">
-            <a:extLst>
-              <a:ext uri="{FF2B5EF4-FFF2-40B4-BE49-F238E27FC236}">
-                <a16:creationId xmlns:a16="http://schemas.microsoft.com/office/drawing/2014/main" id="{FE9E3085-EE17-65D3-89B5-EDE40F887025}"/>
+              <a:t>Сравнение результатов работы с аналогом</a:t>
+            </a:r>
+          </a:p>
+        </p:txBody>
+      </p:sp>
+      <p:sp>
+        <p:nvSpPr>
+          <p:cNvPr id="3" name="Google Shape;97;p15">
+            <a:extLst>
+              <a:ext uri="{FF2B5EF4-FFF2-40B4-BE49-F238E27FC236}">
+                <a16:creationId xmlns:a16="http://schemas.microsoft.com/office/drawing/2014/main" id="{925B1FEA-24C6-61A1-5C7D-C8FBE77FC80E}"/>
               </a:ext>
             </a:extLst>
           </p:cNvPr>
@@ -5214,6 +5959,583 @@
                 <a:cs typeface="Times New Roman" panose="02020603050405020304" pitchFamily="18" charset="0"/>
               </a:rPr>
               <a:t>16</a:t>
+            </a:fld>
+            <a:endParaRPr sz="2000">
+              <a:solidFill>
+                <a:schemeClr val="tx1"/>
+              </a:solidFill>
+              <a:latin typeface="Times New Roman" panose="02020603050405020304" pitchFamily="18" charset="0"/>
+              <a:cs typeface="Times New Roman" panose="02020603050405020304" pitchFamily="18" charset="0"/>
+            </a:endParaRPr>
+          </a:p>
+        </p:txBody>
+      </p:sp>
+      <p:sp>
+        <p:nvSpPr>
+          <p:cNvPr id="13" name="TextBox 12">
+            <a:extLst>
+              <a:ext uri="{FF2B5EF4-FFF2-40B4-BE49-F238E27FC236}">
+                <a16:creationId xmlns:a16="http://schemas.microsoft.com/office/drawing/2014/main" id="{E25751FD-7915-348F-5C63-1B994FAA9346}"/>
+              </a:ext>
+            </a:extLst>
+          </p:cNvPr>
+          <p:cNvSpPr txBox="1"/>
+          <p:nvPr/>
+        </p:nvSpPr>
+        <p:spPr>
+          <a:xfrm>
+            <a:off x="899142" y="1109663"/>
+            <a:ext cx="4949208" cy="830997"/>
+          </a:xfrm>
+          <a:prstGeom prst="rect">
+            <a:avLst/>
+          </a:prstGeom>
+          <a:noFill/>
+        </p:spPr>
+        <p:txBody>
+          <a:bodyPr wrap="square" rtlCol="0">
+            <a:spAutoFit/>
+          </a:bodyPr>
+          <a:lstStyle/>
+          <a:p>
+            <a:r>
+              <a:rPr lang="ru-RU" sz="2400" dirty="0">
+                <a:latin typeface="Times New Roman" panose="02020603050405020304" pitchFamily="18" charset="0"/>
+                <a:cs typeface="Times New Roman" panose="02020603050405020304" pitchFamily="18" charset="0"/>
+              </a:rPr>
+              <a:t>Точность определения </a:t>
+            </a:r>
+            <a:r>
+              <a:rPr lang="ru-RU" sz="2400" b="1" dirty="0">
+                <a:latin typeface="Times New Roman" panose="02020603050405020304" pitchFamily="18" charset="0"/>
+                <a:cs typeface="Times New Roman" panose="02020603050405020304" pitchFamily="18" charset="0"/>
+              </a:rPr>
+              <a:t>переменного</a:t>
+            </a:r>
+            <a:r>
+              <a:rPr lang="ru-RU" sz="2400" dirty="0">
+                <a:latin typeface="Times New Roman" panose="02020603050405020304" pitchFamily="18" charset="0"/>
+                <a:cs typeface="Times New Roman" panose="02020603050405020304" pitchFamily="18" charset="0"/>
+              </a:rPr>
+              <a:t> темпа (%):</a:t>
+            </a:r>
+          </a:p>
+        </p:txBody>
+      </p:sp>
+      <p:sp>
+        <p:nvSpPr>
+          <p:cNvPr id="14" name="TextBox 13">
+            <a:extLst>
+              <a:ext uri="{FF2B5EF4-FFF2-40B4-BE49-F238E27FC236}">
+                <a16:creationId xmlns:a16="http://schemas.microsoft.com/office/drawing/2014/main" id="{09BD7D3A-24CA-3978-E443-21FFF7DE6F12}"/>
+              </a:ext>
+            </a:extLst>
+          </p:cNvPr>
+          <p:cNvSpPr txBox="1"/>
+          <p:nvPr/>
+        </p:nvSpPr>
+        <p:spPr>
+          <a:xfrm>
+            <a:off x="6583686" y="1109663"/>
+            <a:ext cx="4939683" cy="830997"/>
+          </a:xfrm>
+          <a:prstGeom prst="rect">
+            <a:avLst/>
+          </a:prstGeom>
+          <a:noFill/>
+        </p:spPr>
+        <p:txBody>
+          <a:bodyPr wrap="square" rtlCol="0">
+            <a:spAutoFit/>
+          </a:bodyPr>
+          <a:lstStyle/>
+          <a:p>
+            <a:r>
+              <a:rPr lang="ru-RU" sz="2400" dirty="0">
+                <a:latin typeface="Times New Roman" panose="02020603050405020304" pitchFamily="18" charset="0"/>
+                <a:cs typeface="Times New Roman" panose="02020603050405020304" pitchFamily="18" charset="0"/>
+              </a:rPr>
+              <a:t>Точность определения </a:t>
+            </a:r>
+            <a:r>
+              <a:rPr lang="ru-RU" sz="2400" b="1" dirty="0">
+                <a:latin typeface="Times New Roman" panose="02020603050405020304" pitchFamily="18" charset="0"/>
+                <a:cs typeface="Times New Roman" panose="02020603050405020304" pitchFamily="18" charset="0"/>
+              </a:rPr>
+              <a:t>постоянного</a:t>
+            </a:r>
+            <a:r>
+              <a:rPr lang="ru-RU" sz="2400" dirty="0">
+                <a:latin typeface="Times New Roman" panose="02020603050405020304" pitchFamily="18" charset="0"/>
+                <a:cs typeface="Times New Roman" panose="02020603050405020304" pitchFamily="18" charset="0"/>
+              </a:rPr>
+              <a:t> темпа (%):</a:t>
+            </a:r>
+          </a:p>
+        </p:txBody>
+      </p:sp>
+      <p:sp>
+        <p:nvSpPr>
+          <p:cNvPr id="4" name="TextBox 3">
+            <a:extLst>
+              <a:ext uri="{FF2B5EF4-FFF2-40B4-BE49-F238E27FC236}">
+                <a16:creationId xmlns:a16="http://schemas.microsoft.com/office/drawing/2014/main" id="{F10E43CB-1CAE-D100-C6DA-C0E458B561B3}"/>
+              </a:ext>
+            </a:extLst>
+          </p:cNvPr>
+          <p:cNvSpPr txBox="1"/>
+          <p:nvPr/>
+        </p:nvSpPr>
+        <p:spPr>
+          <a:xfrm>
+            <a:off x="899142" y="5828139"/>
+            <a:ext cx="10454658" cy="830997"/>
+          </a:xfrm>
+          <a:prstGeom prst="rect">
+            <a:avLst/>
+          </a:prstGeom>
+          <a:noFill/>
+        </p:spPr>
+        <p:txBody>
+          <a:bodyPr wrap="square" rtlCol="0">
+            <a:spAutoFit/>
+          </a:bodyPr>
+          <a:lstStyle/>
+          <a:p>
+            <a:r>
+              <a:rPr lang="ru-RU" sz="2400" dirty="0">
+                <a:latin typeface="Times New Roman" panose="02020603050405020304" pitchFamily="18" charset="0"/>
+                <a:cs typeface="Times New Roman" panose="02020603050405020304" pitchFamily="18" charset="0"/>
+              </a:rPr>
+              <a:t>Предложенный метод определяет переменный темп с более высокой точностью, чем аналог.</a:t>
+            </a:r>
+          </a:p>
+        </p:txBody>
+      </p:sp>
+    </p:spTree>
+    <p:extLst>
+      <p:ext uri="{BB962C8B-B14F-4D97-AF65-F5344CB8AC3E}">
+        <p14:creationId xmlns:p14="http://schemas.microsoft.com/office/powerpoint/2010/main" val="2010487062"/>
+      </p:ext>
+    </p:extLst>
+  </p:cSld>
+  <p:clrMapOvr>
+    <a:masterClrMapping/>
+  </p:clrMapOvr>
+</p:sld>
+</file>
+
+<file path=ppt/slides/slide17.xml><?xml version="1.0" encoding="utf-8"?>
+<p:sld xmlns:a="http://schemas.openxmlformats.org/drawingml/2006/main" xmlns:r="http://schemas.openxmlformats.org/officeDocument/2006/relationships" xmlns:p="http://schemas.openxmlformats.org/presentationml/2006/main">
+  <p:cSld>
+    <p:spTree>
+      <p:nvGrpSpPr>
+        <p:cNvPr id="1" name=""/>
+        <p:cNvGrpSpPr/>
+        <p:nvPr/>
+      </p:nvGrpSpPr>
+      <p:grpSpPr>
+        <a:xfrm>
+          <a:off x="0" y="0"/>
+          <a:ext cx="0" cy="0"/>
+          <a:chOff x="0" y="0"/>
+          <a:chExt cx="0" cy="0"/>
+        </a:xfrm>
+      </p:grpSpPr>
+      <p:sp>
+        <p:nvSpPr>
+          <p:cNvPr id="2" name="Заголовок 1">
+            <a:extLst>
+              <a:ext uri="{FF2B5EF4-FFF2-40B4-BE49-F238E27FC236}">
+                <a16:creationId xmlns:a16="http://schemas.microsoft.com/office/drawing/2014/main" id="{ABE8C65B-5977-4977-A6AA-FC0009743344}"/>
+              </a:ext>
+            </a:extLst>
+          </p:cNvPr>
+          <p:cNvSpPr>
+            <a:spLocks noGrp="1"/>
+          </p:cNvSpPr>
+          <p:nvPr>
+            <p:ph type="title"/>
+          </p:nvPr>
+        </p:nvSpPr>
+        <p:spPr>
+          <a:xfrm>
+            <a:off x="838200" y="200025"/>
+            <a:ext cx="10515600" cy="957263"/>
+          </a:xfrm>
+        </p:spPr>
+        <p:txBody>
+          <a:bodyPr/>
+          <a:lstStyle/>
+          <a:p>
+            <a:r>
+              <a:rPr lang="ru-RU" dirty="0">
+                <a:latin typeface="Times New Roman" panose="02020603050405020304" pitchFamily="18" charset="0"/>
+                <a:cs typeface="Times New Roman" panose="02020603050405020304" pitchFamily="18" charset="0"/>
+              </a:rPr>
+              <a:t>Заключение</a:t>
+            </a:r>
+          </a:p>
+        </p:txBody>
+      </p:sp>
+      <p:sp>
+        <p:nvSpPr>
+          <p:cNvPr id="3" name="Объект 2">
+            <a:extLst>
+              <a:ext uri="{FF2B5EF4-FFF2-40B4-BE49-F238E27FC236}">
+                <a16:creationId xmlns:a16="http://schemas.microsoft.com/office/drawing/2014/main" id="{46752D17-4773-5B51-AFD3-A71B074BBDD8}"/>
+              </a:ext>
+            </a:extLst>
+          </p:cNvPr>
+          <p:cNvSpPr>
+            <a:spLocks noGrp="1"/>
+          </p:cNvSpPr>
+          <p:nvPr>
+            <p:ph idx="1"/>
+          </p:nvPr>
+        </p:nvSpPr>
+        <p:spPr>
+          <a:xfrm>
+            <a:off x="838200" y="1257300"/>
+            <a:ext cx="10515600" cy="5284788"/>
+          </a:xfrm>
+        </p:spPr>
+        <p:txBody>
+          <a:bodyPr>
+            <a:normAutofit/>
+          </a:bodyPr>
+          <a:lstStyle/>
+          <a:p>
+            <a:pPr marL="0" indent="0">
+              <a:buNone/>
+            </a:pPr>
+            <a:r>
+              <a:rPr lang="ru-RU" sz="2400" dirty="0">
+                <a:latin typeface="Times New Roman" panose="02020603050405020304" pitchFamily="18" charset="0"/>
+                <a:cs typeface="Times New Roman" panose="02020603050405020304" pitchFamily="18" charset="0"/>
+              </a:rPr>
+              <a:t>Цель достигнута: был разработан метод автоматического определения переменных темпа и ритма музыки на основе байесовского иерархического моделирования.</a:t>
+            </a:r>
+          </a:p>
+          <a:p>
+            <a:pPr marL="0" indent="0">
+              <a:buNone/>
+            </a:pPr>
+            <a:r>
+              <a:rPr lang="ru-RU" sz="2400" dirty="0">
+                <a:latin typeface="Times New Roman" panose="02020603050405020304" pitchFamily="18" charset="0"/>
+                <a:cs typeface="Times New Roman" panose="02020603050405020304" pitchFamily="18" charset="0"/>
+              </a:rPr>
+              <a:t>Были решены все задачи:</a:t>
+            </a:r>
+          </a:p>
+          <a:p>
+            <a:r>
+              <a:rPr lang="ru-RU" sz="2400" dirty="0">
+                <a:latin typeface="Times New Roman" panose="02020603050405020304" pitchFamily="18" charset="0"/>
+                <a:cs typeface="Times New Roman" panose="02020603050405020304" pitchFamily="18" charset="0"/>
+              </a:rPr>
+              <a:t>проанализирована предметная область, методы определения темпа и ритма и сформулирована задача;</a:t>
+            </a:r>
+          </a:p>
+          <a:p>
+            <a:r>
+              <a:rPr lang="ru-RU" sz="2400" dirty="0">
+                <a:latin typeface="Times New Roman" panose="02020603050405020304" pitchFamily="18" charset="0"/>
+                <a:cs typeface="Times New Roman" panose="02020603050405020304" pitchFamily="18" charset="0"/>
+              </a:rPr>
+              <a:t>разработан метод решения поставленной задачи;</a:t>
+            </a:r>
+          </a:p>
+          <a:p>
+            <a:r>
+              <a:rPr lang="ru-RU" sz="2400" dirty="0">
+                <a:latin typeface="Times New Roman" panose="02020603050405020304" pitchFamily="18" charset="0"/>
+                <a:cs typeface="Times New Roman" panose="02020603050405020304" pitchFamily="18" charset="0"/>
+              </a:rPr>
+              <a:t>спроектировано и реализовано программное обеспечение;</a:t>
+            </a:r>
+          </a:p>
+          <a:p>
+            <a:r>
+              <a:rPr lang="ru-RU" sz="2400" dirty="0">
+                <a:latin typeface="Times New Roman" panose="02020603050405020304" pitchFamily="18" charset="0"/>
+                <a:cs typeface="Times New Roman" panose="02020603050405020304" pitchFamily="18" charset="0"/>
+              </a:rPr>
+              <a:t>проведено сравнение результатов работы реализованного метода с результатами, полученными с помощью аналога.</a:t>
+            </a:r>
+          </a:p>
+          <a:p>
+            <a:pPr marL="0" indent="0">
+              <a:buNone/>
+            </a:pPr>
+            <a:r>
+              <a:rPr lang="ru-RU" sz="2400" dirty="0">
+                <a:latin typeface="Times New Roman" panose="02020603050405020304" pitchFamily="18" charset="0"/>
+                <a:cs typeface="Times New Roman" panose="02020603050405020304" pitchFamily="18" charset="0"/>
+              </a:rPr>
+              <a:t>Разработанный метод рекомендуется к применению для определения переменных темпа и ритма музыки.</a:t>
+            </a:r>
+          </a:p>
+        </p:txBody>
+      </p:sp>
+      <p:sp>
+        <p:nvSpPr>
+          <p:cNvPr id="4" name="Google Shape;97;p15">
+            <a:extLst>
+              <a:ext uri="{FF2B5EF4-FFF2-40B4-BE49-F238E27FC236}">
+                <a16:creationId xmlns:a16="http://schemas.microsoft.com/office/drawing/2014/main" id="{ACEF15C7-3EC7-AB02-59A1-43033FBBB243}"/>
+              </a:ext>
+            </a:extLst>
+          </p:cNvPr>
+          <p:cNvSpPr txBox="1">
+            <a:spLocks noGrp="1"/>
+          </p:cNvSpPr>
+          <p:nvPr>
+            <p:ph type="sldNum" sz="quarter" idx="12"/>
+          </p:nvPr>
+        </p:nvSpPr>
+        <p:spPr>
+          <a:xfrm>
+            <a:off x="9105900" y="6176963"/>
+            <a:ext cx="2743200" cy="365125"/>
+          </a:xfrm>
+          <a:prstGeom prst="rect">
+            <a:avLst/>
+          </a:prstGeom>
+          <a:noFill/>
+          <a:ln>
+            <a:noFill/>
+          </a:ln>
+        </p:spPr>
+        <p:txBody>
+          <a:bodyPr spcFirstLastPara="1" wrap="square" lIns="91425" tIns="45700" rIns="91425" bIns="45700" anchor="ctr" anchorCtr="0">
+            <a:noAutofit/>
+          </a:bodyPr>
+          <a:lstStyle/>
+          <a:p>
+            <a:pPr marL="0" lvl="0" indent="0" algn="r" rtl="0">
+              <a:spcBef>
+                <a:spcPts val="0"/>
+              </a:spcBef>
+              <a:spcAft>
+                <a:spcPts val="0"/>
+              </a:spcAft>
+              <a:buNone/>
+            </a:pPr>
+            <a:fld id="{00000000-1234-1234-1234-123412341234}" type="slidenum">
+              <a:rPr lang="ru-RU" sz="2000">
+                <a:solidFill>
+                  <a:schemeClr val="tx1"/>
+                </a:solidFill>
+                <a:latin typeface="Times New Roman" panose="02020603050405020304" pitchFamily="18" charset="0"/>
+                <a:cs typeface="Times New Roman" panose="02020603050405020304" pitchFamily="18" charset="0"/>
+              </a:rPr>
+              <a:t>17</a:t>
+            </a:fld>
+            <a:endParaRPr sz="2000">
+              <a:solidFill>
+                <a:schemeClr val="tx1"/>
+              </a:solidFill>
+              <a:latin typeface="Times New Roman" panose="02020603050405020304" pitchFamily="18" charset="0"/>
+              <a:cs typeface="Times New Roman" panose="02020603050405020304" pitchFamily="18" charset="0"/>
+            </a:endParaRPr>
+          </a:p>
+        </p:txBody>
+      </p:sp>
+    </p:spTree>
+    <p:extLst>
+      <p:ext uri="{BB962C8B-B14F-4D97-AF65-F5344CB8AC3E}">
+        <p14:creationId xmlns:p14="http://schemas.microsoft.com/office/powerpoint/2010/main" val="1907708384"/>
+      </p:ext>
+    </p:extLst>
+  </p:cSld>
+  <p:clrMapOvr>
+    <a:masterClrMapping/>
+  </p:clrMapOvr>
+</p:sld>
+</file>
+
+<file path=ppt/slides/slide18.xml><?xml version="1.0" encoding="utf-8"?>
+<p:sld xmlns:a="http://schemas.openxmlformats.org/drawingml/2006/main" xmlns:r="http://schemas.openxmlformats.org/officeDocument/2006/relationships" xmlns:p="http://schemas.openxmlformats.org/presentationml/2006/main">
+  <p:cSld>
+    <p:spTree>
+      <p:nvGrpSpPr>
+        <p:cNvPr id="1" name=""/>
+        <p:cNvGrpSpPr/>
+        <p:nvPr/>
+      </p:nvGrpSpPr>
+      <p:grpSpPr>
+        <a:xfrm>
+          <a:off x="0" y="0"/>
+          <a:ext cx="0" cy="0"/>
+          <a:chOff x="0" y="0"/>
+          <a:chExt cx="0" cy="0"/>
+        </a:xfrm>
+      </p:grpSpPr>
+      <p:sp>
+        <p:nvSpPr>
+          <p:cNvPr id="2" name="Заголовок 1">
+            <a:extLst>
+              <a:ext uri="{FF2B5EF4-FFF2-40B4-BE49-F238E27FC236}">
+                <a16:creationId xmlns:a16="http://schemas.microsoft.com/office/drawing/2014/main" id="{841CDB4A-7D62-7F99-BEC0-634320561A7F}"/>
+              </a:ext>
+            </a:extLst>
+          </p:cNvPr>
+          <p:cNvSpPr>
+            <a:spLocks noGrp="1"/>
+          </p:cNvSpPr>
+          <p:nvPr>
+            <p:ph type="title"/>
+          </p:nvPr>
+        </p:nvSpPr>
+        <p:spPr>
+          <a:xfrm>
+            <a:off x="838200" y="309562"/>
+            <a:ext cx="10515600" cy="1009651"/>
+          </a:xfrm>
+        </p:spPr>
+        <p:txBody>
+          <a:bodyPr/>
+          <a:lstStyle/>
+          <a:p>
+            <a:r>
+              <a:rPr lang="ru-RU" dirty="0">
+                <a:latin typeface="Times New Roman" panose="02020603050405020304" pitchFamily="18" charset="0"/>
+                <a:cs typeface="Times New Roman" panose="02020603050405020304" pitchFamily="18" charset="0"/>
+              </a:rPr>
+              <a:t>Дальнейшее развитие</a:t>
+            </a:r>
+          </a:p>
+        </p:txBody>
+      </p:sp>
+      <p:sp>
+        <p:nvSpPr>
+          <p:cNvPr id="3" name="Объект 2">
+            <a:extLst>
+              <a:ext uri="{FF2B5EF4-FFF2-40B4-BE49-F238E27FC236}">
+                <a16:creationId xmlns:a16="http://schemas.microsoft.com/office/drawing/2014/main" id="{39E4CC1C-530D-1B60-3B2B-62C7E4433F17}"/>
+              </a:ext>
+            </a:extLst>
+          </p:cNvPr>
+          <p:cNvSpPr>
+            <a:spLocks noGrp="1"/>
+          </p:cNvSpPr>
+          <p:nvPr>
+            <p:ph idx="1"/>
+          </p:nvPr>
+        </p:nvSpPr>
+        <p:spPr>
+          <a:xfrm>
+            <a:off x="838200" y="1619250"/>
+            <a:ext cx="10515600" cy="4752975"/>
+          </a:xfrm>
+        </p:spPr>
+        <p:txBody>
+          <a:bodyPr>
+            <a:normAutofit/>
+          </a:bodyPr>
+          <a:lstStyle/>
+          <a:p>
+            <a:r>
+              <a:rPr lang="ru-RU" dirty="0">
+                <a:latin typeface="Times New Roman" panose="02020603050405020304" pitchFamily="18" charset="0"/>
+                <a:cs typeface="Times New Roman" panose="02020603050405020304" pitchFamily="18" charset="0"/>
+              </a:rPr>
+              <a:t>Улучшение оценки постоянного темпа</a:t>
+            </a:r>
+          </a:p>
+          <a:p>
+            <a:r>
+              <a:rPr lang="ru-RU" dirty="0">
+                <a:latin typeface="Times New Roman" panose="02020603050405020304" pitchFamily="18" charset="0"/>
+                <a:cs typeface="Times New Roman" panose="02020603050405020304" pitchFamily="18" charset="0"/>
+              </a:rPr>
+              <a:t>Увеличение точности определения темпа и ритма при работе с гитарной музыкой</a:t>
+            </a:r>
+          </a:p>
+          <a:p>
+            <a:r>
+              <a:rPr lang="ru-RU" dirty="0">
+                <a:latin typeface="Times New Roman" panose="02020603050405020304" pitchFamily="18" charset="0"/>
+                <a:cs typeface="Times New Roman" panose="02020603050405020304" pitchFamily="18" charset="0"/>
+              </a:rPr>
+              <a:t>Повышение точности результатов при работе с более сложными и нестандартными жанрами (фанк, джаз, классика)</a:t>
+            </a:r>
+          </a:p>
+          <a:p>
+            <a:r>
+              <a:rPr lang="ru-RU" dirty="0">
+                <a:latin typeface="Times New Roman" panose="02020603050405020304" pitchFamily="18" charset="0"/>
+                <a:cs typeface="Times New Roman" panose="02020603050405020304" pitchFamily="18" charset="0"/>
+              </a:rPr>
+              <a:t>Определение размеров с другими знаменателями</a:t>
+            </a:r>
+          </a:p>
+          <a:p>
+            <a:r>
+              <a:rPr lang="ru-RU" dirty="0">
+                <a:latin typeface="Times New Roman" panose="02020603050405020304" pitchFamily="18" charset="0"/>
+                <a:cs typeface="Times New Roman" panose="02020603050405020304" pitchFamily="18" charset="0"/>
+              </a:rPr>
+              <a:t>Добавление работы с иными форматами аудиофайлов</a:t>
+            </a:r>
+          </a:p>
+        </p:txBody>
+      </p:sp>
+      <p:sp>
+        <p:nvSpPr>
+          <p:cNvPr id="4" name="Google Shape;97;p15">
+            <a:extLst>
+              <a:ext uri="{FF2B5EF4-FFF2-40B4-BE49-F238E27FC236}">
+                <a16:creationId xmlns:a16="http://schemas.microsoft.com/office/drawing/2014/main" id="{FE9E3085-EE17-65D3-89B5-EDE40F887025}"/>
+              </a:ext>
+            </a:extLst>
+          </p:cNvPr>
+          <p:cNvSpPr txBox="1">
+            <a:spLocks noGrp="1"/>
+          </p:cNvSpPr>
+          <p:nvPr>
+            <p:ph type="sldNum" sz="quarter" idx="12"/>
+          </p:nvPr>
+        </p:nvSpPr>
+        <p:spPr>
+          <a:xfrm>
+            <a:off x="9105900" y="6176963"/>
+            <a:ext cx="2743200" cy="365125"/>
+          </a:xfrm>
+          <a:prstGeom prst="rect">
+            <a:avLst/>
+          </a:prstGeom>
+          <a:noFill/>
+          <a:ln>
+            <a:noFill/>
+          </a:ln>
+        </p:spPr>
+        <p:txBody>
+          <a:bodyPr spcFirstLastPara="1" wrap="square" lIns="91425" tIns="45700" rIns="91425" bIns="45700" anchor="ctr" anchorCtr="0">
+            <a:noAutofit/>
+          </a:bodyPr>
+          <a:lstStyle/>
+          <a:p>
+            <a:pPr marL="0" lvl="0" indent="0" algn="r" rtl="0">
+              <a:spcBef>
+                <a:spcPts val="0"/>
+              </a:spcBef>
+              <a:spcAft>
+                <a:spcPts val="0"/>
+              </a:spcAft>
+              <a:buNone/>
+            </a:pPr>
+            <a:fld id="{00000000-1234-1234-1234-123412341234}" type="slidenum">
+              <a:rPr lang="ru-RU" sz="2000">
+                <a:solidFill>
+                  <a:schemeClr val="tx1"/>
+                </a:solidFill>
+                <a:latin typeface="Times New Roman" panose="02020603050405020304" pitchFamily="18" charset="0"/>
+                <a:cs typeface="Times New Roman" panose="02020603050405020304" pitchFamily="18" charset="0"/>
+              </a:rPr>
+              <a:t>18</a:t>
             </a:fld>
             <a:endParaRPr sz="2000">
               <a:solidFill>
@@ -5328,16 +6650,21 @@
                 <a:latin typeface="Times New Roman" panose="02020603050405020304" pitchFamily="18" charset="0"/>
                 <a:cs typeface="Times New Roman" panose="02020603050405020304" pitchFamily="18" charset="0"/>
               </a:rPr>
-              <a:t>провести анализ предметной области и сформулировать проблему;</a:t>
-            </a:r>
-          </a:p>
-          <a:p>
+              <a:t>проанализировать предметную область</a:t>
+            </a:r>
+            <a:r>
+              <a:rPr lang="en-US" sz="2400" dirty="0">
+                <a:latin typeface="Times New Roman" panose="02020603050405020304" pitchFamily="18" charset="0"/>
+                <a:cs typeface="Times New Roman" panose="02020603050405020304" pitchFamily="18" charset="0"/>
+              </a:rPr>
+              <a:t>,</a:t>
+            </a:r>
             <a:r>
               <a:rPr lang="ru-RU" sz="2400" dirty="0">
                 <a:latin typeface="Times New Roman" panose="02020603050405020304" pitchFamily="18" charset="0"/>
                 <a:cs typeface="Times New Roman" panose="02020603050405020304" pitchFamily="18" charset="0"/>
               </a:rPr>
-              <a:t>проанализировать и сравнить основные методы определения темпа и ритма;</a:t>
+              <a:t> основные методы определения темпа и ритма, сформулировать задачу; </a:t>
             </a:r>
           </a:p>
           <a:p>
@@ -5355,7 +6682,7 @@
                 <a:latin typeface="Times New Roman" panose="02020603050405020304" pitchFamily="18" charset="0"/>
                 <a:cs typeface="Times New Roman" panose="02020603050405020304" pitchFamily="18" charset="0"/>
               </a:rPr>
-              <a:t>спроектировать архитектуру разрабатываемого программного обеспечения;</a:t>
+              <a:t>спроектировать и реализовать программное обеспечение;</a:t>
             </a:r>
           </a:p>
           <a:p>
@@ -5364,16 +6691,7 @@
                 <a:latin typeface="Times New Roman" panose="02020603050405020304" pitchFamily="18" charset="0"/>
                 <a:cs typeface="Times New Roman" panose="02020603050405020304" pitchFamily="18" charset="0"/>
               </a:rPr>
-              <a:t>реализовать разработанный метод;</a:t>
-            </a:r>
-          </a:p>
-          <a:p>
-            <a:r>
-              <a:rPr lang="ru-RU" sz="2400" dirty="0">
-                <a:latin typeface="Times New Roman" panose="02020603050405020304" pitchFamily="18" charset="0"/>
-                <a:cs typeface="Times New Roman" panose="02020603050405020304" pitchFamily="18" charset="0"/>
-              </a:rPr>
-              <a:t>протестировать и сравнить результаты работы реализованного метода с результатами, полученными с помощью известных аналогов.</a:t>
+              <a:t>сравнить результаты работы реализованного метода с результатами, полученными с помощью известных аналогов.</a:t>
             </a:r>
           </a:p>
         </p:txBody>
@@ -5477,7 +6795,7 @@
           <p:cNvPr id="2" name="Заголовок 1">
             <a:extLst>
               <a:ext uri="{FF2B5EF4-FFF2-40B4-BE49-F238E27FC236}">
-                <a16:creationId xmlns:a16="http://schemas.microsoft.com/office/drawing/2014/main" id="{B3FA4ABA-2695-4263-6521-427F11764A36}"/>
+                <a16:creationId xmlns:a16="http://schemas.microsoft.com/office/drawing/2014/main" id="{8972D91A-EE1E-C2C1-57D3-A190EAF32F2F}"/>
               </a:ext>
             </a:extLst>
           </p:cNvPr>
@@ -5490,8 +6808,8 @@
         </p:nvSpPr>
         <p:spPr>
           <a:xfrm>
-            <a:off x="838200" y="185737"/>
-            <a:ext cx="10515600" cy="1325563"/>
+            <a:off x="838200" y="258983"/>
+            <a:ext cx="10515600" cy="962026"/>
           </a:xfrm>
         </p:spPr>
         <p:txBody>
@@ -5501,11 +6819,11 @@
           <a:lstStyle/>
           <a:p>
             <a:r>
-              <a:rPr lang="ru-RU" sz="4800" dirty="0">
-                <a:latin typeface="Times New Roman" panose="02020603050405020304" pitchFamily="18" charset="0"/>
-                <a:cs typeface="Times New Roman" panose="02020603050405020304" pitchFamily="18" charset="0"/>
-              </a:rPr>
-              <a:t>Постановка задачи</a:t>
+              <a:rPr lang="ru-RU" dirty="0">
+                <a:latin typeface="Times New Roman" panose="02020603050405020304" pitchFamily="18" charset="0"/>
+                <a:cs typeface="Times New Roman" panose="02020603050405020304" pitchFamily="18" charset="0"/>
+              </a:rPr>
+              <a:t>Понятие ритмического рисунка</a:t>
             </a:r>
           </a:p>
         </p:txBody>
@@ -5515,7 +6833,7 @@
           <p:cNvPr id="3" name="Объект 2">
             <a:extLst>
               <a:ext uri="{FF2B5EF4-FFF2-40B4-BE49-F238E27FC236}">
-                <a16:creationId xmlns:a16="http://schemas.microsoft.com/office/drawing/2014/main" id="{1BB60CAD-3CD1-9752-AE09-5509935E9809}"/>
+                <a16:creationId xmlns:a16="http://schemas.microsoft.com/office/drawing/2014/main" id="{943AB37A-27F0-3847-F091-6CCF37377B57}"/>
               </a:ext>
             </a:extLst>
           </p:cNvPr>
@@ -5528,8 +6846,8 @@
         </p:nvSpPr>
         <p:spPr>
           <a:xfrm>
-            <a:off x="838200" y="1581150"/>
-            <a:ext cx="10515600" cy="4595813"/>
+            <a:off x="838200" y="1381126"/>
+            <a:ext cx="5400675" cy="5157788"/>
           </a:xfrm>
         </p:spPr>
         <p:txBody>
@@ -5542,53 +6860,84 @@
               <a:buNone/>
             </a:pPr>
             <a:r>
-              <a:rPr lang="ru-RU" dirty="0">
-                <a:latin typeface="Times New Roman" panose="02020603050405020304" pitchFamily="18" charset="0"/>
-                <a:cs typeface="Times New Roman" panose="02020603050405020304" pitchFamily="18" charset="0"/>
-              </a:rPr>
-              <a:t>Ограничения:</a:t>
-            </a:r>
-          </a:p>
-          <a:p>
-            <a:r>
-              <a:rPr lang="ru-RU" dirty="0">
-                <a:latin typeface="Times New Roman" panose="02020603050405020304" pitchFamily="18" charset="0"/>
-                <a:cs typeface="Times New Roman" panose="02020603050405020304" pitchFamily="18" charset="0"/>
-              </a:rPr>
-              <a:t>входной аудиофайл в формате </a:t>
-            </a:r>
-            <a:r>
-              <a:rPr lang="en-US" dirty="0">
-                <a:latin typeface="Times New Roman" panose="02020603050405020304" pitchFamily="18" charset="0"/>
-                <a:cs typeface="Times New Roman" panose="02020603050405020304" pitchFamily="18" charset="0"/>
-              </a:rPr>
-              <a:t>mp3</a:t>
-            </a:r>
-            <a:r>
-              <a:rPr lang="ru-RU" dirty="0">
-                <a:latin typeface="Times New Roman" panose="02020603050405020304" pitchFamily="18" charset="0"/>
-                <a:cs typeface="Times New Roman" panose="02020603050405020304" pitchFamily="18" charset="0"/>
-              </a:rPr>
-              <a:t>;</a:t>
-            </a:r>
-          </a:p>
-          <a:p>
-            <a:r>
-              <a:rPr lang="ru-RU" dirty="0">
-                <a:latin typeface="Times New Roman" panose="02020603050405020304" pitchFamily="18" charset="0"/>
-                <a:cs typeface="Times New Roman" panose="02020603050405020304" pitchFamily="18" charset="0"/>
-              </a:rPr>
-              <a:t>знаменатели размеров равны 4.</a:t>
+              <a:rPr lang="ru-RU" sz="2400" b="1" dirty="0">
+                <a:latin typeface="Times New Roman" panose="02020603050405020304" pitchFamily="18" charset="0"/>
+                <a:cs typeface="Times New Roman" panose="02020603050405020304" pitchFamily="18" charset="0"/>
+              </a:rPr>
+              <a:t>Темп</a:t>
+            </a:r>
+            <a:r>
+              <a:rPr lang="ru-RU" sz="2400" dirty="0">
+                <a:latin typeface="Times New Roman" panose="02020603050405020304" pitchFamily="18" charset="0"/>
+                <a:cs typeface="Times New Roman" panose="02020603050405020304" pitchFamily="18" charset="0"/>
+              </a:rPr>
+              <a:t> – мера времени в музыке, упрощенно – «скорость исполнения музыки»</a:t>
+            </a:r>
+            <a:r>
+              <a:rPr lang="en-US" sz="2400" dirty="0">
+                <a:latin typeface="Times New Roman" panose="02020603050405020304" pitchFamily="18" charset="0"/>
+                <a:cs typeface="Times New Roman" panose="02020603050405020304" pitchFamily="18" charset="0"/>
+              </a:rPr>
+              <a:t>.</a:t>
+            </a:r>
+          </a:p>
+          <a:p>
+            <a:pPr marL="0" indent="0">
+              <a:buNone/>
+            </a:pPr>
+            <a:r>
+              <a:rPr lang="ru-RU" sz="2400" b="1" dirty="0">
+                <a:latin typeface="Times New Roman" panose="02020603050405020304" pitchFamily="18" charset="0"/>
+                <a:cs typeface="Times New Roman" panose="02020603050405020304" pitchFamily="18" charset="0"/>
+              </a:rPr>
+              <a:t>Ритм</a:t>
+            </a:r>
+            <a:r>
+              <a:rPr lang="ru-RU" sz="2400" dirty="0">
+                <a:latin typeface="Times New Roman" panose="02020603050405020304" pitchFamily="18" charset="0"/>
+                <a:cs typeface="Times New Roman" panose="02020603050405020304" pitchFamily="18" charset="0"/>
+              </a:rPr>
+              <a:t> – чередование сильных и слабых долей в определенном темпе (тактовый размер + тактовая черта).</a:t>
+            </a:r>
+          </a:p>
+          <a:p>
+            <a:pPr marL="0" indent="0">
+              <a:buNone/>
+            </a:pPr>
+            <a:r>
+              <a:rPr lang="ru-RU" sz="2400" dirty="0">
+                <a:latin typeface="Times New Roman" panose="02020603050405020304" pitchFamily="18" charset="0"/>
+                <a:cs typeface="Times New Roman" panose="02020603050405020304" pitchFamily="18" charset="0"/>
+              </a:rPr>
+              <a:t>Темп и ритм музыки могут быть переменными, т. е. изменяться в определенных тактах.</a:t>
+            </a:r>
+          </a:p>
+          <a:p>
+            <a:r>
+              <a:rPr lang="ru-RU" sz="2400" dirty="0">
+                <a:latin typeface="Times New Roman" panose="02020603050405020304" pitchFamily="18" charset="0"/>
+                <a:cs typeface="Times New Roman" panose="02020603050405020304" pitchFamily="18" charset="0"/>
+              </a:rPr>
+              <a:t>Задача определения постоянного темпа решена.</a:t>
+            </a:r>
+          </a:p>
+          <a:p>
+            <a:r>
+              <a:rPr lang="ru-RU" sz="2400" dirty="0">
+                <a:latin typeface="Times New Roman" panose="02020603050405020304" pitchFamily="18" charset="0"/>
+                <a:cs typeface="Times New Roman" panose="02020603050405020304" pitchFamily="18" charset="0"/>
+              </a:rPr>
+              <a:t>Задача определения переменного темпа и ритма остается открытой.</a:t>
             </a:r>
           </a:p>
         </p:txBody>
       </p:sp>
       <p:pic>
         <p:nvPicPr>
-          <p:cNvPr id="7" name="Рисунок 6">
-            <a:extLst>
-              <a:ext uri="{FF2B5EF4-FFF2-40B4-BE49-F238E27FC236}">
-                <a16:creationId xmlns:a16="http://schemas.microsoft.com/office/drawing/2014/main" id="{D963658A-BF6A-EBA9-242A-EEC6CD05DB09}"/>
+          <p:cNvPr id="5" name="Рисунок 4">
+            <a:extLst>
+              <a:ext uri="{FF2B5EF4-FFF2-40B4-BE49-F238E27FC236}">
+                <a16:creationId xmlns:a16="http://schemas.microsoft.com/office/drawing/2014/main" id="{B7EF8B80-56ED-38D2-B56C-01E60FFA80FF}"/>
               </a:ext>
             </a:extLst>
           </p:cNvPr>
@@ -5597,7 +6946,7 @@
           </p:cNvPicPr>
           <p:nvPr/>
         </p:nvPicPr>
-        <p:blipFill rotWithShape="1">
+        <p:blipFill>
           <a:blip r:embed="rId2">
             <a:extLst>
               <a:ext uri="{28A0092B-C50C-407E-A947-70E740481C1C}">
@@ -5605,13 +6954,14 @@
               </a:ext>
             </a:extLst>
           </a:blip>
-          <a:srcRect l="1188" t="29718" r="255" b="9985"/>
-          <a:stretch/>
+          <a:stretch>
+            <a:fillRect/>
+          </a:stretch>
         </p:blipFill>
         <p:spPr>
           <a:xfrm>
-            <a:off x="838200" y="3248025"/>
-            <a:ext cx="8411359" cy="3424238"/>
+            <a:off x="6496049" y="1600200"/>
+            <a:ext cx="5218569" cy="2556315"/>
           </a:xfrm>
           <a:prstGeom prst="rect">
             <a:avLst/>
@@ -5620,10 +6970,10 @@
       </p:pic>
       <p:sp>
         <p:nvSpPr>
-          <p:cNvPr id="5" name="Google Shape;97;p15">
-            <a:extLst>
-              <a:ext uri="{FF2B5EF4-FFF2-40B4-BE49-F238E27FC236}">
-                <a16:creationId xmlns:a16="http://schemas.microsoft.com/office/drawing/2014/main" id="{6AA57216-3223-455C-86EB-57A59E91FBEE}"/>
+          <p:cNvPr id="8" name="Google Shape;97;p15">
+            <a:extLst>
+              <a:ext uri="{FF2B5EF4-FFF2-40B4-BE49-F238E27FC236}">
+                <a16:creationId xmlns:a16="http://schemas.microsoft.com/office/drawing/2014/main" id="{1A4B1A3B-7718-02FA-B7C0-AACB054895CE}"/>
               </a:ext>
             </a:extLst>
           </p:cNvPr>
@@ -5682,10 +7032,46 @@
           </a:p>
         </p:txBody>
       </p:sp>
+      <p:pic>
+        <p:nvPicPr>
+          <p:cNvPr id="6" name="Рисунок 5">
+            <a:extLst>
+              <a:ext uri="{FF2B5EF4-FFF2-40B4-BE49-F238E27FC236}">
+                <a16:creationId xmlns:a16="http://schemas.microsoft.com/office/drawing/2014/main" id="{89AA4C2F-9EF0-0E06-AE00-8E04472A9E10}"/>
+              </a:ext>
+            </a:extLst>
+          </p:cNvPr>
+          <p:cNvPicPr>
+            <a:picLocks noChangeAspect="1"/>
+          </p:cNvPicPr>
+          <p:nvPr/>
+        </p:nvPicPr>
+        <p:blipFill>
+          <a:blip r:embed="rId3">
+            <a:extLst>
+              <a:ext uri="{28A0092B-C50C-407E-A947-70E740481C1C}">
+                <a14:useLocalDpi xmlns:a14="http://schemas.microsoft.com/office/drawing/2010/main" val="0"/>
+              </a:ext>
+            </a:extLst>
+          </a:blip>
+          <a:stretch>
+            <a:fillRect/>
+          </a:stretch>
+        </p:blipFill>
+        <p:spPr>
+          <a:xfrm>
+            <a:off x="5788533" y="4622119"/>
+            <a:ext cx="5926085" cy="1271362"/>
+          </a:xfrm>
+          <a:prstGeom prst="rect">
+            <a:avLst/>
+          </a:prstGeom>
+        </p:spPr>
+      </p:pic>
     </p:spTree>
     <p:extLst>
       <p:ext uri="{BB962C8B-B14F-4D97-AF65-F5344CB8AC3E}">
-        <p14:creationId xmlns:p14="http://schemas.microsoft.com/office/powerpoint/2010/main" val="1443647943"/>
+        <p14:creationId xmlns:p14="http://schemas.microsoft.com/office/powerpoint/2010/main" val="2684651700"/>
       </p:ext>
     </p:extLst>
   </p:cSld>
@@ -5717,6 +7103,283 @@
           <p:cNvPr id="2" name="Заголовок 1">
             <a:extLst>
               <a:ext uri="{FF2B5EF4-FFF2-40B4-BE49-F238E27FC236}">
+                <a16:creationId xmlns:a16="http://schemas.microsoft.com/office/drawing/2014/main" id="{B3FA4ABA-2695-4263-6521-427F11764A36}"/>
+              </a:ext>
+            </a:extLst>
+          </p:cNvPr>
+          <p:cNvSpPr>
+            <a:spLocks noGrp="1"/>
+          </p:cNvSpPr>
+          <p:nvPr>
+            <p:ph type="title"/>
+          </p:nvPr>
+        </p:nvSpPr>
+        <p:spPr>
+          <a:xfrm>
+            <a:off x="838200" y="138112"/>
+            <a:ext cx="10515600" cy="1325563"/>
+          </a:xfrm>
+        </p:spPr>
+        <p:txBody>
+          <a:bodyPr>
+            <a:normAutofit/>
+          </a:bodyPr>
+          <a:lstStyle/>
+          <a:p>
+            <a:r>
+              <a:rPr lang="ru-RU" sz="4800" dirty="0">
+                <a:latin typeface="Times New Roman" panose="02020603050405020304" pitchFamily="18" charset="0"/>
+                <a:cs typeface="Times New Roman" panose="02020603050405020304" pitchFamily="18" charset="0"/>
+              </a:rPr>
+              <a:t>Метод решения задачи</a:t>
+            </a:r>
+          </a:p>
+        </p:txBody>
+      </p:sp>
+      <p:sp>
+        <p:nvSpPr>
+          <p:cNvPr id="3" name="Объект 2">
+            <a:extLst>
+              <a:ext uri="{FF2B5EF4-FFF2-40B4-BE49-F238E27FC236}">
+                <a16:creationId xmlns:a16="http://schemas.microsoft.com/office/drawing/2014/main" id="{1BB60CAD-3CD1-9752-AE09-5509935E9809}"/>
+              </a:ext>
+            </a:extLst>
+          </p:cNvPr>
+          <p:cNvSpPr>
+            <a:spLocks noGrp="1"/>
+          </p:cNvSpPr>
+          <p:nvPr>
+            <p:ph idx="1"/>
+          </p:nvPr>
+        </p:nvSpPr>
+        <p:spPr>
+          <a:xfrm>
+            <a:off x="7486650" y="1533525"/>
+            <a:ext cx="4362450" cy="4643438"/>
+          </a:xfrm>
+        </p:spPr>
+        <p:txBody>
+          <a:bodyPr>
+            <a:normAutofit/>
+          </a:bodyPr>
+          <a:lstStyle/>
+          <a:p>
+            <a:pPr marL="0" indent="0">
+              <a:buNone/>
+            </a:pPr>
+            <a:r>
+              <a:rPr lang="ru-RU" dirty="0">
+                <a:latin typeface="Times New Roman" panose="02020603050405020304" pitchFamily="18" charset="0"/>
+                <a:cs typeface="Times New Roman" panose="02020603050405020304" pitchFamily="18" charset="0"/>
+              </a:rPr>
+              <a:t>Ограничения:</a:t>
+            </a:r>
+          </a:p>
+          <a:p>
+            <a:r>
+              <a:rPr lang="ru-RU" dirty="0">
+                <a:latin typeface="Times New Roman" panose="02020603050405020304" pitchFamily="18" charset="0"/>
+                <a:cs typeface="Times New Roman" panose="02020603050405020304" pitchFamily="18" charset="0"/>
+              </a:rPr>
+              <a:t>формат входного аудиофайла – </a:t>
+            </a:r>
+            <a:r>
+              <a:rPr lang="en-US" dirty="0">
+                <a:latin typeface="Times New Roman" panose="02020603050405020304" pitchFamily="18" charset="0"/>
+                <a:cs typeface="Times New Roman" panose="02020603050405020304" pitchFamily="18" charset="0"/>
+              </a:rPr>
+              <a:t>mp3</a:t>
+            </a:r>
+            <a:r>
+              <a:rPr lang="ru-RU" dirty="0">
+                <a:latin typeface="Times New Roman" panose="02020603050405020304" pitchFamily="18" charset="0"/>
+                <a:cs typeface="Times New Roman" panose="02020603050405020304" pitchFamily="18" charset="0"/>
+              </a:rPr>
+              <a:t>;</a:t>
+            </a:r>
+          </a:p>
+          <a:p>
+            <a:r>
+              <a:rPr lang="ru-RU" dirty="0">
+                <a:latin typeface="Times New Roman" panose="02020603050405020304" pitchFamily="18" charset="0"/>
+                <a:cs typeface="Times New Roman" panose="02020603050405020304" pitchFamily="18" charset="0"/>
+              </a:rPr>
+              <a:t>знаменатели размеров равны 4.</a:t>
+            </a:r>
+          </a:p>
+        </p:txBody>
+      </p:sp>
+      <p:sp>
+        <p:nvSpPr>
+          <p:cNvPr id="5" name="Google Shape;97;p15">
+            <a:extLst>
+              <a:ext uri="{FF2B5EF4-FFF2-40B4-BE49-F238E27FC236}">
+                <a16:creationId xmlns:a16="http://schemas.microsoft.com/office/drawing/2014/main" id="{6AA57216-3223-455C-86EB-57A59E91FBEE}"/>
+              </a:ext>
+            </a:extLst>
+          </p:cNvPr>
+          <p:cNvSpPr txBox="1">
+            <a:spLocks noGrp="1"/>
+          </p:cNvSpPr>
+          <p:nvPr>
+            <p:ph type="sldNum" sz="quarter" idx="12"/>
+          </p:nvPr>
+        </p:nvSpPr>
+        <p:spPr>
+          <a:xfrm>
+            <a:off x="9105900" y="6176963"/>
+            <a:ext cx="2743200" cy="365125"/>
+          </a:xfrm>
+          <a:prstGeom prst="rect">
+            <a:avLst/>
+          </a:prstGeom>
+          <a:noFill/>
+          <a:ln>
+            <a:noFill/>
+          </a:ln>
+        </p:spPr>
+        <p:txBody>
+          <a:bodyPr spcFirstLastPara="1" wrap="square" lIns="91425" tIns="45700" rIns="91425" bIns="45700" anchor="ctr" anchorCtr="0">
+            <a:noAutofit/>
+          </a:bodyPr>
+          <a:lstStyle/>
+          <a:p>
+            <a:pPr marL="0" lvl="0" indent="0" algn="r" rtl="0">
+              <a:spcBef>
+                <a:spcPts val="0"/>
+              </a:spcBef>
+              <a:spcAft>
+                <a:spcPts val="0"/>
+              </a:spcAft>
+              <a:buNone/>
+            </a:pPr>
+            <a:fld id="{00000000-1234-1234-1234-123412341234}" type="slidenum">
+              <a:rPr lang="ru-RU" sz="2000">
+                <a:solidFill>
+                  <a:schemeClr val="tx1"/>
+                </a:solidFill>
+                <a:latin typeface="Times New Roman" panose="02020603050405020304" pitchFamily="18" charset="0"/>
+                <a:cs typeface="Times New Roman" panose="02020603050405020304" pitchFamily="18" charset="0"/>
+              </a:rPr>
+              <a:t>4</a:t>
+            </a:fld>
+            <a:endParaRPr sz="2000">
+              <a:solidFill>
+                <a:schemeClr val="tx1"/>
+              </a:solidFill>
+              <a:latin typeface="Times New Roman" panose="02020603050405020304" pitchFamily="18" charset="0"/>
+              <a:cs typeface="Times New Roman" panose="02020603050405020304" pitchFamily="18" charset="0"/>
+            </a:endParaRPr>
+          </a:p>
+        </p:txBody>
+      </p:sp>
+      <p:pic>
+        <p:nvPicPr>
+          <p:cNvPr id="6" name="Рисунок 5">
+            <a:extLst>
+              <a:ext uri="{FF2B5EF4-FFF2-40B4-BE49-F238E27FC236}">
+                <a16:creationId xmlns:a16="http://schemas.microsoft.com/office/drawing/2014/main" id="{5641E318-9BA4-CF97-BD2B-7218AECB64B6}"/>
+              </a:ext>
+            </a:extLst>
+          </p:cNvPr>
+          <p:cNvPicPr>
+            <a:picLocks noChangeAspect="1"/>
+          </p:cNvPicPr>
+          <p:nvPr/>
+        </p:nvPicPr>
+        <p:blipFill>
+          <a:blip r:embed="rId2">
+            <a:extLst>
+              <a:ext uri="{28A0092B-C50C-407E-A947-70E740481C1C}">
+                <a14:useLocalDpi xmlns:a14="http://schemas.microsoft.com/office/drawing/2010/main" val="0"/>
+              </a:ext>
+            </a:extLst>
+          </a:blip>
+          <a:stretch>
+            <a:fillRect/>
+          </a:stretch>
+        </p:blipFill>
+        <p:spPr>
+          <a:xfrm>
+            <a:off x="838200" y="1533525"/>
+            <a:ext cx="6543675" cy="2609850"/>
+          </a:xfrm>
+          <a:prstGeom prst="rect">
+            <a:avLst/>
+          </a:prstGeom>
+        </p:spPr>
+      </p:pic>
+      <p:pic>
+        <p:nvPicPr>
+          <p:cNvPr id="9" name="Рисунок 8">
+            <a:extLst>
+              <a:ext uri="{FF2B5EF4-FFF2-40B4-BE49-F238E27FC236}">
+                <a16:creationId xmlns:a16="http://schemas.microsoft.com/office/drawing/2014/main" id="{CF5D44F6-E873-A417-B25F-89556D682D19}"/>
+              </a:ext>
+            </a:extLst>
+          </p:cNvPr>
+          <p:cNvPicPr>
+            <a:picLocks noChangeAspect="1"/>
+          </p:cNvPicPr>
+          <p:nvPr/>
+        </p:nvPicPr>
+        <p:blipFill>
+          <a:blip r:embed="rId3">
+            <a:extLst>
+              <a:ext uri="{28A0092B-C50C-407E-A947-70E740481C1C}">
+                <a14:useLocalDpi xmlns:a14="http://schemas.microsoft.com/office/drawing/2010/main" val="0"/>
+              </a:ext>
+            </a:extLst>
+          </a:blip>
+          <a:stretch>
+            <a:fillRect/>
+          </a:stretch>
+        </p:blipFill>
+        <p:spPr>
+          <a:xfrm>
+            <a:off x="838200" y="4148138"/>
+            <a:ext cx="6543675" cy="2571750"/>
+          </a:xfrm>
+          <a:prstGeom prst="rect">
+            <a:avLst/>
+          </a:prstGeom>
+        </p:spPr>
+      </p:pic>
+    </p:spTree>
+    <p:extLst>
+      <p:ext uri="{BB962C8B-B14F-4D97-AF65-F5344CB8AC3E}">
+        <p14:creationId xmlns:p14="http://schemas.microsoft.com/office/powerpoint/2010/main" val="1443647943"/>
+      </p:ext>
+    </p:extLst>
+  </p:cSld>
+  <p:clrMapOvr>
+    <a:masterClrMapping/>
+  </p:clrMapOvr>
+</p:sld>
+</file>
+
+<file path=ppt/slides/slide5.xml><?xml version="1.0" encoding="utf-8"?>
+<p:sld xmlns:a="http://schemas.openxmlformats.org/drawingml/2006/main" xmlns:r="http://schemas.openxmlformats.org/officeDocument/2006/relationships" xmlns:p="http://schemas.openxmlformats.org/presentationml/2006/main">
+  <p:cSld>
+    <p:spTree>
+      <p:nvGrpSpPr>
+        <p:cNvPr id="1" name=""/>
+        <p:cNvGrpSpPr/>
+        <p:nvPr/>
+      </p:nvGrpSpPr>
+      <p:grpSpPr>
+        <a:xfrm>
+          <a:off x="0" y="0"/>
+          <a:ext cx="0" cy="0"/>
+          <a:chOff x="0" y="0"/>
+          <a:chExt cx="0" cy="0"/>
+        </a:xfrm>
+      </p:grpSpPr>
+      <p:sp>
+        <p:nvSpPr>
+          <p:cNvPr id="2" name="Заголовок 1">
+            <a:extLst>
+              <a:ext uri="{FF2B5EF4-FFF2-40B4-BE49-F238E27FC236}">
                 <a16:creationId xmlns:a16="http://schemas.microsoft.com/office/drawing/2014/main" id="{8445E0D8-80E1-AEF3-45E2-A5E10D3D6138}"/>
               </a:ext>
             </a:extLst>
@@ -5763,7 +7426,7 @@
           <p:nvPr>
             <p:extLst>
               <p:ext uri="{D42A27DB-BD31-4B8C-83A1-F6EECF244321}">
-                <p14:modId xmlns:p14="http://schemas.microsoft.com/office/powerpoint/2010/main" val="1368056629"/>
+                <p14:modId xmlns:p14="http://schemas.microsoft.com/office/powerpoint/2010/main" val="2352063585"/>
               </p:ext>
             </p:extLst>
           </p:nvPr>
@@ -5776,17 +7439,17 @@
           <a:graphicData uri="http://schemas.openxmlformats.org/drawingml/2006/table">
             <a:tbl>
               <a:tblPr firstRow="1" bandRow="1">
-                <a:tableStyleId>{8799B23B-EC83-4686-B30A-512413B5E67A}</a:tableStyleId>
+                <a:tableStyleId>{5940675A-B579-460E-94D1-54222C63F5DA}</a:tableStyleId>
               </a:tblPr>
               <a:tblGrid>
-                <a:gridCol w="2011680">
+                <a:gridCol w="2095500">
                   <a:extLst>
                     <a:ext uri="{9D8B030D-6E8A-4147-A177-3AD203B41FA5}">
                       <a16:colId xmlns:a16="http://schemas.microsoft.com/office/drawing/2014/main" val="1579687741"/>
                     </a:ext>
                   </a:extLst>
                 </a:gridCol>
-                <a:gridCol w="2011680">
+                <a:gridCol w="1927860">
                   <a:extLst>
                     <a:ext uri="{9D8B030D-6E8A-4147-A177-3AD203B41FA5}">
                       <a16:colId xmlns:a16="http://schemas.microsoft.com/office/drawing/2014/main" val="3633183894"/>
@@ -5822,7 +7485,7 @@
                     <a:lstStyle/>
                     <a:p>
                       <a:r>
-                        <a:rPr lang="ru-RU" sz="1800" dirty="0">
+                        <a:rPr lang="ru-RU" sz="1800" b="1" dirty="0">
                           <a:latin typeface="Times New Roman" panose="02020603050405020304" pitchFamily="18" charset="0"/>
                           <a:cs typeface="Times New Roman" panose="02020603050405020304" pitchFamily="18" charset="0"/>
                         </a:rPr>
@@ -5838,7 +7501,7 @@
                     <a:lstStyle/>
                     <a:p>
                       <a:r>
-                        <a:rPr lang="ru-RU" sz="1800" dirty="0">
+                        <a:rPr lang="ru-RU" sz="1800" b="1" dirty="0">
                           <a:latin typeface="Times New Roman" panose="02020603050405020304" pitchFamily="18" charset="0"/>
                           <a:cs typeface="Times New Roman" panose="02020603050405020304" pitchFamily="18" charset="0"/>
                         </a:rPr>
@@ -5854,7 +7517,7 @@
                     <a:lstStyle/>
                     <a:p>
                       <a:r>
-                        <a:rPr lang="ru-RU" sz="1800" dirty="0">
+                        <a:rPr lang="ru-RU" sz="1800" b="1" dirty="0">
                           <a:latin typeface="Times New Roman" panose="02020603050405020304" pitchFamily="18" charset="0"/>
                           <a:cs typeface="Times New Roman" panose="02020603050405020304" pitchFamily="18" charset="0"/>
                         </a:rPr>
@@ -5870,7 +7533,7 @@
                     <a:lstStyle/>
                     <a:p>
                       <a:r>
-                        <a:rPr lang="ru-RU" sz="1800" dirty="0">
+                        <a:rPr lang="ru-RU" sz="1800" b="1" dirty="0">
                           <a:latin typeface="Times New Roman" panose="02020603050405020304" pitchFamily="18" charset="0"/>
                           <a:cs typeface="Times New Roman" panose="02020603050405020304" pitchFamily="18" charset="0"/>
                         </a:rPr>
@@ -5886,21 +7549,21 @@
                     <a:lstStyle/>
                     <a:p>
                       <a:r>
-                        <a:rPr lang="ru-RU" sz="1800" dirty="0">
+                        <a:rPr lang="ru-RU" sz="1800" b="1" dirty="0">
                           <a:latin typeface="Times New Roman" panose="02020603050405020304" pitchFamily="18" charset="0"/>
                           <a:cs typeface="Times New Roman" panose="02020603050405020304" pitchFamily="18" charset="0"/>
                         </a:rPr>
                         <a:t>Размер обучающего </a:t>
                       </a:r>
                       <a:r>
-                        <a:rPr lang="ru-RU" sz="1800" dirty="0" err="1">
+                        <a:rPr lang="ru-RU" sz="1800" b="1" dirty="0" err="1">
                           <a:latin typeface="Times New Roman" panose="02020603050405020304" pitchFamily="18" charset="0"/>
                           <a:cs typeface="Times New Roman" panose="02020603050405020304" pitchFamily="18" charset="0"/>
                         </a:rPr>
                         <a:t>датасета</a:t>
                       </a:r>
                       <a:r>
-                        <a:rPr lang="ru-RU" sz="1800" dirty="0">
+                        <a:rPr lang="ru-RU" sz="1800" b="1" dirty="0">
                           <a:latin typeface="Times New Roman" panose="02020603050405020304" pitchFamily="18" charset="0"/>
                           <a:cs typeface="Times New Roman" panose="02020603050405020304" pitchFamily="18" charset="0"/>
                         </a:rPr>
@@ -5927,7 +7590,7 @@
                           <a:latin typeface="Times New Roman" panose="02020603050405020304" pitchFamily="18" charset="0"/>
                           <a:cs typeface="Times New Roman" panose="02020603050405020304" pitchFamily="18" charset="0"/>
                         </a:rPr>
-                        <a:t>ДВП</a:t>
+                        <a:t>ДВП**</a:t>
                       </a:r>
                     </a:p>
                   </a:txBody>
@@ -6125,13 +7788,22 @@
                         </a:rPr>
                         <a:t>**</a:t>
                       </a:r>
-                      <a:endParaRPr lang="ru-RU" sz="1800" dirty="0">
-                        <a:latin typeface="Times New Roman" panose="02020603050405020304" pitchFamily="18" charset="0"/>
-                        <a:cs typeface="Times New Roman" panose="02020603050405020304" pitchFamily="18" charset="0"/>
-                      </a:endParaRPr>
+                      <a:r>
+                        <a:rPr lang="ru-RU" sz="1800" dirty="0">
+                          <a:latin typeface="Times New Roman" panose="02020603050405020304" pitchFamily="18" charset="0"/>
+                          <a:cs typeface="Times New Roman" panose="02020603050405020304" pitchFamily="18" charset="0"/>
+                        </a:rPr>
+                        <a:t>*</a:t>
+                      </a:r>
                     </a:p>
                   </a:txBody>
-                  <a:tcPr/>
+                  <a:tcPr>
+                    <a:solidFill>
+                      <a:schemeClr val="bg1">
+                        <a:lumMod val="85000"/>
+                      </a:schemeClr>
+                    </a:solidFill>
+                  </a:tcPr>
                 </a:tc>
                 <a:tc>
                   <a:txBody>
@@ -6154,7 +7826,13 @@
                       </a:r>
                     </a:p>
                   </a:txBody>
-                  <a:tcPr/>
+                  <a:tcPr>
+                    <a:solidFill>
+                      <a:schemeClr val="bg1">
+                        <a:lumMod val="85000"/>
+                      </a:schemeClr>
+                    </a:solidFill>
+                  </a:tcPr>
                 </a:tc>
                 <a:tc>
                   <a:txBody>
@@ -6187,7 +7865,13 @@
                       </a:r>
                     </a:p>
                   </a:txBody>
-                  <a:tcPr/>
+                  <a:tcPr>
+                    <a:solidFill>
+                      <a:schemeClr val="bg1">
+                        <a:lumMod val="85000"/>
+                      </a:schemeClr>
+                    </a:solidFill>
+                  </a:tcPr>
                 </a:tc>
                 <a:tc>
                   <a:txBody>
@@ -6203,7 +7887,13 @@
                       </a:r>
                     </a:p>
                   </a:txBody>
-                  <a:tcPr/>
+                  <a:tcPr>
+                    <a:solidFill>
+                      <a:schemeClr val="bg1">
+                        <a:lumMod val="85000"/>
+                      </a:schemeClr>
+                    </a:solidFill>
+                  </a:tcPr>
                 </a:tc>
                 <a:tc>
                   <a:txBody>
@@ -6219,7 +7909,13 @@
                       </a:r>
                     </a:p>
                   </a:txBody>
-                  <a:tcPr/>
+                  <a:tcPr>
+                    <a:solidFill>
+                      <a:schemeClr val="bg1">
+                        <a:lumMod val="85000"/>
+                      </a:schemeClr>
+                    </a:solidFill>
+                  </a:tcPr>
                 </a:tc>
                 <a:extLst>
                   <a:ext uri="{0D108BD9-81ED-4DB2-BD59-A6C34878D82A}">
@@ -6391,8 +8087,8 @@
         </p:nvSpPr>
         <p:spPr>
           <a:xfrm>
-            <a:off x="838200" y="5593397"/>
-            <a:ext cx="9794240" cy="369332"/>
+            <a:off x="838200" y="5383847"/>
+            <a:ext cx="9794240" cy="992836"/>
           </a:xfrm>
           <a:prstGeom prst="rect">
             <a:avLst/>
@@ -6405,6 +8101,11 @@
           </a:bodyPr>
           <a:lstStyle/>
           <a:p>
+            <a:pPr>
+              <a:lnSpc>
+                <a:spcPts val="2400"/>
+              </a:lnSpc>
+            </a:pPr>
             <a:r>
               <a:rPr lang="ru-RU" i="1" dirty="0">
                 <a:latin typeface="Times New Roman" panose="02020603050405020304" pitchFamily="18" charset="0"/>
@@ -6413,41 +8114,31 @@
               <a:t>*На основе данных из исследований</a:t>
             </a:r>
           </a:p>
-        </p:txBody>
-      </p:sp>
-      <p:sp>
-        <p:nvSpPr>
-          <p:cNvPr id="6" name="TextBox 5">
-            <a:extLst>
-              <a:ext uri="{FF2B5EF4-FFF2-40B4-BE49-F238E27FC236}">
-                <a16:creationId xmlns:a16="http://schemas.microsoft.com/office/drawing/2014/main" id="{54A3A327-9A50-F260-D4C4-036482F32E48}"/>
-              </a:ext>
-            </a:extLst>
-          </p:cNvPr>
-          <p:cNvSpPr txBox="1"/>
-          <p:nvPr/>
-        </p:nvSpPr>
-        <p:spPr>
-          <a:xfrm>
-            <a:off x="838200" y="6038929"/>
-            <a:ext cx="9794240" cy="369332"/>
-          </a:xfrm>
-          <a:prstGeom prst="rect">
-            <a:avLst/>
-          </a:prstGeom>
-          <a:noFill/>
-        </p:spPr>
-        <p:txBody>
-          <a:bodyPr wrap="square" rtlCol="0">
-            <a:spAutoFit/>
-          </a:bodyPr>
-          <a:lstStyle/>
-          <a:p>
+          <a:p>
+            <a:pPr>
+              <a:lnSpc>
+                <a:spcPts val="2400"/>
+              </a:lnSpc>
+            </a:pPr>
             <a:r>
               <a:rPr lang="ru-RU" i="1" dirty="0">
                 <a:latin typeface="Times New Roman" panose="02020603050405020304" pitchFamily="18" charset="0"/>
                 <a:cs typeface="Times New Roman" panose="02020603050405020304" pitchFamily="18" charset="0"/>
               </a:rPr>
+              <a:t>**ДВП – дискретное вейвлет-преобразование</a:t>
+            </a:r>
+          </a:p>
+          <a:p>
+            <a:pPr>
+              <a:lnSpc>
+                <a:spcPts val="2400"/>
+              </a:lnSpc>
+            </a:pPr>
+            <a:r>
+              <a:rPr lang="ru-RU" i="1" dirty="0">
+                <a:latin typeface="Times New Roman" panose="02020603050405020304" pitchFamily="18" charset="0"/>
+                <a:cs typeface="Times New Roman" panose="02020603050405020304" pitchFamily="18" charset="0"/>
+              </a:rPr>
               <a:t>*</a:t>
             </a:r>
             <a:r>
@@ -6462,7 +8153,7 @@
                 <a:latin typeface="Times New Roman" panose="02020603050405020304" pitchFamily="18" charset="0"/>
                 <a:cs typeface="Times New Roman" panose="02020603050405020304" pitchFamily="18" charset="0"/>
               </a:rPr>
-              <a:t>БИМ – байесовское иерархическое моделирование</a:t>
+              <a:t>*БИМ – байесовское иерархическое моделирование</a:t>
             </a:r>
           </a:p>
         </p:txBody>
@@ -6519,7 +8210,7 @@
                 <a:latin typeface="Times New Roman" panose="02020603050405020304" pitchFamily="18" charset="0"/>
                 <a:cs typeface="Times New Roman" panose="02020603050405020304" pitchFamily="18" charset="0"/>
               </a:rPr>
-              <a:t>4</a:t>
+              <a:t>5</a:t>
             </a:fld>
             <a:endParaRPr sz="2000">
               <a:solidFill>
@@ -6544,7 +8235,7 @@
 </p:sld>
 </file>
 
-<file path=ppt/slides/slide5.xml><?xml version="1.0" encoding="utf-8"?>
+<file path=ppt/slides/slide6.xml><?xml version="1.0" encoding="utf-8"?>
 <p:sld xmlns:a="http://schemas.openxmlformats.org/drawingml/2006/main" xmlns:r="http://schemas.openxmlformats.org/officeDocument/2006/relationships" xmlns:p="http://schemas.openxmlformats.org/presentationml/2006/main">
   <p:cSld>
     <p:spTree>
@@ -6617,8 +8308,8 @@
             </p:nvSpPr>
             <p:spPr>
               <a:xfrm>
-                <a:off x="838200" y="1971675"/>
-                <a:ext cx="10515600" cy="4205288"/>
+                <a:off x="838200" y="1638300"/>
+                <a:ext cx="10515600" cy="4538663"/>
               </a:xfrm>
             </p:spPr>
             <p:txBody>
@@ -6627,7 +8318,23 @@
               </a:bodyPr>
               <a:lstStyle/>
               <a:p>
-                <a:pPr marL="0" indent="0" algn="r">
+                <a:pPr marL="0" indent="0">
+                  <a:buNone/>
+                </a:pPr>
+                <a:r>
+                  <a:rPr lang="ru-RU" dirty="0">
+                    <a:latin typeface="Times New Roman" panose="02020603050405020304" pitchFamily="18" charset="0"/>
+                    <a:cs typeface="Times New Roman" panose="02020603050405020304" pitchFamily="18" charset="0"/>
+                  </a:rPr>
+                  <a:t>Априорное распределение ритма либо темпа для заданного жанра:</a:t>
+                </a:r>
+                <a:endParaRPr lang="ru-RU" b="0" dirty="0">
+                  <a:latin typeface="Times New Roman" panose="02020603050405020304" pitchFamily="18" charset="0"/>
+                  <a:cs typeface="Times New Roman" panose="02020603050405020304" pitchFamily="18" charset="0"/>
+                </a:endParaRPr>
+              </a:p>
+              <a:p>
+                <a:pPr marL="0" indent="0" algn="ctr">
                   <a:buNone/>
                 </a:pPr>
                 <a14:m>
@@ -6780,13 +8487,10 @@
                   <a:rPr lang="en-US" dirty="0"/>
                   <a:t>                                   </a:t>
                 </a:r>
-                <a:r>
-                  <a:rPr lang="en-US" dirty="0">
-                    <a:latin typeface="Times New Roman" panose="02020603050405020304" pitchFamily="18" charset="0"/>
-                    <a:cs typeface="Times New Roman" panose="02020603050405020304" pitchFamily="18" charset="0"/>
-                  </a:rPr>
-                  <a:t>(1)</a:t>
-                </a:r>
+                <a:endParaRPr lang="en-US" dirty="0">
+                  <a:latin typeface="Times New Roman" panose="02020603050405020304" pitchFamily="18" charset="0"/>
+                  <a:cs typeface="Times New Roman" panose="02020603050405020304" pitchFamily="18" charset="0"/>
+                </a:endParaRPr>
               </a:p>
               <a:p>
                 <a:pPr marL="0" indent="0">
@@ -6804,7 +8508,7 @@
                     <a:latin typeface="Times New Roman" panose="02020603050405020304" pitchFamily="18" charset="0"/>
                     <a:cs typeface="Times New Roman" panose="02020603050405020304" pitchFamily="18" charset="0"/>
                   </a:rPr>
-                  <a:t>собранные данные с известным определяемым параметром,</a:t>
+                  <a:t>собранные данные с известным темпом, ритмом и жанром,</a:t>
                 </a:r>
                 <a:endParaRPr lang="en-US" dirty="0">
                   <a:latin typeface="Times New Roman" panose="02020603050405020304" pitchFamily="18" charset="0"/>
@@ -6827,7 +8531,7 @@
                     <a:latin typeface="Times New Roman" panose="02020603050405020304" pitchFamily="18" charset="0"/>
                     <a:cs typeface="Times New Roman" panose="02020603050405020304" pitchFamily="18" charset="0"/>
                   </a:rPr>
-                  <a:t>искомый параметр</a:t>
+                  <a:t>параметр – темп или ритм</a:t>
                 </a:r>
                 <a:r>
                   <a:rPr lang="en-US" dirty="0">
@@ -6962,6 +8666,13 @@
                   </m:oMath>
                 </a14:m>
                 <a:r>
+                  <a:rPr lang="ru-RU" dirty="0">
+                    <a:latin typeface="Times New Roman" panose="02020603050405020304" pitchFamily="18" charset="0"/>
+                    <a:cs typeface="Times New Roman" panose="02020603050405020304" pitchFamily="18" charset="0"/>
+                  </a:rPr>
+                  <a:t> (зависит только от набора данных)</a:t>
+                </a:r>
+                <a:r>
                   <a:rPr lang="en-US" dirty="0">
                     <a:latin typeface="Times New Roman" panose="02020603050405020304" pitchFamily="18" charset="0"/>
                     <a:cs typeface="Times New Roman" panose="02020603050405020304" pitchFamily="18" charset="0"/>
@@ -6995,13 +8706,13 @@
             </p:nvSpPr>
             <p:spPr>
               <a:xfrm>
-                <a:off x="838200" y="1971675"/>
-                <a:ext cx="10515600" cy="4205288"/>
+                <a:off x="838200" y="1638300"/>
+                <a:ext cx="10515600" cy="4538663"/>
               </a:xfrm>
               <a:blipFill>
                 <a:blip r:embed="rId2"/>
                 <a:stretch>
-                  <a:fillRect l="-1217" t="-290" r="-1159"/>
+                  <a:fillRect l="-1217" t="-2419"/>
                 </a:stretch>
               </a:blipFill>
             </p:spPr>
@@ -7072,312 +8783,6 @@
                 <a:latin typeface="Times New Roman" panose="02020603050405020304" pitchFamily="18" charset="0"/>
                 <a:cs typeface="Times New Roman" panose="02020603050405020304" pitchFamily="18" charset="0"/>
               </a:rPr>
-              <a:t>5</a:t>
-            </a:fld>
-            <a:endParaRPr sz="2000">
-              <a:solidFill>
-                <a:schemeClr val="tx1"/>
-              </a:solidFill>
-              <a:latin typeface="Times New Roman" panose="02020603050405020304" pitchFamily="18" charset="0"/>
-              <a:cs typeface="Times New Roman" panose="02020603050405020304" pitchFamily="18" charset="0"/>
-            </a:endParaRPr>
-          </a:p>
-        </p:txBody>
-      </p:sp>
-    </p:spTree>
-    <p:extLst>
-      <p:ext uri="{BB962C8B-B14F-4D97-AF65-F5344CB8AC3E}">
-        <p14:creationId xmlns:p14="http://schemas.microsoft.com/office/powerpoint/2010/main" val="1971770469"/>
-      </p:ext>
-    </p:extLst>
-  </p:cSld>
-  <p:clrMapOvr>
-    <a:masterClrMapping/>
-  </p:clrMapOvr>
-</p:sld>
-</file>
-
-<file path=ppt/slides/slide6.xml><?xml version="1.0" encoding="utf-8"?>
-<p:sld xmlns:a="http://schemas.openxmlformats.org/drawingml/2006/main" xmlns:r="http://schemas.openxmlformats.org/officeDocument/2006/relationships" xmlns:p="http://schemas.openxmlformats.org/presentationml/2006/main">
-  <p:cSld>
-    <p:spTree>
-      <p:nvGrpSpPr>
-        <p:cNvPr id="1" name=""/>
-        <p:cNvGrpSpPr/>
-        <p:nvPr/>
-      </p:nvGrpSpPr>
-      <p:grpSpPr>
-        <a:xfrm>
-          <a:off x="0" y="0"/>
-          <a:ext cx="0" cy="0"/>
-          <a:chOff x="0" y="0"/>
-          <a:chExt cx="0" cy="0"/>
-        </a:xfrm>
-      </p:grpSpPr>
-      <p:sp>
-        <p:nvSpPr>
-          <p:cNvPr id="2" name="Заголовок 1">
-            <a:extLst>
-              <a:ext uri="{FF2B5EF4-FFF2-40B4-BE49-F238E27FC236}">
-                <a16:creationId xmlns:a16="http://schemas.microsoft.com/office/drawing/2014/main" id="{CF8C9FE2-68C0-1DA2-34A4-ED35531073B3}"/>
-              </a:ext>
-            </a:extLst>
-          </p:cNvPr>
-          <p:cNvSpPr>
-            <a:spLocks noGrp="1"/>
-          </p:cNvSpPr>
-          <p:nvPr>
-            <p:ph type="title"/>
-          </p:nvPr>
-        </p:nvSpPr>
-        <p:spPr/>
-        <p:txBody>
-          <a:bodyPr/>
-          <a:lstStyle/>
-          <a:p>
-            <a:r>
-              <a:rPr lang="ru-RU" dirty="0">
-                <a:latin typeface="Times New Roman" panose="02020603050405020304" pitchFamily="18" charset="0"/>
-                <a:cs typeface="Times New Roman" panose="02020603050405020304" pitchFamily="18" charset="0"/>
-              </a:rPr>
-              <a:t>Иерархический подход</a:t>
-            </a:r>
-          </a:p>
-        </p:txBody>
-      </p:sp>
-      <p:sp>
-        <p:nvSpPr>
-          <p:cNvPr id="3" name="Объект 2">
-            <a:extLst>
-              <a:ext uri="{FF2B5EF4-FFF2-40B4-BE49-F238E27FC236}">
-                <a16:creationId xmlns:a16="http://schemas.microsoft.com/office/drawing/2014/main" id="{4C33000C-92A9-47EE-2608-3CDA71E15597}"/>
-              </a:ext>
-            </a:extLst>
-          </p:cNvPr>
-          <p:cNvSpPr>
-            <a:spLocks noGrp="1"/>
-          </p:cNvSpPr>
-          <p:nvPr>
-            <p:ph idx="1"/>
-          </p:nvPr>
-        </p:nvSpPr>
-        <p:spPr>
-          <a:xfrm>
-            <a:off x="6981825" y="1846263"/>
-            <a:ext cx="4657725" cy="4425949"/>
-          </a:xfrm>
-        </p:spPr>
-        <p:txBody>
-          <a:bodyPr>
-            <a:normAutofit/>
-          </a:bodyPr>
-          <a:lstStyle/>
-          <a:p>
-            <a:pPr marL="0" indent="0">
-              <a:buNone/>
-            </a:pPr>
-            <a:r>
-              <a:rPr lang="en-US" sz="2400" dirty="0">
-                <a:latin typeface="Times New Roman" panose="02020603050405020304" pitchFamily="18" charset="0"/>
-                <a:cs typeface="Times New Roman" panose="02020603050405020304" pitchFamily="18" charset="0"/>
-              </a:rPr>
-              <a:t>t – </a:t>
-            </a:r>
-            <a:r>
-              <a:rPr lang="ru-RU" sz="2400" dirty="0">
-                <a:latin typeface="Times New Roman" panose="02020603050405020304" pitchFamily="18" charset="0"/>
-                <a:cs typeface="Times New Roman" panose="02020603050405020304" pitchFamily="18" charset="0"/>
-              </a:rPr>
-              <a:t>искомый темп,</a:t>
-            </a:r>
-          </a:p>
-          <a:p>
-            <a:pPr marL="0" indent="0">
-              <a:buNone/>
-            </a:pPr>
-            <a:r>
-              <a:rPr lang="en-US" sz="2400" dirty="0">
-                <a:latin typeface="Times New Roman" panose="02020603050405020304" pitchFamily="18" charset="0"/>
-                <a:cs typeface="Times New Roman" panose="02020603050405020304" pitchFamily="18" charset="0"/>
-              </a:rPr>
-              <a:t>g – </a:t>
-            </a:r>
-            <a:r>
-              <a:rPr lang="ru-RU" sz="2400" dirty="0">
-                <a:latin typeface="Times New Roman" panose="02020603050405020304" pitchFamily="18" charset="0"/>
-                <a:cs typeface="Times New Roman" panose="02020603050405020304" pitchFamily="18" charset="0"/>
-              </a:rPr>
-              <a:t>жанр анализируемой музыки,</a:t>
-            </a:r>
-          </a:p>
-          <a:p>
-            <a:pPr marL="0" indent="0">
-              <a:buNone/>
-            </a:pPr>
-            <a:r>
-              <a:rPr lang="en-US" sz="2400" dirty="0">
-                <a:latin typeface="Times New Roman" panose="02020603050405020304" pitchFamily="18" charset="0"/>
-                <a:cs typeface="Times New Roman" panose="02020603050405020304" pitchFamily="18" charset="0"/>
-              </a:rPr>
-              <a:t>P(t), P(g) – </a:t>
-            </a:r>
-            <a:r>
-              <a:rPr lang="ru-RU" sz="2400" dirty="0">
-                <a:latin typeface="Times New Roman" panose="02020603050405020304" pitchFamily="18" charset="0"/>
-                <a:cs typeface="Times New Roman" panose="02020603050405020304" pitchFamily="18" charset="0"/>
-              </a:rPr>
-              <a:t>априорные распределения темпа и жанра,</a:t>
-            </a:r>
-          </a:p>
-          <a:p>
-            <a:pPr marL="0" indent="0">
-              <a:buNone/>
-            </a:pPr>
-            <a:r>
-              <a:rPr lang="en-US" sz="2400" dirty="0" err="1">
-                <a:latin typeface="Times New Roman" panose="02020603050405020304" pitchFamily="18" charset="0"/>
-                <a:cs typeface="Times New Roman" panose="02020603050405020304" pitchFamily="18" charset="0"/>
-              </a:rPr>
-              <a:t>likelihood_params</a:t>
-            </a:r>
-            <a:r>
-              <a:rPr lang="en-US" sz="2400" dirty="0">
-                <a:latin typeface="Times New Roman" panose="02020603050405020304" pitchFamily="18" charset="0"/>
-                <a:cs typeface="Times New Roman" panose="02020603050405020304" pitchFamily="18" charset="0"/>
-              </a:rPr>
-              <a:t> – </a:t>
-            </a:r>
-            <a:r>
-              <a:rPr lang="ru-RU" sz="2400" dirty="0">
-                <a:latin typeface="Times New Roman" panose="02020603050405020304" pitchFamily="18" charset="0"/>
-                <a:cs typeface="Times New Roman" panose="02020603050405020304" pitchFamily="18" charset="0"/>
-              </a:rPr>
-              <a:t>параметры распределения функции правдоподобия,</a:t>
-            </a:r>
-          </a:p>
-          <a:p>
-            <a:pPr marL="0" indent="0">
-              <a:buNone/>
-            </a:pPr>
-            <a:r>
-              <a:rPr lang="en-US" sz="2400" dirty="0">
-                <a:latin typeface="Times New Roman" panose="02020603050405020304" pitchFamily="18" charset="0"/>
-                <a:cs typeface="Times New Roman" panose="02020603050405020304" pitchFamily="18" charset="0"/>
-              </a:rPr>
-              <a:t>P(</a:t>
-            </a:r>
-            <a:r>
-              <a:rPr lang="en-US" sz="2400" dirty="0" err="1">
-                <a:latin typeface="Times New Roman" panose="02020603050405020304" pitchFamily="18" charset="0"/>
-                <a:cs typeface="Times New Roman" panose="02020603050405020304" pitchFamily="18" charset="0"/>
-              </a:rPr>
-              <a:t>d|t</a:t>
-            </a:r>
-            <a:r>
-              <a:rPr lang="en-US" sz="2400" dirty="0">
-                <a:latin typeface="Times New Roman" panose="02020603050405020304" pitchFamily="18" charset="0"/>
-                <a:cs typeface="Times New Roman" panose="02020603050405020304" pitchFamily="18" charset="0"/>
-              </a:rPr>
-              <a:t>) – </a:t>
-            </a:r>
-            <a:r>
-              <a:rPr lang="ru-RU" sz="2400" dirty="0">
-                <a:latin typeface="Times New Roman" panose="02020603050405020304" pitchFamily="18" charset="0"/>
-                <a:cs typeface="Times New Roman" panose="02020603050405020304" pitchFamily="18" charset="0"/>
-              </a:rPr>
-              <a:t>функция правдоподобия.</a:t>
-            </a:r>
-          </a:p>
-        </p:txBody>
-      </p:sp>
-      <p:pic>
-        <p:nvPicPr>
-          <p:cNvPr id="5" name="Рисунок 4">
-            <a:extLst>
-              <a:ext uri="{FF2B5EF4-FFF2-40B4-BE49-F238E27FC236}">
-                <a16:creationId xmlns:a16="http://schemas.microsoft.com/office/drawing/2014/main" id="{3C7EAA97-CD7C-7971-027B-05D91AEAD01C}"/>
-              </a:ext>
-            </a:extLst>
-          </p:cNvPr>
-          <p:cNvPicPr>
-            <a:picLocks noChangeAspect="1"/>
-          </p:cNvPicPr>
-          <p:nvPr/>
-        </p:nvPicPr>
-        <p:blipFill>
-          <a:blip r:embed="rId2">
-            <a:extLst>
-              <a:ext uri="{28A0092B-C50C-407E-A947-70E740481C1C}">
-                <a14:useLocalDpi xmlns:a14="http://schemas.microsoft.com/office/drawing/2010/main" val="0"/>
-              </a:ext>
-            </a:extLst>
-          </a:blip>
-          <a:stretch>
-            <a:fillRect/>
-          </a:stretch>
-        </p:blipFill>
-        <p:spPr>
-          <a:xfrm>
-            <a:off x="838200" y="1846263"/>
-            <a:ext cx="5922231" cy="3868737"/>
-          </a:xfrm>
-          <a:prstGeom prst="rect">
-            <a:avLst/>
-          </a:prstGeom>
-        </p:spPr>
-      </p:pic>
-      <p:sp>
-        <p:nvSpPr>
-          <p:cNvPr id="4" name="Google Shape;97;p15">
-            <a:extLst>
-              <a:ext uri="{FF2B5EF4-FFF2-40B4-BE49-F238E27FC236}">
-                <a16:creationId xmlns:a16="http://schemas.microsoft.com/office/drawing/2014/main" id="{E922B1DD-8420-8AD4-17B2-C7432F75096E}"/>
-              </a:ext>
-            </a:extLst>
-          </p:cNvPr>
-          <p:cNvSpPr txBox="1">
-            <a:spLocks noGrp="1"/>
-          </p:cNvSpPr>
-          <p:nvPr>
-            <p:ph type="sldNum" sz="quarter" idx="12"/>
-          </p:nvPr>
-        </p:nvSpPr>
-        <p:spPr>
-          <a:xfrm>
-            <a:off x="9105900" y="6176963"/>
-            <a:ext cx="2743200" cy="365125"/>
-          </a:xfrm>
-          <a:prstGeom prst="rect">
-            <a:avLst/>
-          </a:prstGeom>
-          <a:noFill/>
-          <a:ln>
-            <a:noFill/>
-          </a:ln>
-        </p:spPr>
-        <p:txBody>
-          <a:bodyPr spcFirstLastPara="1" wrap="square" lIns="91425" tIns="45700" rIns="91425" bIns="45700" anchor="ctr" anchorCtr="0">
-            <a:noAutofit/>
-          </a:bodyPr>
-          <a:lstStyle/>
-          <a:p>
-            <a:pPr marL="0" lvl="0" indent="0" algn="r" rtl="0">
-              <a:spcBef>
-                <a:spcPts val="0"/>
-              </a:spcBef>
-              <a:spcAft>
-                <a:spcPts val="0"/>
-              </a:spcAft>
-              <a:buNone/>
-            </a:pPr>
-            <a:fld id="{00000000-1234-1234-1234-123412341234}" type="slidenum">
-              <a:rPr lang="ru-RU" sz="2000">
-                <a:solidFill>
-                  <a:schemeClr val="tx1"/>
-                </a:solidFill>
-                <a:latin typeface="Times New Roman" panose="02020603050405020304" pitchFamily="18" charset="0"/>
-                <a:cs typeface="Times New Roman" panose="02020603050405020304" pitchFamily="18" charset="0"/>
-              </a:rPr>
               <a:t>6</a:t>
             </a:fld>
             <a:endParaRPr sz="2000">
@@ -7393,7 +8798,7 @@
     </p:spTree>
     <p:extLst>
       <p:ext uri="{BB962C8B-B14F-4D97-AF65-F5344CB8AC3E}">
-        <p14:creationId xmlns:p14="http://schemas.microsoft.com/office/powerpoint/2010/main" val="482712597"/>
+        <p14:creationId xmlns:p14="http://schemas.microsoft.com/office/powerpoint/2010/main" val="1971770469"/>
       </p:ext>
     </p:extLst>
   </p:cSld>
@@ -7425,7 +8830,7 @@
           <p:cNvPr id="2" name="Заголовок 1">
             <a:extLst>
               <a:ext uri="{FF2B5EF4-FFF2-40B4-BE49-F238E27FC236}">
-                <a16:creationId xmlns:a16="http://schemas.microsoft.com/office/drawing/2014/main" id="{866BE199-819C-FC0E-C763-A99B82AC3865}"/>
+                <a16:creationId xmlns:a16="http://schemas.microsoft.com/office/drawing/2014/main" id="{46C5D0DA-D7BA-702B-3389-FECBF59D0D27}"/>
               </a:ext>
             </a:extLst>
           </p:cNvPr>
@@ -7438,8 +8843,8 @@
         </p:nvSpPr>
         <p:spPr>
           <a:xfrm>
-            <a:off x="838200" y="90487"/>
-            <a:ext cx="10515600" cy="1009651"/>
+            <a:off x="838200" y="171450"/>
+            <a:ext cx="10515600" cy="785813"/>
           </a:xfrm>
         </p:spPr>
         <p:txBody>
@@ -7451,17 +8856,70 @@
                 <a:latin typeface="Times New Roman" panose="02020603050405020304" pitchFamily="18" charset="0"/>
                 <a:cs typeface="Times New Roman" panose="02020603050405020304" pitchFamily="18" charset="0"/>
               </a:rPr>
-              <a:t>Определение переменного темпа</a:t>
-            </a:r>
-          </a:p>
-        </p:txBody>
-      </p:sp>
-      <p:sp>
-        <p:nvSpPr>
-          <p:cNvPr id="3" name="Google Shape;97;p15">
-            <a:extLst>
-              <a:ext uri="{FF2B5EF4-FFF2-40B4-BE49-F238E27FC236}">
-                <a16:creationId xmlns:a16="http://schemas.microsoft.com/office/drawing/2014/main" id="{4929AC61-D06B-BD00-0277-0860141BEBD7}"/>
+              <a:t>Корреляция темпа с жанром</a:t>
+            </a:r>
+          </a:p>
+        </p:txBody>
+      </p:sp>
+      <p:sp>
+        <p:nvSpPr>
+          <p:cNvPr id="3" name="Объект 2">
+            <a:extLst>
+              <a:ext uri="{FF2B5EF4-FFF2-40B4-BE49-F238E27FC236}">
+                <a16:creationId xmlns:a16="http://schemas.microsoft.com/office/drawing/2014/main" id="{4D8E6443-7A2B-3C48-2D16-F1FD11FF0F02}"/>
+              </a:ext>
+            </a:extLst>
+          </p:cNvPr>
+          <p:cNvSpPr>
+            <a:spLocks noGrp="1"/>
+          </p:cNvSpPr>
+          <p:nvPr>
+            <p:ph idx="1"/>
+          </p:nvPr>
+        </p:nvSpPr>
+        <p:spPr>
+          <a:xfrm>
+            <a:off x="838200" y="1157350"/>
+            <a:ext cx="10515600" cy="5019614"/>
+          </a:xfrm>
+        </p:spPr>
+        <p:txBody>
+          <a:bodyPr>
+            <a:normAutofit/>
+          </a:bodyPr>
+          <a:lstStyle/>
+          <a:p>
+            <a:pPr marL="0" indent="0">
+              <a:buNone/>
+            </a:pPr>
+            <a:r>
+              <a:rPr lang="ru-RU" sz="2400" dirty="0">
+                <a:latin typeface="Times New Roman" panose="02020603050405020304" pitchFamily="18" charset="0"/>
+                <a:cs typeface="Times New Roman" panose="02020603050405020304" pitchFamily="18" charset="0"/>
+              </a:rPr>
+              <a:t>Темп музыки имеет некоторую корреляцию с жанром.</a:t>
+            </a:r>
+          </a:p>
+          <a:p>
+            <a:pPr marL="0" indent="0">
+              <a:buNone/>
+            </a:pPr>
+            <a:r>
+              <a:rPr lang="ru-RU" sz="2400" dirty="0">
+                <a:latin typeface="Times New Roman" panose="02020603050405020304" pitchFamily="18" charset="0"/>
+                <a:cs typeface="Times New Roman" panose="02020603050405020304" pitchFamily="18" charset="0"/>
+              </a:rPr>
+              <a:t>За счет учета этого фактора возможно улучшить результаты уже существующих методов.</a:t>
+            </a:r>
+          </a:p>
+        </p:txBody>
+      </p:sp>
+      <p:sp>
+        <p:nvSpPr>
+          <p:cNvPr id="6" name="Google Shape;97;p15">
+            <a:extLst>
+              <a:ext uri="{FF2B5EF4-FFF2-40B4-BE49-F238E27FC236}">
+                <a16:creationId xmlns:a16="http://schemas.microsoft.com/office/drawing/2014/main" id="{CAB7FE51-252E-92A6-D4C5-D492B066DA37}"/>
               </a:ext>
             </a:extLst>
           </p:cNvPr>
@@ -7522,21 +8980,19 @@
       </p:sp>
       <p:pic>
         <p:nvPicPr>
-          <p:cNvPr id="8" name="Объект 7">
-            <a:extLst>
-              <a:ext uri="{FF2B5EF4-FFF2-40B4-BE49-F238E27FC236}">
-                <a16:creationId xmlns:a16="http://schemas.microsoft.com/office/drawing/2014/main" id="{9D67330F-65CC-6F09-0754-0E9C66CED62D}"/>
+          <p:cNvPr id="5" name="Рисунок 4">
+            <a:extLst>
+              <a:ext uri="{FF2B5EF4-FFF2-40B4-BE49-F238E27FC236}">
+                <a16:creationId xmlns:a16="http://schemas.microsoft.com/office/drawing/2014/main" id="{105D60E8-3EA9-34B9-50BD-AADB67D183BF}"/>
               </a:ext>
             </a:extLst>
           </p:cNvPr>
           <p:cNvPicPr>
-            <a:picLocks noGrp="1" noChangeAspect="1"/>
+            <a:picLocks noChangeAspect="1"/>
           </p:cNvPicPr>
-          <p:nvPr>
-            <p:ph idx="1"/>
-          </p:nvPr>
+          <p:nvPr/>
         </p:nvPicPr>
-        <p:blipFill rotWithShape="1">
+        <p:blipFill>
           <a:blip r:embed="rId2">
             <a:extLst>
               <a:ext uri="{28A0092B-C50C-407E-A947-70E740481C1C}">
@@ -7544,20 +9000,138 @@
               </a:ext>
             </a:extLst>
           </a:blip>
-          <a:srcRect l="436" t="14975" r="516" b="9067"/>
-          <a:stretch/>
+          <a:stretch>
+            <a:fillRect/>
+          </a:stretch>
         </p:blipFill>
         <p:spPr>
           <a:xfrm>
-            <a:off x="838199" y="1428749"/>
-            <a:ext cx="8562976" cy="4369638"/>
+            <a:off x="838201" y="2417030"/>
+            <a:ext cx="4953000" cy="3714750"/>
           </a:xfrm>
+          <a:prstGeom prst="rect">
+            <a:avLst/>
+          </a:prstGeom>
         </p:spPr>
       </p:pic>
+      <p:pic>
+        <p:nvPicPr>
+          <p:cNvPr id="9" name="Рисунок 8">
+            <a:extLst>
+              <a:ext uri="{FF2B5EF4-FFF2-40B4-BE49-F238E27FC236}">
+                <a16:creationId xmlns:a16="http://schemas.microsoft.com/office/drawing/2014/main" id="{C51ACECA-FF64-10AA-7FFC-7B4CD70C9BBC}"/>
+              </a:ext>
+            </a:extLst>
+          </p:cNvPr>
+          <p:cNvPicPr>
+            <a:picLocks noChangeAspect="1"/>
+          </p:cNvPicPr>
+          <p:nvPr/>
+        </p:nvPicPr>
+        <p:blipFill>
+          <a:blip r:embed="rId3">
+            <a:extLst>
+              <a:ext uri="{28A0092B-C50C-407E-A947-70E740481C1C}">
+                <a14:useLocalDpi xmlns:a14="http://schemas.microsoft.com/office/drawing/2010/main" val="0"/>
+              </a:ext>
+            </a:extLst>
+          </a:blip>
+          <a:stretch>
+            <a:fillRect/>
+          </a:stretch>
+        </p:blipFill>
+        <p:spPr>
+          <a:xfrm>
+            <a:off x="5791201" y="2417030"/>
+            <a:ext cx="4953000" cy="3714750"/>
+          </a:xfrm>
+          <a:prstGeom prst="rect">
+            <a:avLst/>
+          </a:prstGeom>
+        </p:spPr>
+      </p:pic>
+      <p:sp>
+        <p:nvSpPr>
+          <p:cNvPr id="11" name="TextBox 10">
+            <a:extLst>
+              <a:ext uri="{FF2B5EF4-FFF2-40B4-BE49-F238E27FC236}">
+                <a16:creationId xmlns:a16="http://schemas.microsoft.com/office/drawing/2014/main" id="{AF688B22-EBDD-F1BA-5A26-E48E559E8CEE}"/>
+              </a:ext>
+            </a:extLst>
+          </p:cNvPr>
+          <p:cNvSpPr txBox="1"/>
+          <p:nvPr/>
+        </p:nvSpPr>
+        <p:spPr>
+          <a:xfrm>
+            <a:off x="1414463" y="6159471"/>
+            <a:ext cx="3800475" cy="400110"/>
+          </a:xfrm>
+          <a:prstGeom prst="rect">
+            <a:avLst/>
+          </a:prstGeom>
+          <a:noFill/>
+        </p:spPr>
+        <p:txBody>
+          <a:bodyPr wrap="square" rtlCol="0">
+            <a:spAutoFit/>
+          </a:bodyPr>
+          <a:lstStyle/>
+          <a:p>
+            <a:pPr algn="ctr"/>
+            <a:r>
+              <a:rPr lang="ru-RU" sz="2000" dirty="0">
+                <a:latin typeface="Times New Roman" panose="02020603050405020304" pitchFamily="18" charset="0"/>
+                <a:cs typeface="Times New Roman" panose="02020603050405020304" pitchFamily="18" charset="0"/>
+              </a:rPr>
+              <a:t>Акустическая музыка</a:t>
+            </a:r>
+          </a:p>
+        </p:txBody>
+      </p:sp>
+      <p:sp>
+        <p:nvSpPr>
+          <p:cNvPr id="13" name="TextBox 12">
+            <a:extLst>
+              <a:ext uri="{FF2B5EF4-FFF2-40B4-BE49-F238E27FC236}">
+                <a16:creationId xmlns:a16="http://schemas.microsoft.com/office/drawing/2014/main" id="{ABE6AED1-2E92-7D13-F456-CD9EF2275F47}"/>
+              </a:ext>
+            </a:extLst>
+          </p:cNvPr>
+          <p:cNvSpPr txBox="1"/>
+          <p:nvPr/>
+        </p:nvSpPr>
+        <p:spPr>
+          <a:xfrm>
+            <a:off x="6367463" y="6141978"/>
+            <a:ext cx="3800475" cy="400110"/>
+          </a:xfrm>
+          <a:prstGeom prst="rect">
+            <a:avLst/>
+          </a:prstGeom>
+          <a:noFill/>
+        </p:spPr>
+        <p:txBody>
+          <a:bodyPr wrap="square" rtlCol="0">
+            <a:spAutoFit/>
+          </a:bodyPr>
+          <a:lstStyle/>
+          <a:p>
+            <a:pPr algn="ctr"/>
+            <a:r>
+              <a:rPr lang="ru-RU" sz="2000" dirty="0">
+                <a:latin typeface="Times New Roman" panose="02020603050405020304" pitchFamily="18" charset="0"/>
+                <a:cs typeface="Times New Roman" panose="02020603050405020304" pitchFamily="18" charset="0"/>
+              </a:rPr>
+              <a:t>Рок-музыка</a:t>
+            </a:r>
+          </a:p>
+        </p:txBody>
+      </p:sp>
     </p:spTree>
     <p:extLst>
       <p:ext uri="{BB962C8B-B14F-4D97-AF65-F5344CB8AC3E}">
-        <p14:creationId xmlns:p14="http://schemas.microsoft.com/office/powerpoint/2010/main" val="3407606741"/>
+        <p14:creationId xmlns:p14="http://schemas.microsoft.com/office/powerpoint/2010/main" val="3827689549"/>
       </p:ext>
     </p:extLst>
   </p:cSld>
@@ -7589,7 +9163,7 @@
           <p:cNvPr id="2" name="Заголовок 1">
             <a:extLst>
               <a:ext uri="{FF2B5EF4-FFF2-40B4-BE49-F238E27FC236}">
-                <a16:creationId xmlns:a16="http://schemas.microsoft.com/office/drawing/2014/main" id="{0B35A163-A719-3F98-32F2-5AB2F8500D3B}"/>
+                <a16:creationId xmlns:a16="http://schemas.microsoft.com/office/drawing/2014/main" id="{CF8C9FE2-68C0-1DA2-34A4-ED35531073B3}"/>
               </a:ext>
             </a:extLst>
           </p:cNvPr>
@@ -7602,7 +9176,7 @@
         </p:nvSpPr>
         <p:spPr>
           <a:xfrm>
-            <a:off x="838200" y="193675"/>
+            <a:off x="838200" y="250825"/>
             <a:ext cx="10515600" cy="1325563"/>
           </a:xfrm>
         </p:spPr>
@@ -7615,270 +9189,198 @@
                 <a:latin typeface="Times New Roman" panose="02020603050405020304" pitchFamily="18" charset="0"/>
                 <a:cs typeface="Times New Roman" panose="02020603050405020304" pitchFamily="18" charset="0"/>
               </a:rPr>
-              <a:t>Применение результатов моделирования к аудио фрагменту</a:t>
-            </a:r>
-          </a:p>
-        </p:txBody>
-      </p:sp>
-      <mc:AlternateContent xmlns:mc="http://schemas.openxmlformats.org/markup-compatibility/2006">
-        <mc:Choice xmlns:a14="http://schemas.microsoft.com/office/drawing/2010/main" Requires="a14">
-          <p:sp>
-            <p:nvSpPr>
-              <p:cNvPr id="3" name="Объект 2">
-                <a:extLst>
-                  <a:ext uri="{FF2B5EF4-FFF2-40B4-BE49-F238E27FC236}">
-                    <a16:creationId xmlns:a16="http://schemas.microsoft.com/office/drawing/2014/main" id="{1B6FA12C-BEB6-476B-C390-A2963C9ED6E9}"/>
-                  </a:ext>
-                </a:extLst>
-              </p:cNvPr>
-              <p:cNvSpPr>
-                <a:spLocks noGrp="1"/>
-              </p:cNvSpPr>
-              <p:nvPr>
-                <p:ph idx="1"/>
-              </p:nvPr>
-            </p:nvSpPr>
-            <p:spPr>
-              <a:xfrm>
-                <a:off x="7148899" y="1857375"/>
-                <a:ext cx="4781550" cy="4657240"/>
-              </a:xfrm>
-            </p:spPr>
-            <p:txBody>
-              <a:bodyPr>
-                <a:normAutofit/>
-              </a:bodyPr>
-              <a:lstStyle/>
-              <a:p>
-                <a:pPr marL="0" indent="0">
-                  <a:buNone/>
-                </a:pPr>
-                <a:r>
-                  <a:rPr lang="ru-RU" sz="2400" dirty="0">
-                    <a:latin typeface="Times New Roman" panose="02020603050405020304" pitchFamily="18" charset="0"/>
-                    <a:cs typeface="Times New Roman" panose="02020603050405020304" pitchFamily="18" charset="0"/>
-                  </a:rPr>
-                  <a:t>Корректировка темпа коэффициентом жанра:</a:t>
-                </a:r>
-              </a:p>
-              <a:p>
-                <a:pPr marL="0" indent="0">
-                  <a:buNone/>
-                </a:pPr>
-                <a14:m>
-                  <m:oMath xmlns:m="http://schemas.openxmlformats.org/officeDocument/2006/math">
-                    <m:r>
-                      <a:rPr lang="en-US" sz="2400" b="0" i="1" smtClean="0">
-                        <a:latin typeface="Cambria Math" panose="02040503050406030204" pitchFamily="18" charset="0"/>
-                        <a:cs typeface="Times New Roman" panose="02020603050405020304" pitchFamily="18" charset="0"/>
-                      </a:rPr>
-                      <m:t>𝑡</m:t>
-                    </m:r>
-                    <m:r>
-                      <a:rPr lang="en-US" sz="2400" b="0" i="1" smtClean="0">
-                        <a:latin typeface="Cambria Math" panose="02040503050406030204" pitchFamily="18" charset="0"/>
-                        <a:cs typeface="Times New Roman" panose="02020603050405020304" pitchFamily="18" charset="0"/>
-                      </a:rPr>
-                      <m:t>=</m:t>
-                    </m:r>
-                    <m:r>
-                      <a:rPr lang="en-US" sz="2400" b="0" i="1" smtClean="0">
-                        <a:latin typeface="Cambria Math" panose="02040503050406030204" pitchFamily="18" charset="0"/>
-                        <a:cs typeface="Times New Roman" panose="02020603050405020304" pitchFamily="18" charset="0"/>
-                      </a:rPr>
-                      <m:t>𝑡𝑒𝑚𝑝𝑜</m:t>
-                    </m:r>
-                    <m:r>
-                      <a:rPr lang="en-US" sz="2400" b="0" i="1" smtClean="0">
-                        <a:latin typeface="Cambria Math" panose="02040503050406030204" pitchFamily="18" charset="0"/>
-                        <a:cs typeface="Times New Roman" panose="02020603050405020304" pitchFamily="18" charset="0"/>
-                      </a:rPr>
-                      <m:t>+</m:t>
-                    </m:r>
-                    <m:r>
-                      <a:rPr lang="en-US" sz="2400" b="0" i="1" smtClean="0">
-                        <a:latin typeface="Cambria Math" panose="02040503050406030204" pitchFamily="18" charset="0"/>
-                        <a:cs typeface="Times New Roman" panose="02020603050405020304" pitchFamily="18" charset="0"/>
-                      </a:rPr>
-                      <m:t>𝑐</m:t>
-                    </m:r>
-                    <m:r>
-                      <a:rPr lang="en-US" sz="2400" b="0" i="1" smtClean="0">
-                        <a:latin typeface="Cambria Math" panose="02040503050406030204" pitchFamily="18" charset="0"/>
-                        <a:cs typeface="Times New Roman" panose="02020603050405020304" pitchFamily="18" charset="0"/>
-                      </a:rPr>
-                      <m:t>∗</m:t>
-                    </m:r>
-                    <m:r>
-                      <a:rPr lang="en-US" sz="2400" b="0" i="1" smtClean="0">
-                        <a:latin typeface="Cambria Math" panose="02040503050406030204" pitchFamily="18" charset="0"/>
-                        <a:ea typeface="Cambria Math" panose="02040503050406030204" pitchFamily="18" charset="0"/>
-                        <a:cs typeface="Times New Roman" panose="02020603050405020304" pitchFamily="18" charset="0"/>
-                      </a:rPr>
-                      <m:t>𝜎</m:t>
-                    </m:r>
-                  </m:oMath>
-                </a14:m>
-                <a:r>
-                  <a:rPr lang="en-US" sz="2400" dirty="0">
-                    <a:latin typeface="Times New Roman" panose="02020603050405020304" pitchFamily="18" charset="0"/>
-                    <a:cs typeface="Times New Roman" panose="02020603050405020304" pitchFamily="18" charset="0"/>
-                  </a:rPr>
-                  <a:t>,</a:t>
-                </a:r>
-                <a:r>
-                  <a:rPr lang="ru-RU" sz="2400" dirty="0">
-                    <a:latin typeface="Times New Roman" panose="02020603050405020304" pitchFamily="18" charset="0"/>
-                    <a:cs typeface="Times New Roman" panose="02020603050405020304" pitchFamily="18" charset="0"/>
-                  </a:rPr>
-                  <a:t>                       (2)</a:t>
-                </a:r>
-                <a:endParaRPr lang="en-US" sz="2400" dirty="0">
-                  <a:latin typeface="Times New Roman" panose="02020603050405020304" pitchFamily="18" charset="0"/>
-                  <a:cs typeface="Times New Roman" panose="02020603050405020304" pitchFamily="18" charset="0"/>
-                </a:endParaRPr>
-              </a:p>
-              <a:p>
-                <a:pPr marL="0" indent="0">
-                  <a:buNone/>
-                </a:pPr>
-                <a:r>
-                  <a:rPr lang="en-US" sz="2400" dirty="0">
-                    <a:latin typeface="Times New Roman" panose="02020603050405020304" pitchFamily="18" charset="0"/>
-                    <a:cs typeface="Times New Roman" panose="02020603050405020304" pitchFamily="18" charset="0"/>
-                  </a:rPr>
-                  <a:t>t – </a:t>
-                </a:r>
-                <a:r>
-                  <a:rPr lang="ru-RU" sz="2400" dirty="0">
-                    <a:latin typeface="Times New Roman" panose="02020603050405020304" pitchFamily="18" charset="0"/>
-                    <a:cs typeface="Times New Roman" panose="02020603050405020304" pitchFamily="18" charset="0"/>
-                  </a:rPr>
-                  <a:t>итоговый темп, </a:t>
-                </a:r>
-              </a:p>
-              <a:p>
-                <a:pPr marL="0" indent="0">
-                  <a:buNone/>
-                </a:pPr>
-                <a:r>
-                  <a:rPr lang="en-US" sz="2400" dirty="0">
-                    <a:latin typeface="Times New Roman" panose="02020603050405020304" pitchFamily="18" charset="0"/>
-                    <a:cs typeface="Times New Roman" panose="02020603050405020304" pitchFamily="18" charset="0"/>
-                  </a:rPr>
-                  <a:t>tempo – </a:t>
-                </a:r>
-                <a:r>
-                  <a:rPr lang="ru-RU" sz="2400" dirty="0">
-                    <a:latin typeface="Times New Roman" panose="02020603050405020304" pitchFamily="18" charset="0"/>
-                    <a:cs typeface="Times New Roman" panose="02020603050405020304" pitchFamily="18" charset="0"/>
-                  </a:rPr>
-                  <a:t>темп, найденный применением результатов моделирования к фрагменту,</a:t>
-                </a:r>
-              </a:p>
-              <a:p>
-                <a:pPr marL="0" indent="0">
-                  <a:buNone/>
-                </a:pPr>
-                <a:r>
-                  <a:rPr lang="ru-RU" sz="2400" dirty="0">
-                    <a:latin typeface="Times New Roman" panose="02020603050405020304" pitchFamily="18" charset="0"/>
-                    <a:cs typeface="Times New Roman" panose="02020603050405020304" pitchFamily="18" charset="0"/>
-                  </a:rPr>
-                  <a:t>с</a:t>
-                </a:r>
-                <a:r>
-                  <a:rPr lang="en-US" sz="2400" dirty="0">
-                    <a:latin typeface="Times New Roman" panose="02020603050405020304" pitchFamily="18" charset="0"/>
-                    <a:cs typeface="Times New Roman" panose="02020603050405020304" pitchFamily="18" charset="0"/>
-                  </a:rPr>
-                  <a:t> – </a:t>
-                </a:r>
-                <a:r>
-                  <a:rPr lang="ru-RU" sz="2400" dirty="0">
-                    <a:latin typeface="Times New Roman" panose="02020603050405020304" pitchFamily="18" charset="0"/>
-                    <a:cs typeface="Times New Roman" panose="02020603050405020304" pitchFamily="18" charset="0"/>
-                  </a:rPr>
-                  <a:t>коэффициент жанра,</a:t>
-                </a:r>
-              </a:p>
-              <a:p>
-                <a:pPr marL="0" indent="0">
-                  <a:buNone/>
-                </a:pPr>
-                <a14:m>
-                  <m:oMath xmlns:m="http://schemas.openxmlformats.org/officeDocument/2006/math">
-                    <m:r>
-                      <a:rPr lang="en-US" sz="2400" b="0" i="1" smtClean="0">
-                        <a:latin typeface="Cambria Math" panose="02040503050406030204" pitchFamily="18" charset="0"/>
-                        <a:ea typeface="Cambria Math" panose="02040503050406030204" pitchFamily="18" charset="0"/>
-                        <a:cs typeface="Times New Roman" panose="02020603050405020304" pitchFamily="18" charset="0"/>
-                      </a:rPr>
-                      <m:t>𝜎</m:t>
-                    </m:r>
-                  </m:oMath>
-                </a14:m>
-                <a:r>
-                  <a:rPr lang="ru-RU" sz="2400" dirty="0">
-                    <a:latin typeface="Times New Roman" panose="02020603050405020304" pitchFamily="18" charset="0"/>
-                    <a:cs typeface="Times New Roman" panose="02020603050405020304" pitchFamily="18" charset="0"/>
-                  </a:rPr>
-                  <a:t> – дисперсия априорного распределения темпа.</a:t>
-                </a:r>
-              </a:p>
-            </p:txBody>
-          </p:sp>
-        </mc:Choice>
-        <mc:Fallback>
-          <p:sp>
-            <p:nvSpPr>
-              <p:cNvPr id="3" name="Объект 2">
-                <a:extLst>
-                  <a:ext uri="{FF2B5EF4-FFF2-40B4-BE49-F238E27FC236}">
-                    <a16:creationId xmlns:a16="http://schemas.microsoft.com/office/drawing/2014/main" id="{1B6FA12C-BEB6-476B-C390-A2963C9ED6E9}"/>
-                  </a:ext>
-                </a:extLst>
-              </p:cNvPr>
-              <p:cNvSpPr>
-                <a:spLocks noGrp="1" noRot="1" noChangeAspect="1" noMove="1" noResize="1" noEditPoints="1" noAdjustHandles="1" noChangeArrowheads="1" noChangeShapeType="1" noTextEdit="1"/>
-              </p:cNvSpPr>
-              <p:nvPr>
-                <p:ph idx="1"/>
-              </p:nvPr>
-            </p:nvSpPr>
-            <p:spPr>
-              <a:xfrm>
-                <a:off x="7148899" y="1857375"/>
-                <a:ext cx="4781550" cy="4657240"/>
-              </a:xfrm>
-              <a:blipFill>
-                <a:blip r:embed="rId2"/>
-                <a:stretch>
-                  <a:fillRect l="-2041" t="-1832" r="-1148"/>
-                </a:stretch>
-              </a:blipFill>
-            </p:spPr>
-            <p:txBody>
-              <a:bodyPr/>
-              <a:lstStyle/>
-              <a:p>
-                <a:r>
-                  <a:rPr lang="ru-RU">
-                    <a:noFill/>
-                  </a:rPr>
-                  <a:t> </a:t>
-                </a:r>
-              </a:p>
-            </p:txBody>
-          </p:sp>
-        </mc:Fallback>
-      </mc:AlternateContent>
+              <a:t>Иерархический подход к байесовскому моделированию</a:t>
+            </a:r>
+          </a:p>
+        </p:txBody>
+      </p:sp>
+      <p:sp>
+        <p:nvSpPr>
+          <p:cNvPr id="3" name="Объект 2">
+            <a:extLst>
+              <a:ext uri="{FF2B5EF4-FFF2-40B4-BE49-F238E27FC236}">
+                <a16:creationId xmlns:a16="http://schemas.microsoft.com/office/drawing/2014/main" id="{4C33000C-92A9-47EE-2608-3CDA71E15597}"/>
+              </a:ext>
+            </a:extLst>
+          </p:cNvPr>
+          <p:cNvSpPr>
+            <a:spLocks noGrp="1"/>
+          </p:cNvSpPr>
+          <p:nvPr>
+            <p:ph idx="1"/>
+          </p:nvPr>
+        </p:nvSpPr>
+        <p:spPr>
+          <a:xfrm>
+            <a:off x="6981825" y="1846263"/>
+            <a:ext cx="4657725" cy="4425949"/>
+          </a:xfrm>
+        </p:spPr>
+        <p:txBody>
+          <a:bodyPr>
+            <a:normAutofit/>
+          </a:bodyPr>
+          <a:lstStyle/>
+          <a:p>
+            <a:pPr marL="0" indent="0">
+              <a:buNone/>
+            </a:pPr>
+            <a:r>
+              <a:rPr lang="en-US" sz="2400" dirty="0">
+                <a:latin typeface="Times New Roman" panose="02020603050405020304" pitchFamily="18" charset="0"/>
+                <a:cs typeface="Times New Roman" panose="02020603050405020304" pitchFamily="18" charset="0"/>
+              </a:rPr>
+              <a:t>t –</a:t>
+            </a:r>
+            <a:r>
+              <a:rPr lang="ru-RU" sz="2400" dirty="0">
+                <a:latin typeface="Times New Roman" panose="02020603050405020304" pitchFamily="18" charset="0"/>
+                <a:cs typeface="Times New Roman" panose="02020603050405020304" pitchFamily="18" charset="0"/>
+              </a:rPr>
+              <a:t> темпы для жанра,</a:t>
+            </a:r>
+          </a:p>
+          <a:p>
+            <a:pPr marL="0" indent="0">
+              <a:buNone/>
+            </a:pPr>
+            <a:r>
+              <a:rPr lang="en-US" sz="2400" dirty="0">
+                <a:latin typeface="Times New Roman" panose="02020603050405020304" pitchFamily="18" charset="0"/>
+                <a:cs typeface="Times New Roman" panose="02020603050405020304" pitchFamily="18" charset="0"/>
+              </a:rPr>
+              <a:t>g – </a:t>
+            </a:r>
+            <a:r>
+              <a:rPr lang="ru-RU" sz="2400" dirty="0">
+                <a:latin typeface="Times New Roman" panose="02020603050405020304" pitchFamily="18" charset="0"/>
+                <a:cs typeface="Times New Roman" panose="02020603050405020304" pitchFamily="18" charset="0"/>
+              </a:rPr>
+              <a:t>коэффициент жанра анализируемой музыки,</a:t>
+            </a:r>
+          </a:p>
+          <a:p>
+            <a:pPr marL="0" indent="0">
+              <a:buNone/>
+            </a:pPr>
+            <a:r>
+              <a:rPr lang="en-US" sz="2400" dirty="0">
+                <a:latin typeface="Times New Roman" panose="02020603050405020304" pitchFamily="18" charset="0"/>
+                <a:cs typeface="Times New Roman" panose="02020603050405020304" pitchFamily="18" charset="0"/>
+              </a:rPr>
+              <a:t>P(t), P(g) – </a:t>
+            </a:r>
+            <a:r>
+              <a:rPr lang="ru-RU" sz="2400" dirty="0">
+                <a:latin typeface="Times New Roman" panose="02020603050405020304" pitchFamily="18" charset="0"/>
+                <a:cs typeface="Times New Roman" panose="02020603050405020304" pitchFamily="18" charset="0"/>
+              </a:rPr>
+              <a:t>априорные распределения темпа и значений коэффициентов жанра,</a:t>
+            </a:r>
+          </a:p>
+          <a:p>
+            <a:pPr marL="0" indent="0">
+              <a:buNone/>
+            </a:pPr>
+            <a:r>
+              <a:rPr lang="en-US" sz="2400" dirty="0" err="1">
+                <a:latin typeface="Times New Roman" panose="02020603050405020304" pitchFamily="18" charset="0"/>
+                <a:cs typeface="Times New Roman" panose="02020603050405020304" pitchFamily="18" charset="0"/>
+              </a:rPr>
+              <a:t>likelihood_params</a:t>
+            </a:r>
+            <a:r>
+              <a:rPr lang="en-US" sz="2400" dirty="0">
+                <a:latin typeface="Times New Roman" panose="02020603050405020304" pitchFamily="18" charset="0"/>
+                <a:cs typeface="Times New Roman" panose="02020603050405020304" pitchFamily="18" charset="0"/>
+              </a:rPr>
+              <a:t> – </a:t>
+            </a:r>
+            <a:r>
+              <a:rPr lang="ru-RU" sz="2400" dirty="0">
+                <a:latin typeface="Times New Roman" panose="02020603050405020304" pitchFamily="18" charset="0"/>
+                <a:cs typeface="Times New Roman" panose="02020603050405020304" pitchFamily="18" charset="0"/>
+              </a:rPr>
+              <a:t>распределение параметров функции правдоподобия,</a:t>
+            </a:r>
+          </a:p>
+          <a:p>
+            <a:pPr marL="0" indent="0">
+              <a:buNone/>
+            </a:pPr>
+            <a:r>
+              <a:rPr lang="en-US" sz="2400" dirty="0">
+                <a:latin typeface="Times New Roman" panose="02020603050405020304" pitchFamily="18" charset="0"/>
+                <a:cs typeface="Times New Roman" panose="02020603050405020304" pitchFamily="18" charset="0"/>
+              </a:rPr>
+              <a:t>P(</a:t>
+            </a:r>
+            <a:r>
+              <a:rPr lang="en-US" sz="2400" dirty="0" err="1">
+                <a:latin typeface="Times New Roman" panose="02020603050405020304" pitchFamily="18" charset="0"/>
+                <a:cs typeface="Times New Roman" panose="02020603050405020304" pitchFamily="18" charset="0"/>
+              </a:rPr>
+              <a:t>d|t</a:t>
+            </a:r>
+            <a:r>
+              <a:rPr lang="en-US" sz="2400" dirty="0">
+                <a:latin typeface="Times New Roman" panose="02020603050405020304" pitchFamily="18" charset="0"/>
+                <a:cs typeface="Times New Roman" panose="02020603050405020304" pitchFamily="18" charset="0"/>
+              </a:rPr>
+              <a:t>) – </a:t>
+            </a:r>
+            <a:r>
+              <a:rPr lang="ru-RU" sz="2400" dirty="0">
+                <a:latin typeface="Times New Roman" panose="02020603050405020304" pitchFamily="18" charset="0"/>
+                <a:cs typeface="Times New Roman" panose="02020603050405020304" pitchFamily="18" charset="0"/>
+              </a:rPr>
+              <a:t>функция правдоподобия.</a:t>
+            </a:r>
+          </a:p>
+        </p:txBody>
+      </p:sp>
+      <p:pic>
+        <p:nvPicPr>
+          <p:cNvPr id="5" name="Рисунок 4">
+            <a:extLst>
+              <a:ext uri="{FF2B5EF4-FFF2-40B4-BE49-F238E27FC236}">
+                <a16:creationId xmlns:a16="http://schemas.microsoft.com/office/drawing/2014/main" id="{3C7EAA97-CD7C-7971-027B-05D91AEAD01C}"/>
+              </a:ext>
+            </a:extLst>
+          </p:cNvPr>
+          <p:cNvPicPr>
+            <a:picLocks noChangeAspect="1"/>
+          </p:cNvPicPr>
+          <p:nvPr/>
+        </p:nvPicPr>
+        <p:blipFill>
+          <a:blip r:embed="rId2">
+            <a:extLst>
+              <a:ext uri="{28A0092B-C50C-407E-A947-70E740481C1C}">
+                <a14:useLocalDpi xmlns:a14="http://schemas.microsoft.com/office/drawing/2010/main" val="0"/>
+              </a:ext>
+            </a:extLst>
+          </a:blip>
+          <a:stretch>
+            <a:fillRect/>
+          </a:stretch>
+        </p:blipFill>
+        <p:spPr>
+          <a:xfrm>
+            <a:off x="838200" y="1846263"/>
+            <a:ext cx="5922231" cy="3868737"/>
+          </a:xfrm>
+          <a:prstGeom prst="rect">
+            <a:avLst/>
+          </a:prstGeom>
+        </p:spPr>
+      </p:pic>
       <p:sp>
         <p:nvSpPr>
           <p:cNvPr id="4" name="Google Shape;97;p15">
             <a:extLst>
               <a:ext uri="{FF2B5EF4-FFF2-40B4-BE49-F238E27FC236}">
-                <a16:creationId xmlns:a16="http://schemas.microsoft.com/office/drawing/2014/main" id="{A3A861BE-0196-7B06-0FD7-0E086F5345A8}"/>
+                <a16:creationId xmlns:a16="http://schemas.microsoft.com/office/drawing/2014/main" id="{E922B1DD-8420-8AD4-17B2-C7432F75096E}"/>
               </a:ext>
             </a:extLst>
           </p:cNvPr>
@@ -7937,46 +9439,10 @@
           </a:p>
         </p:txBody>
       </p:sp>
-      <p:pic>
-        <p:nvPicPr>
-          <p:cNvPr id="6" name="Рисунок 5">
-            <a:extLst>
-              <a:ext uri="{FF2B5EF4-FFF2-40B4-BE49-F238E27FC236}">
-                <a16:creationId xmlns:a16="http://schemas.microsoft.com/office/drawing/2014/main" id="{E2C6A8F0-D5C1-EED5-D892-214D320F9774}"/>
-              </a:ext>
-            </a:extLst>
-          </p:cNvPr>
-          <p:cNvPicPr>
-            <a:picLocks noChangeAspect="1"/>
-          </p:cNvPicPr>
-          <p:nvPr/>
-        </p:nvPicPr>
-        <p:blipFill>
-          <a:blip r:embed="rId3">
-            <a:extLst>
-              <a:ext uri="{28A0092B-C50C-407E-A947-70E740481C1C}">
-                <a14:useLocalDpi xmlns:a14="http://schemas.microsoft.com/office/drawing/2010/main" val="0"/>
-              </a:ext>
-            </a:extLst>
-          </a:blip>
-          <a:stretch>
-            <a:fillRect/>
-          </a:stretch>
-        </p:blipFill>
-        <p:spPr>
-          <a:xfrm>
-            <a:off x="838200" y="1857375"/>
-            <a:ext cx="6106288" cy="4319588"/>
-          </a:xfrm>
-          <a:prstGeom prst="rect">
-            <a:avLst/>
-          </a:prstGeom>
-        </p:spPr>
-      </p:pic>
     </p:spTree>
     <p:extLst>
       <p:ext uri="{BB962C8B-B14F-4D97-AF65-F5344CB8AC3E}">
-        <p14:creationId xmlns:p14="http://schemas.microsoft.com/office/powerpoint/2010/main" val="640101116"/>
+        <p14:creationId xmlns:p14="http://schemas.microsoft.com/office/powerpoint/2010/main" val="482712597"/>
       </p:ext>
     </p:extLst>
   </p:cSld>
@@ -8008,7 +9474,7 @@
           <p:cNvPr id="2" name="Заголовок 1">
             <a:extLst>
               <a:ext uri="{FF2B5EF4-FFF2-40B4-BE49-F238E27FC236}">
-                <a16:creationId xmlns:a16="http://schemas.microsoft.com/office/drawing/2014/main" id="{42B34D09-880B-51AE-B0B0-42511C789BA8}"/>
+                <a16:creationId xmlns:a16="http://schemas.microsoft.com/office/drawing/2014/main" id="{866BE199-819C-FC0E-C763-A99B82AC3865}"/>
               </a:ext>
             </a:extLst>
           </p:cNvPr>
@@ -8021,7 +9487,7 @@
         </p:nvSpPr>
         <p:spPr>
           <a:xfrm>
-            <a:off x="838200" y="252412"/>
+            <a:off x="838200" y="90487"/>
             <a:ext cx="10515600" cy="1009651"/>
           </a:xfrm>
         </p:spPr>
@@ -8034,51 +9500,17 @@
                 <a:latin typeface="Times New Roman" panose="02020603050405020304" pitchFamily="18" charset="0"/>
                 <a:cs typeface="Times New Roman" panose="02020603050405020304" pitchFamily="18" charset="0"/>
               </a:rPr>
-              <a:t>Определение переменного ритма</a:t>
-            </a:r>
-          </a:p>
-        </p:txBody>
-      </p:sp>
-      <p:pic>
-        <p:nvPicPr>
-          <p:cNvPr id="5" name="Объект 4">
-            <a:extLst>
-              <a:ext uri="{FF2B5EF4-FFF2-40B4-BE49-F238E27FC236}">
-                <a16:creationId xmlns:a16="http://schemas.microsoft.com/office/drawing/2014/main" id="{D93E6B62-7E6D-E4D6-985F-EB31CD095DCE}"/>
-              </a:ext>
-            </a:extLst>
-          </p:cNvPr>
-          <p:cNvPicPr>
-            <a:picLocks noGrp="1" noChangeAspect="1"/>
-          </p:cNvPicPr>
-          <p:nvPr>
-            <p:ph idx="1"/>
-          </p:nvPr>
-        </p:nvPicPr>
-        <p:blipFill rotWithShape="1">
-          <a:blip r:embed="rId2">
-            <a:extLst>
-              <a:ext uri="{28A0092B-C50C-407E-A947-70E740481C1C}">
-                <a14:useLocalDpi xmlns:a14="http://schemas.microsoft.com/office/drawing/2010/main" val="0"/>
-              </a:ext>
-            </a:extLst>
-          </a:blip>
-          <a:srcRect l="681" t="16917" r="776" b="10009"/>
-          <a:stretch/>
-        </p:blipFill>
-        <p:spPr>
-          <a:xfrm>
-            <a:off x="838199" y="1562100"/>
-            <a:ext cx="9001125" cy="4441500"/>
-          </a:xfrm>
-        </p:spPr>
-      </p:pic>
+              <a:t>Определение переменного темпа</a:t>
+            </a:r>
+          </a:p>
+        </p:txBody>
+      </p:sp>
       <p:sp>
         <p:nvSpPr>
           <p:cNvPr id="3" name="Google Shape;97;p15">
             <a:extLst>
               <a:ext uri="{FF2B5EF4-FFF2-40B4-BE49-F238E27FC236}">
-                <a16:creationId xmlns:a16="http://schemas.microsoft.com/office/drawing/2014/main" id="{3A09EAD4-D5D8-C994-0CB0-797BB4485D4F}"/>
+                <a16:creationId xmlns:a16="http://schemas.microsoft.com/office/drawing/2014/main" id="{4929AC61-D06B-BD00-0277-0860141BEBD7}"/>
               </a:ext>
             </a:extLst>
           </p:cNvPr>
@@ -8137,10 +9569,44 @@
           </a:p>
         </p:txBody>
       </p:sp>
+      <p:pic>
+        <p:nvPicPr>
+          <p:cNvPr id="7" name="Объект 6">
+            <a:extLst>
+              <a:ext uri="{FF2B5EF4-FFF2-40B4-BE49-F238E27FC236}">
+                <a16:creationId xmlns:a16="http://schemas.microsoft.com/office/drawing/2014/main" id="{F9ABE239-285E-3F90-A6E8-F0CF18EEE3C6}"/>
+              </a:ext>
+            </a:extLst>
+          </p:cNvPr>
+          <p:cNvPicPr>
+            <a:picLocks noGrp="1" noChangeAspect="1"/>
+          </p:cNvPicPr>
+          <p:nvPr>
+            <p:ph idx="1"/>
+          </p:nvPr>
+        </p:nvPicPr>
+        <p:blipFill rotWithShape="1">
+          <a:blip r:embed="rId2">
+            <a:extLst>
+              <a:ext uri="{28A0092B-C50C-407E-A947-70E740481C1C}">
+                <a14:useLocalDpi xmlns:a14="http://schemas.microsoft.com/office/drawing/2010/main" val="0"/>
+              </a:ext>
+            </a:extLst>
+          </a:blip>
+          <a:srcRect b="7267"/>
+          <a:stretch/>
+        </p:blipFill>
+        <p:spPr>
+          <a:xfrm>
+            <a:off x="838199" y="1320006"/>
+            <a:ext cx="8582025" cy="5065292"/>
+          </a:xfrm>
+        </p:spPr>
+      </p:pic>
     </p:spTree>
     <p:extLst>
       <p:ext uri="{BB962C8B-B14F-4D97-AF65-F5344CB8AC3E}">
-        <p14:creationId xmlns:p14="http://schemas.microsoft.com/office/powerpoint/2010/main" val="1007309730"/>
+        <p14:creationId xmlns:p14="http://schemas.microsoft.com/office/powerpoint/2010/main" val="3407606741"/>
       </p:ext>
     </p:extLst>
   </p:cSld>

--- a/docs/presentation.pptx
+++ b/docs/presentation.pptx
@@ -276,7 +276,7 @@
           <a:p>
             <a:fld id="{05359567-96E5-485A-B872-33DFBCF803CD}" type="datetimeFigureOut">
               <a:rPr lang="ru-RU" smtClean="0"/>
-              <a:t>12.06.2023</a:t>
+              <a:t>14.06.2023</a:t>
             </a:fld>
             <a:endParaRPr lang="ru-RU"/>
           </a:p>
@@ -474,7 +474,7 @@
           <a:p>
             <a:fld id="{05359567-96E5-485A-B872-33DFBCF803CD}" type="datetimeFigureOut">
               <a:rPr lang="ru-RU" smtClean="0"/>
-              <a:t>12.06.2023</a:t>
+              <a:t>14.06.2023</a:t>
             </a:fld>
             <a:endParaRPr lang="ru-RU"/>
           </a:p>
@@ -682,7 +682,7 @@
           <a:p>
             <a:fld id="{05359567-96E5-485A-B872-33DFBCF803CD}" type="datetimeFigureOut">
               <a:rPr lang="ru-RU" smtClean="0"/>
-              <a:t>12.06.2023</a:t>
+              <a:t>14.06.2023</a:t>
             </a:fld>
             <a:endParaRPr lang="ru-RU"/>
           </a:p>
@@ -880,7 +880,7 @@
           <a:p>
             <a:fld id="{05359567-96E5-485A-B872-33DFBCF803CD}" type="datetimeFigureOut">
               <a:rPr lang="ru-RU" smtClean="0"/>
-              <a:t>12.06.2023</a:t>
+              <a:t>14.06.2023</a:t>
             </a:fld>
             <a:endParaRPr lang="ru-RU"/>
           </a:p>
@@ -1155,7 +1155,7 @@
           <a:p>
             <a:fld id="{05359567-96E5-485A-B872-33DFBCF803CD}" type="datetimeFigureOut">
               <a:rPr lang="ru-RU" smtClean="0"/>
-              <a:t>12.06.2023</a:t>
+              <a:t>14.06.2023</a:t>
             </a:fld>
             <a:endParaRPr lang="ru-RU"/>
           </a:p>
@@ -1420,7 +1420,7 @@
           <a:p>
             <a:fld id="{05359567-96E5-485A-B872-33DFBCF803CD}" type="datetimeFigureOut">
               <a:rPr lang="ru-RU" smtClean="0"/>
-              <a:t>12.06.2023</a:t>
+              <a:t>14.06.2023</a:t>
             </a:fld>
             <a:endParaRPr lang="ru-RU"/>
           </a:p>
@@ -1832,7 +1832,7 @@
           <a:p>
             <a:fld id="{05359567-96E5-485A-B872-33DFBCF803CD}" type="datetimeFigureOut">
               <a:rPr lang="ru-RU" smtClean="0"/>
-              <a:t>12.06.2023</a:t>
+              <a:t>14.06.2023</a:t>
             </a:fld>
             <a:endParaRPr lang="ru-RU"/>
           </a:p>
@@ -1973,7 +1973,7 @@
           <a:p>
             <a:fld id="{05359567-96E5-485A-B872-33DFBCF803CD}" type="datetimeFigureOut">
               <a:rPr lang="ru-RU" smtClean="0"/>
-              <a:t>12.06.2023</a:t>
+              <a:t>14.06.2023</a:t>
             </a:fld>
             <a:endParaRPr lang="ru-RU"/>
           </a:p>
@@ -2086,7 +2086,7 @@
           <a:p>
             <a:fld id="{05359567-96E5-485A-B872-33DFBCF803CD}" type="datetimeFigureOut">
               <a:rPr lang="ru-RU" smtClean="0"/>
-              <a:t>12.06.2023</a:t>
+              <a:t>14.06.2023</a:t>
             </a:fld>
             <a:endParaRPr lang="ru-RU"/>
           </a:p>
@@ -2397,7 +2397,7 @@
           <a:p>
             <a:fld id="{05359567-96E5-485A-B872-33DFBCF803CD}" type="datetimeFigureOut">
               <a:rPr lang="ru-RU" smtClean="0"/>
-              <a:t>12.06.2023</a:t>
+              <a:t>14.06.2023</a:t>
             </a:fld>
             <a:endParaRPr lang="ru-RU"/>
           </a:p>
@@ -2685,7 +2685,7 @@
           <a:p>
             <a:fld id="{05359567-96E5-485A-B872-33DFBCF803CD}" type="datetimeFigureOut">
               <a:rPr lang="ru-RU" smtClean="0"/>
-              <a:t>12.06.2023</a:t>
+              <a:t>14.06.2023</a:t>
             </a:fld>
             <a:endParaRPr lang="ru-RU"/>
           </a:p>
@@ -2926,7 +2926,7 @@
           <a:p>
             <a:fld id="{05359567-96E5-485A-B872-33DFBCF803CD}" type="datetimeFigureOut">
               <a:rPr lang="ru-RU" smtClean="0"/>
-              <a:t>12.06.2023</a:t>
+              <a:t>14.06.2023</a:t>
             </a:fld>
             <a:endParaRPr lang="ru-RU"/>
           </a:p>
@@ -4297,10 +4297,10 @@
       </p:sp>
       <p:pic>
         <p:nvPicPr>
-          <p:cNvPr id="5" name="Рисунок 4">
-            <a:extLst>
-              <a:ext uri="{FF2B5EF4-FFF2-40B4-BE49-F238E27FC236}">
-                <a16:creationId xmlns:a16="http://schemas.microsoft.com/office/drawing/2014/main" id="{05BF6FEC-8786-843A-4906-59E1FA92AA7C}"/>
+          <p:cNvPr id="14" name="Рисунок 13">
+            <a:extLst>
+              <a:ext uri="{FF2B5EF4-FFF2-40B4-BE49-F238E27FC236}">
+                <a16:creationId xmlns:a16="http://schemas.microsoft.com/office/drawing/2014/main" id="{5DDD3D98-524F-9727-2DEA-257F9558ACD0}"/>
               </a:ext>
             </a:extLst>
           </p:cNvPr>
@@ -4317,13 +4317,48 @@
               </a:ext>
             </a:extLst>
           </a:blip>
-          <a:srcRect b="7245"/>
+          <a:srcRect b="35416"/>
           <a:stretch/>
         </p:blipFill>
         <p:spPr>
           <a:xfrm>
-            <a:off x="838200" y="1347787"/>
-            <a:ext cx="9020175" cy="5017955"/>
+            <a:off x="838199" y="1185863"/>
+            <a:ext cx="4333875" cy="5647705"/>
+          </a:xfrm>
+          <a:prstGeom prst="rect">
+            <a:avLst/>
+          </a:prstGeom>
+        </p:spPr>
+      </p:pic>
+      <p:pic>
+        <p:nvPicPr>
+          <p:cNvPr id="16" name="Рисунок 15">
+            <a:extLst>
+              <a:ext uri="{FF2B5EF4-FFF2-40B4-BE49-F238E27FC236}">
+                <a16:creationId xmlns:a16="http://schemas.microsoft.com/office/drawing/2014/main" id="{700C8475-640E-C042-134D-3FBF04FCE158}"/>
+              </a:ext>
+            </a:extLst>
+          </p:cNvPr>
+          <p:cNvPicPr>
+            <a:picLocks noChangeAspect="1"/>
+          </p:cNvPicPr>
+          <p:nvPr/>
+        </p:nvPicPr>
+        <p:blipFill rotWithShape="1">
+          <a:blip r:embed="rId2">
+            <a:extLst>
+              <a:ext uri="{28A0092B-C50C-407E-A947-70E740481C1C}">
+                <a14:useLocalDpi xmlns:a14="http://schemas.microsoft.com/office/drawing/2010/main" val="0"/>
+              </a:ext>
+            </a:extLst>
+          </a:blip>
+          <a:srcRect t="66667" b="-8056"/>
+          <a:stretch/>
+        </p:blipFill>
+        <p:spPr>
+          <a:xfrm>
+            <a:off x="5439600" y="1185863"/>
+            <a:ext cx="4704678" cy="3929062"/>
           </a:xfrm>
           <a:prstGeom prst="rect">
             <a:avLst/>
@@ -4804,8 +4839,8 @@
           </a:p>
         </p:txBody>
       </p:sp>
-      <mc:AlternateContent xmlns:mc="http://schemas.openxmlformats.org/markup-compatibility/2006" xmlns:a14="http://schemas.microsoft.com/office/drawing/2010/main">
-        <mc:Choice Requires="a14">
+      <mc:AlternateContent xmlns:mc="http://schemas.openxmlformats.org/markup-compatibility/2006">
+        <mc:Choice xmlns:a14="http://schemas.microsoft.com/office/drawing/2010/main" Requires="a14">
           <p:sp>
             <p:nvSpPr>
               <p:cNvPr id="4" name="Объект 2">
@@ -4822,8 +4857,8 @@
             </p:nvSpPr>
             <p:spPr>
               <a:xfrm>
-                <a:off x="828675" y="1838325"/>
-                <a:ext cx="4495800" cy="4703763"/>
+                <a:off x="828675" y="1762125"/>
+                <a:ext cx="4495800" cy="4898849"/>
               </a:xfrm>
               <a:prstGeom prst="rect">
                 <a:avLst/>
@@ -5064,7 +5099,6 @@
                         <m:nary>
                           <m:naryPr>
                             <m:chr m:val="∑"/>
-                            <m:supHide m:val="on"/>
                             <m:ctrlPr>
                               <a:rPr lang="en-US" sz="2400" i="1" smtClean="0">
                                 <a:latin typeface="Cambria Math" panose="02040503050406030204" pitchFamily="18" charset="0"/>
@@ -5075,7 +5109,7 @@
                           <m:sub>
                             <m:r>
                               <m:rPr>
-                                <m:brk m:alnAt="7"/>
+                                <m:brk m:alnAt="23"/>
                               </m:rPr>
                               <a:rPr lang="en-US" sz="2400" b="0" i="1" smtClean="0">
                                 <a:latin typeface="Cambria Math" panose="02040503050406030204" pitchFamily="18" charset="0"/>
@@ -5083,13 +5117,28 @@
                               </a:rPr>
                               <m:t>𝑡</m:t>
                             </m:r>
+                            <m:r>
+                              <a:rPr lang="en-US" sz="2400" b="0" i="1" smtClean="0">
+                                <a:latin typeface="Cambria Math" panose="02040503050406030204" pitchFamily="18" charset="0"/>
+                                <a:cs typeface="Times New Roman" panose="02020603050405020304" pitchFamily="18" charset="0"/>
+                              </a:rPr>
+                              <m:t>=1</m:t>
+                            </m:r>
                           </m:sub>
-                          <m:sup/>
+                          <m:sup>
+                            <m:r>
+                              <a:rPr lang="en-US" sz="2400" b="0" i="1" smtClean="0">
+                                <a:latin typeface="Cambria Math" panose="02040503050406030204" pitchFamily="18" charset="0"/>
+                                <a:cs typeface="Times New Roman" panose="02020603050405020304" pitchFamily="18" charset="0"/>
+                              </a:rPr>
+                              <m:t>𝑛</m:t>
+                            </m:r>
+                          </m:sup>
                           <m:e>
                             <m:f>
                               <m:fPr>
                                 <m:ctrlPr>
-                                  <a:rPr lang="en-US" sz="2400" i="1" smtClean="0">
+                                  <a:rPr lang="en-US" sz="2400" i="1">
                                     <a:latin typeface="Cambria Math" panose="02040503050406030204" pitchFamily="18" charset="0"/>
                                     <a:cs typeface="Times New Roman" panose="02020603050405020304" pitchFamily="18" charset="0"/>
                                   </a:rPr>
@@ -5097,14 +5146,14 @@
                               </m:fPr>
                               <m:num>
                                 <m:r>
-                                  <a:rPr lang="en-US" sz="2400" b="0" i="1" smtClean="0">
+                                  <a:rPr lang="en-US" sz="2400" i="1">
                                     <a:latin typeface="Cambria Math" panose="02040503050406030204" pitchFamily="18" charset="0"/>
                                     <a:cs typeface="Times New Roman" panose="02020603050405020304" pitchFamily="18" charset="0"/>
                                   </a:rPr>
                                   <m:t>|</m:t>
                                 </m:r>
                                 <m:r>
-                                  <a:rPr lang="en-US" sz="2400" i="1" smtClean="0">
+                                  <a:rPr lang="en-US" sz="2400" i="1">
                                     <a:latin typeface="Cambria Math" panose="02040503050406030204" pitchFamily="18" charset="0"/>
                                     <a:ea typeface="Cambria Math" panose="02040503050406030204" pitchFamily="18" charset="0"/>
                                     <a:cs typeface="Times New Roman" panose="02020603050405020304" pitchFamily="18" charset="0"/>
@@ -5112,7 +5161,7 @@
                                   <m:t>𝜃</m:t>
                                 </m:r>
                                 <m:r>
-                                  <a:rPr lang="en-US" sz="2400" b="0" i="1" smtClean="0">
+                                  <a:rPr lang="en-US" sz="2400" i="1">
                                     <a:latin typeface="Cambria Math" panose="02040503050406030204" pitchFamily="18" charset="0"/>
                                     <a:ea typeface="Cambria Math" panose="02040503050406030204" pitchFamily="18" charset="0"/>
                                     <a:cs typeface="Times New Roman" panose="02020603050405020304" pitchFamily="18" charset="0"/>
@@ -5122,7 +5171,7 @@
                                 <m:sSub>
                                   <m:sSubPr>
                                     <m:ctrlPr>
-                                      <a:rPr lang="en-US" sz="2400" b="0" i="1" smtClean="0">
+                                      <a:rPr lang="en-US" sz="2400" i="1">
                                         <a:latin typeface="Cambria Math" panose="02040503050406030204" pitchFamily="18" charset="0"/>
                                         <a:ea typeface="Cambria Math" panose="02040503050406030204" pitchFamily="18" charset="0"/>
                                         <a:cs typeface="Times New Roman" panose="02020603050405020304" pitchFamily="18" charset="0"/>
@@ -5131,7 +5180,7 @@
                                   </m:sSubPr>
                                   <m:e>
                                     <m:r>
-                                      <a:rPr lang="en-US" sz="2400" b="0" i="1" smtClean="0">
+                                      <a:rPr lang="en-US" sz="2400" i="1">
                                         <a:latin typeface="Cambria Math" panose="02040503050406030204" pitchFamily="18" charset="0"/>
                                         <a:ea typeface="Cambria Math" panose="02040503050406030204" pitchFamily="18" charset="0"/>
                                         <a:cs typeface="Times New Roman" panose="02020603050405020304" pitchFamily="18" charset="0"/>
@@ -5141,7 +5190,7 @@
                                   </m:e>
                                   <m:sub>
                                     <m:r>
-                                      <a:rPr lang="ru-RU" sz="2400" b="0" i="1" smtClean="0">
+                                      <a:rPr lang="ru-RU" sz="2400" i="1">
                                         <a:latin typeface="Cambria Math" panose="02040503050406030204" pitchFamily="18" charset="0"/>
                                         <a:ea typeface="Cambria Math" panose="02040503050406030204" pitchFamily="18" charset="0"/>
                                         <a:cs typeface="Times New Roman" panose="02020603050405020304" pitchFamily="18" charset="0"/>
@@ -5151,7 +5200,7 @@
                                   </m:sub>
                                 </m:sSub>
                                 <m:r>
-                                  <a:rPr lang="en-US" sz="2400" b="0" i="1" smtClean="0">
+                                  <a:rPr lang="en-US" sz="2400" i="1">
                                     <a:latin typeface="Cambria Math" panose="02040503050406030204" pitchFamily="18" charset="0"/>
                                     <a:ea typeface="Cambria Math" panose="02040503050406030204" pitchFamily="18" charset="0"/>
                                     <a:cs typeface="Times New Roman" panose="02020603050405020304" pitchFamily="18" charset="0"/>
@@ -5377,7 +5426,7 @@
                     <a:latin typeface="Times New Roman" panose="02020603050405020304" pitchFamily="18" charset="0"/>
                     <a:cs typeface="Times New Roman" panose="02020603050405020304" pitchFamily="18" charset="0"/>
                   </a:rPr>
-                  <a:t>временной промежуток,</a:t>
+                  <a:t>номер временного промежутка,</a:t>
                 </a:r>
               </a:p>
               <a:p>
@@ -5407,7 +5456,7 @@
             </p:txBody>
           </p:sp>
         </mc:Choice>
-        <mc:Fallback xmlns="">
+        <mc:Fallback>
           <p:sp>
             <p:nvSpPr>
               <p:cNvPr id="4" name="Объект 2">
@@ -5424,8 +5473,8 @@
             </p:nvSpPr>
             <p:spPr>
               <a:xfrm>
-                <a:off x="828675" y="1838325"/>
-                <a:ext cx="4495800" cy="4703763"/>
+                <a:off x="828675" y="1762125"/>
+                <a:ext cx="4495800" cy="4898849"/>
               </a:xfrm>
               <a:prstGeom prst="rect">
                 <a:avLst/>
@@ -5433,7 +5482,7 @@
               <a:blipFill>
                 <a:blip r:embed="rId4"/>
                 <a:stretch>
-                  <a:fillRect l="-2171" t="-2594" b="-519"/>
+                  <a:fillRect l="-2171" t="-2488" b="-2363"/>
                 </a:stretch>
               </a:blipFill>
             </p:spPr>
@@ -7287,7 +7336,7 @@
           </p:cNvPicPr>
           <p:nvPr/>
         </p:nvPicPr>
-        <p:blipFill>
+        <p:blipFill rotWithShape="1">
           <a:blip r:embed="rId2">
             <a:extLst>
               <a:ext uri="{28A0092B-C50C-407E-A947-70E740481C1C}">
@@ -7295,14 +7344,13 @@
               </a:ext>
             </a:extLst>
           </a:blip>
-          <a:stretch>
-            <a:fillRect/>
-          </a:stretch>
+          <a:srcRect b="16423"/>
+          <a:stretch/>
         </p:blipFill>
         <p:spPr>
           <a:xfrm>
             <a:off x="838200" y="1533525"/>
-            <a:ext cx="6543675" cy="2609850"/>
+            <a:ext cx="6543675" cy="2181225"/>
           </a:xfrm>
           <a:prstGeom prst="rect">
             <a:avLst/>
@@ -8326,7 +8374,7 @@
                     <a:latin typeface="Times New Roman" panose="02020603050405020304" pitchFamily="18" charset="0"/>
                     <a:cs typeface="Times New Roman" panose="02020603050405020304" pitchFamily="18" charset="0"/>
                   </a:rPr>
-                  <a:t>Априорное распределение ритма либо темпа для заданного жанра:</a:t>
+                  <a:t>Апостериорное распределение ритма либо темпа для заданного жанра:</a:t>
                 </a:r>
                 <a:endParaRPr lang="ru-RU" b="0" dirty="0">
                   <a:latin typeface="Times New Roman" panose="02020603050405020304" pitchFamily="18" charset="0"/>
@@ -8712,7 +8760,7 @@
               <a:blipFill>
                 <a:blip r:embed="rId2"/>
                 <a:stretch>
-                  <a:fillRect l="-1217" t="-2419"/>
+                  <a:fillRect l="-1217" t="-2419" b="-3898"/>
                 </a:stretch>
               </a:blipFill>
             </p:spPr>
@@ -8978,78 +9026,6 @@
           </a:p>
         </p:txBody>
       </p:sp>
-      <p:pic>
-        <p:nvPicPr>
-          <p:cNvPr id="5" name="Рисунок 4">
-            <a:extLst>
-              <a:ext uri="{FF2B5EF4-FFF2-40B4-BE49-F238E27FC236}">
-                <a16:creationId xmlns:a16="http://schemas.microsoft.com/office/drawing/2014/main" id="{105D60E8-3EA9-34B9-50BD-AADB67D183BF}"/>
-              </a:ext>
-            </a:extLst>
-          </p:cNvPr>
-          <p:cNvPicPr>
-            <a:picLocks noChangeAspect="1"/>
-          </p:cNvPicPr>
-          <p:nvPr/>
-        </p:nvPicPr>
-        <p:blipFill>
-          <a:blip r:embed="rId2">
-            <a:extLst>
-              <a:ext uri="{28A0092B-C50C-407E-A947-70E740481C1C}">
-                <a14:useLocalDpi xmlns:a14="http://schemas.microsoft.com/office/drawing/2010/main" val="0"/>
-              </a:ext>
-            </a:extLst>
-          </a:blip>
-          <a:stretch>
-            <a:fillRect/>
-          </a:stretch>
-        </p:blipFill>
-        <p:spPr>
-          <a:xfrm>
-            <a:off x="838201" y="2417030"/>
-            <a:ext cx="4953000" cy="3714750"/>
-          </a:xfrm>
-          <a:prstGeom prst="rect">
-            <a:avLst/>
-          </a:prstGeom>
-        </p:spPr>
-      </p:pic>
-      <p:pic>
-        <p:nvPicPr>
-          <p:cNvPr id="9" name="Рисунок 8">
-            <a:extLst>
-              <a:ext uri="{FF2B5EF4-FFF2-40B4-BE49-F238E27FC236}">
-                <a16:creationId xmlns:a16="http://schemas.microsoft.com/office/drawing/2014/main" id="{C51ACECA-FF64-10AA-7FFC-7B4CD70C9BBC}"/>
-              </a:ext>
-            </a:extLst>
-          </p:cNvPr>
-          <p:cNvPicPr>
-            <a:picLocks noChangeAspect="1"/>
-          </p:cNvPicPr>
-          <p:nvPr/>
-        </p:nvPicPr>
-        <p:blipFill>
-          <a:blip r:embed="rId3">
-            <a:extLst>
-              <a:ext uri="{28A0092B-C50C-407E-A947-70E740481C1C}">
-                <a14:useLocalDpi xmlns:a14="http://schemas.microsoft.com/office/drawing/2010/main" val="0"/>
-              </a:ext>
-            </a:extLst>
-          </a:blip>
-          <a:stretch>
-            <a:fillRect/>
-          </a:stretch>
-        </p:blipFill>
-        <p:spPr>
-          <a:xfrm>
-            <a:off x="5791201" y="2417030"/>
-            <a:ext cx="4953000" cy="3714750"/>
-          </a:xfrm>
-          <a:prstGeom prst="rect">
-            <a:avLst/>
-          </a:prstGeom>
-        </p:spPr>
-      </p:pic>
       <p:sp>
         <p:nvSpPr>
           <p:cNvPr id="11" name="TextBox 10">
@@ -9128,6 +9104,78 @@
           </a:p>
         </p:txBody>
       </p:sp>
+      <p:pic>
+        <p:nvPicPr>
+          <p:cNvPr id="7" name="Рисунок 6">
+            <a:extLst>
+              <a:ext uri="{FF2B5EF4-FFF2-40B4-BE49-F238E27FC236}">
+                <a16:creationId xmlns:a16="http://schemas.microsoft.com/office/drawing/2014/main" id="{860504FC-A67D-9267-0C45-0544E2114E18}"/>
+              </a:ext>
+            </a:extLst>
+          </p:cNvPr>
+          <p:cNvPicPr>
+            <a:picLocks noChangeAspect="1"/>
+          </p:cNvPicPr>
+          <p:nvPr/>
+        </p:nvPicPr>
+        <p:blipFill>
+          <a:blip r:embed="rId2">
+            <a:extLst>
+              <a:ext uri="{28A0092B-C50C-407E-A947-70E740481C1C}">
+                <a14:useLocalDpi xmlns:a14="http://schemas.microsoft.com/office/drawing/2010/main" val="0"/>
+              </a:ext>
+            </a:extLst>
+          </a:blip>
+          <a:stretch>
+            <a:fillRect/>
+          </a:stretch>
+        </p:blipFill>
+        <p:spPr>
+          <a:xfrm>
+            <a:off x="838199" y="2417028"/>
+            <a:ext cx="4953001" cy="3714751"/>
+          </a:xfrm>
+          <a:prstGeom prst="rect">
+            <a:avLst/>
+          </a:prstGeom>
+        </p:spPr>
+      </p:pic>
+      <p:pic>
+        <p:nvPicPr>
+          <p:cNvPr id="10" name="Рисунок 9">
+            <a:extLst>
+              <a:ext uri="{FF2B5EF4-FFF2-40B4-BE49-F238E27FC236}">
+                <a16:creationId xmlns:a16="http://schemas.microsoft.com/office/drawing/2014/main" id="{F13B3DC3-EB19-5B5E-2AC4-7F4ABABA8344}"/>
+              </a:ext>
+            </a:extLst>
+          </p:cNvPr>
+          <p:cNvPicPr>
+            <a:picLocks noChangeAspect="1"/>
+          </p:cNvPicPr>
+          <p:nvPr/>
+        </p:nvPicPr>
+        <p:blipFill>
+          <a:blip r:embed="rId3">
+            <a:extLst>
+              <a:ext uri="{28A0092B-C50C-407E-A947-70E740481C1C}">
+                <a14:useLocalDpi xmlns:a14="http://schemas.microsoft.com/office/drawing/2010/main" val="0"/>
+              </a:ext>
+            </a:extLst>
+          </a:blip>
+          <a:stretch>
+            <a:fillRect/>
+          </a:stretch>
+        </p:blipFill>
+        <p:spPr>
+          <a:xfrm>
+            <a:off x="5791200" y="2417028"/>
+            <a:ext cx="5013245" cy="3759934"/>
+          </a:xfrm>
+          <a:prstGeom prst="rect">
+            <a:avLst/>
+          </a:prstGeom>
+        </p:spPr>
+      </p:pic>
     </p:spTree>
     <p:extLst>
       <p:ext uri="{BB962C8B-B14F-4D97-AF65-F5344CB8AC3E}">
